--- a/최종 산출물/1_1_프로젝트 최종결과보고서_쇼핑지름길.pptx
+++ b/최종 산출물/1_1_프로젝트 최종결과보고서_쇼핑지름길.pptx
@@ -2640,14 +2640,6 @@
         </dgm:presLayoutVars>
       </dgm:prSet>
       <dgm:spPr/>
-      <dgm:t>
-        <a:bodyPr/>
-        <a:lstStyle/>
-        <a:p>
-          <a:pPr latinLnBrk="1"/>
-          <a:endParaRPr lang="ko-KR" altLang="en-US"/>
-        </a:p>
-      </dgm:t>
     </dgm:pt>
     <dgm:pt modelId="{E60C6630-47B6-B348-8D66-1500E976AF76}" type="pres">
       <dgm:prSet presAssocID="{35FE932A-B4E3-9148-AB09-4E7F4D0497DB}" presName="hierRoot1" presStyleCnt="0">
@@ -2668,26 +2660,10 @@
         </dgm:presLayoutVars>
       </dgm:prSet>
       <dgm:spPr/>
-      <dgm:t>
-        <a:bodyPr/>
-        <a:lstStyle/>
-        <a:p>
-          <a:pPr latinLnBrk="1"/>
-          <a:endParaRPr lang="ko-KR" altLang="en-US"/>
-        </a:p>
-      </dgm:t>
     </dgm:pt>
     <dgm:pt modelId="{A231989D-3901-2445-A645-FAE103A97604}" type="pres">
       <dgm:prSet presAssocID="{35FE932A-B4E3-9148-AB09-4E7F4D0497DB}" presName="rootConnector1" presStyleLbl="node1" presStyleIdx="0" presStyleCnt="0"/>
       <dgm:spPr/>
-      <dgm:t>
-        <a:bodyPr/>
-        <a:lstStyle/>
-        <a:p>
-          <a:pPr latinLnBrk="1"/>
-          <a:endParaRPr lang="ko-KR" altLang="en-US"/>
-        </a:p>
-      </dgm:t>
     </dgm:pt>
     <dgm:pt modelId="{5A801D06-7A19-A843-AA7D-8A3F7D8FD916}" type="pres">
       <dgm:prSet presAssocID="{35FE932A-B4E3-9148-AB09-4E7F4D0497DB}" presName="hierChild2" presStyleCnt="0"/>
@@ -2716,26 +2692,10 @@
         </dgm:presLayoutVars>
       </dgm:prSet>
       <dgm:spPr/>
-      <dgm:t>
-        <a:bodyPr/>
-        <a:lstStyle/>
-        <a:p>
-          <a:pPr latinLnBrk="1"/>
-          <a:endParaRPr lang="ko-KR" altLang="en-US"/>
-        </a:p>
-      </dgm:t>
     </dgm:pt>
     <dgm:pt modelId="{ACFDFDB1-A573-9844-9779-79F8C74FE627}" type="pres">
       <dgm:prSet presAssocID="{7BFEDE6C-9607-594B-AC8C-1507C7955511}" presName="rootConnector1" presStyleLbl="node1" presStyleIdx="0" presStyleCnt="0"/>
       <dgm:spPr/>
-      <dgm:t>
-        <a:bodyPr/>
-        <a:lstStyle/>
-        <a:p>
-          <a:pPr latinLnBrk="1"/>
-          <a:endParaRPr lang="ko-KR" altLang="en-US"/>
-        </a:p>
-      </dgm:t>
     </dgm:pt>
     <dgm:pt modelId="{9010999A-3261-7345-A1E7-EEFE607E767F}" type="pres">
       <dgm:prSet presAssocID="{7BFEDE6C-9607-594B-AC8C-1507C7955511}" presName="hierChild2" presStyleCnt="0"/>
@@ -2744,14 +2704,6 @@
     <dgm:pt modelId="{C2ACFCEB-73B0-4B49-9BCA-522645F9BBA7}" type="pres">
       <dgm:prSet presAssocID="{E9249ABB-830D-D94B-8EE8-FAE30579D6C1}" presName="Name64" presStyleLbl="parChTrans1D2" presStyleIdx="0" presStyleCnt="1"/>
       <dgm:spPr/>
-      <dgm:t>
-        <a:bodyPr/>
-        <a:lstStyle/>
-        <a:p>
-          <a:pPr latinLnBrk="1"/>
-          <a:endParaRPr lang="ko-KR" altLang="en-US"/>
-        </a:p>
-      </dgm:t>
     </dgm:pt>
     <dgm:pt modelId="{6F4938F1-015F-3443-8453-9897BB735428}" type="pres">
       <dgm:prSet presAssocID="{C413FA9F-9239-9847-BEE7-823B38DB5BF0}" presName="hierRoot2" presStyleCnt="0">
@@ -2772,26 +2724,10 @@
         </dgm:presLayoutVars>
       </dgm:prSet>
       <dgm:spPr/>
-      <dgm:t>
-        <a:bodyPr/>
-        <a:lstStyle/>
-        <a:p>
-          <a:pPr latinLnBrk="1"/>
-          <a:endParaRPr lang="ko-KR" altLang="en-US"/>
-        </a:p>
-      </dgm:t>
     </dgm:pt>
     <dgm:pt modelId="{AC223132-872D-4146-8395-A5346F616917}" type="pres">
       <dgm:prSet presAssocID="{C413FA9F-9239-9847-BEE7-823B38DB5BF0}" presName="rootConnector" presStyleLbl="node2" presStyleIdx="0" presStyleCnt="1"/>
       <dgm:spPr/>
-      <dgm:t>
-        <a:bodyPr/>
-        <a:lstStyle/>
-        <a:p>
-          <a:pPr latinLnBrk="1"/>
-          <a:endParaRPr lang="ko-KR" altLang="en-US"/>
-        </a:p>
-      </dgm:t>
     </dgm:pt>
     <dgm:pt modelId="{D60897A9-F369-8144-ABD2-3B0F07639A6D}" type="pres">
       <dgm:prSet presAssocID="{C413FA9F-9239-9847-BEE7-823B38DB5BF0}" presName="hierChild4" presStyleCnt="0"/>
@@ -2800,14 +2736,6 @@
     <dgm:pt modelId="{4F0BC09C-126F-DD4F-B53E-5ADBC944E896}" type="pres">
       <dgm:prSet presAssocID="{3E37A2D7-6D82-8E41-AFD8-DEF4867623AA}" presName="Name64" presStyleLbl="parChTrans1D3" presStyleIdx="0" presStyleCnt="5"/>
       <dgm:spPr/>
-      <dgm:t>
-        <a:bodyPr/>
-        <a:lstStyle/>
-        <a:p>
-          <a:pPr latinLnBrk="1"/>
-          <a:endParaRPr lang="ko-KR" altLang="en-US"/>
-        </a:p>
-      </dgm:t>
     </dgm:pt>
     <dgm:pt modelId="{4A2016E3-9993-D748-AC19-7DF5AD296C1D}" type="pres">
       <dgm:prSet presAssocID="{E6D93D8B-CE71-1B44-A963-36DA1BA22119}" presName="hierRoot2" presStyleCnt="0">
@@ -2828,26 +2756,10 @@
         </dgm:presLayoutVars>
       </dgm:prSet>
       <dgm:spPr/>
-      <dgm:t>
-        <a:bodyPr/>
-        <a:lstStyle/>
-        <a:p>
-          <a:pPr latinLnBrk="1"/>
-          <a:endParaRPr lang="ko-KR" altLang="en-US"/>
-        </a:p>
-      </dgm:t>
     </dgm:pt>
     <dgm:pt modelId="{4188069A-FBFD-D842-905C-70A99B8D48C8}" type="pres">
       <dgm:prSet presAssocID="{E6D93D8B-CE71-1B44-A963-36DA1BA22119}" presName="rootConnector" presStyleLbl="node3" presStyleIdx="0" presStyleCnt="5"/>
       <dgm:spPr/>
-      <dgm:t>
-        <a:bodyPr/>
-        <a:lstStyle/>
-        <a:p>
-          <a:pPr latinLnBrk="1"/>
-          <a:endParaRPr lang="ko-KR" altLang="en-US"/>
-        </a:p>
-      </dgm:t>
     </dgm:pt>
     <dgm:pt modelId="{3451B407-F150-104F-912C-1E9C3C6D1462}" type="pres">
       <dgm:prSet presAssocID="{E6D93D8B-CE71-1B44-A963-36DA1BA22119}" presName="hierChild4" presStyleCnt="0"/>
@@ -2856,14 +2768,6 @@
     <dgm:pt modelId="{4D3A2CBF-12B9-944D-90EB-00F8FBC6D72B}" type="pres">
       <dgm:prSet presAssocID="{76AAC5A8-399A-0449-B69C-F75FD4F59D5A}" presName="Name64" presStyleLbl="parChTrans1D4" presStyleIdx="0" presStyleCnt="14"/>
       <dgm:spPr/>
-      <dgm:t>
-        <a:bodyPr/>
-        <a:lstStyle/>
-        <a:p>
-          <a:pPr latinLnBrk="1"/>
-          <a:endParaRPr lang="ko-KR" altLang="en-US"/>
-        </a:p>
-      </dgm:t>
     </dgm:pt>
     <dgm:pt modelId="{B079CDB0-D24A-F940-914E-5E4A33857A8A}" type="pres">
       <dgm:prSet presAssocID="{45F626AA-2EF2-4844-BA18-6E4CC6B8B6CC}" presName="hierRoot2" presStyleCnt="0">
@@ -2884,26 +2788,10 @@
         </dgm:presLayoutVars>
       </dgm:prSet>
       <dgm:spPr/>
-      <dgm:t>
-        <a:bodyPr/>
-        <a:lstStyle/>
-        <a:p>
-          <a:pPr latinLnBrk="1"/>
-          <a:endParaRPr lang="ko-KR" altLang="en-US"/>
-        </a:p>
-      </dgm:t>
     </dgm:pt>
     <dgm:pt modelId="{64A408A6-DA60-7C46-973D-E45976BC2A3D}" type="pres">
       <dgm:prSet presAssocID="{45F626AA-2EF2-4844-BA18-6E4CC6B8B6CC}" presName="rootConnector" presStyleLbl="node4" presStyleIdx="0" presStyleCnt="14"/>
       <dgm:spPr/>
-      <dgm:t>
-        <a:bodyPr/>
-        <a:lstStyle/>
-        <a:p>
-          <a:pPr latinLnBrk="1"/>
-          <a:endParaRPr lang="ko-KR" altLang="en-US"/>
-        </a:p>
-      </dgm:t>
     </dgm:pt>
     <dgm:pt modelId="{8E4E9645-FED9-F04B-A833-0F565091F7FC}" type="pres">
       <dgm:prSet presAssocID="{45F626AA-2EF2-4844-BA18-6E4CC6B8B6CC}" presName="hierChild4" presStyleCnt="0"/>
@@ -2912,14 +2800,6 @@
     <dgm:pt modelId="{34C1B4B3-A2CC-0546-A72D-EA847439ABA8}" type="pres">
       <dgm:prSet presAssocID="{CD12CCE1-505A-B242-9C42-9859B42A8A2A}" presName="Name64" presStyleLbl="parChTrans1D4" presStyleIdx="1" presStyleCnt="14"/>
       <dgm:spPr/>
-      <dgm:t>
-        <a:bodyPr/>
-        <a:lstStyle/>
-        <a:p>
-          <a:pPr latinLnBrk="1"/>
-          <a:endParaRPr lang="ko-KR" altLang="en-US"/>
-        </a:p>
-      </dgm:t>
     </dgm:pt>
     <dgm:pt modelId="{6D7A7F3C-2192-F14F-9F53-04AA9A58D6F7}" type="pres">
       <dgm:prSet presAssocID="{F968B9E6-E6B5-AD47-B8CC-F62DB282329D}" presName="hierRoot2" presStyleCnt="0">
@@ -2940,26 +2820,10 @@
         </dgm:presLayoutVars>
       </dgm:prSet>
       <dgm:spPr/>
-      <dgm:t>
-        <a:bodyPr/>
-        <a:lstStyle/>
-        <a:p>
-          <a:pPr latinLnBrk="1"/>
-          <a:endParaRPr lang="ko-KR" altLang="en-US"/>
-        </a:p>
-      </dgm:t>
     </dgm:pt>
     <dgm:pt modelId="{A458E8D9-D17F-E940-9023-D4F5BC0BB771}" type="pres">
       <dgm:prSet presAssocID="{F968B9E6-E6B5-AD47-B8CC-F62DB282329D}" presName="rootConnector" presStyleLbl="node4" presStyleIdx="1" presStyleCnt="14"/>
       <dgm:spPr/>
-      <dgm:t>
-        <a:bodyPr/>
-        <a:lstStyle/>
-        <a:p>
-          <a:pPr latinLnBrk="1"/>
-          <a:endParaRPr lang="ko-KR" altLang="en-US"/>
-        </a:p>
-      </dgm:t>
     </dgm:pt>
     <dgm:pt modelId="{C554ED23-56FD-F449-BF12-3725E9787424}" type="pres">
       <dgm:prSet presAssocID="{F968B9E6-E6B5-AD47-B8CC-F62DB282329D}" presName="hierChild4" presStyleCnt="0"/>
@@ -2968,14 +2832,6 @@
     <dgm:pt modelId="{DC5CD5F5-D379-2F45-85AC-DDEB73931F81}" type="pres">
       <dgm:prSet presAssocID="{F41FC826-5D1A-A84D-BB3A-92058E7105A9}" presName="Name64" presStyleLbl="parChTrans1D4" presStyleIdx="2" presStyleCnt="14"/>
       <dgm:spPr/>
-      <dgm:t>
-        <a:bodyPr/>
-        <a:lstStyle/>
-        <a:p>
-          <a:pPr latinLnBrk="1"/>
-          <a:endParaRPr lang="ko-KR" altLang="en-US"/>
-        </a:p>
-      </dgm:t>
     </dgm:pt>
     <dgm:pt modelId="{DFC56491-634A-DC45-9445-0CC76A70791E}" type="pres">
       <dgm:prSet presAssocID="{18BD139E-1690-2349-80A8-9C91ECA1FDFF}" presName="hierRoot2" presStyleCnt="0">
@@ -2996,26 +2852,10 @@
         </dgm:presLayoutVars>
       </dgm:prSet>
       <dgm:spPr/>
-      <dgm:t>
-        <a:bodyPr/>
-        <a:lstStyle/>
-        <a:p>
-          <a:pPr latinLnBrk="1"/>
-          <a:endParaRPr lang="ko-KR" altLang="en-US"/>
-        </a:p>
-      </dgm:t>
     </dgm:pt>
     <dgm:pt modelId="{F592DF39-4010-4F48-8DFB-4E59A5406AA4}" type="pres">
       <dgm:prSet presAssocID="{18BD139E-1690-2349-80A8-9C91ECA1FDFF}" presName="rootConnector" presStyleLbl="node4" presStyleIdx="2" presStyleCnt="14"/>
       <dgm:spPr/>
-      <dgm:t>
-        <a:bodyPr/>
-        <a:lstStyle/>
-        <a:p>
-          <a:pPr latinLnBrk="1"/>
-          <a:endParaRPr lang="ko-KR" altLang="en-US"/>
-        </a:p>
-      </dgm:t>
     </dgm:pt>
     <dgm:pt modelId="{EFDB26CE-8493-104F-A60A-09E36F2EC535}" type="pres">
       <dgm:prSet presAssocID="{18BD139E-1690-2349-80A8-9C91ECA1FDFF}" presName="hierChild4" presStyleCnt="0"/>
@@ -3028,14 +2868,6 @@
     <dgm:pt modelId="{439A70E9-60F1-6D44-97A8-50A0E8354274}" type="pres">
       <dgm:prSet presAssocID="{4623FD68-D025-0849-BB01-A9BFDECBDFF1}" presName="Name64" presStyleLbl="parChTrans1D4" presStyleIdx="3" presStyleCnt="14"/>
       <dgm:spPr/>
-      <dgm:t>
-        <a:bodyPr/>
-        <a:lstStyle/>
-        <a:p>
-          <a:pPr latinLnBrk="1"/>
-          <a:endParaRPr lang="ko-KR" altLang="en-US"/>
-        </a:p>
-      </dgm:t>
     </dgm:pt>
     <dgm:pt modelId="{DFA97D6C-FB8F-774C-A767-C146E49109BB}" type="pres">
       <dgm:prSet presAssocID="{426E4F03-782C-D64B-9A3A-C758D80E24FF}" presName="hierRoot2" presStyleCnt="0">
@@ -3056,26 +2888,10 @@
         </dgm:presLayoutVars>
       </dgm:prSet>
       <dgm:spPr/>
-      <dgm:t>
-        <a:bodyPr/>
-        <a:lstStyle/>
-        <a:p>
-          <a:pPr latinLnBrk="1"/>
-          <a:endParaRPr lang="ko-KR" altLang="en-US"/>
-        </a:p>
-      </dgm:t>
     </dgm:pt>
     <dgm:pt modelId="{E7B33133-8858-914A-90FF-DE3A571C81B8}" type="pres">
       <dgm:prSet presAssocID="{426E4F03-782C-D64B-9A3A-C758D80E24FF}" presName="rootConnector" presStyleLbl="node4" presStyleIdx="3" presStyleCnt="14"/>
       <dgm:spPr/>
-      <dgm:t>
-        <a:bodyPr/>
-        <a:lstStyle/>
-        <a:p>
-          <a:pPr latinLnBrk="1"/>
-          <a:endParaRPr lang="ko-KR" altLang="en-US"/>
-        </a:p>
-      </dgm:t>
     </dgm:pt>
     <dgm:pt modelId="{68B18878-1758-9C44-A9E6-99B436E0D12A}" type="pres">
       <dgm:prSet presAssocID="{426E4F03-782C-D64B-9A3A-C758D80E24FF}" presName="hierChild4" presStyleCnt="0"/>
@@ -3088,14 +2904,6 @@
     <dgm:pt modelId="{448E8529-2D20-1649-858A-D3EB0AC733DB}" type="pres">
       <dgm:prSet presAssocID="{797D844F-797B-5643-9A60-BCEFE6B43CBF}" presName="Name64" presStyleLbl="parChTrans1D4" presStyleIdx="4" presStyleCnt="14"/>
       <dgm:spPr/>
-      <dgm:t>
-        <a:bodyPr/>
-        <a:lstStyle/>
-        <a:p>
-          <a:pPr latinLnBrk="1"/>
-          <a:endParaRPr lang="ko-KR" altLang="en-US"/>
-        </a:p>
-      </dgm:t>
     </dgm:pt>
     <dgm:pt modelId="{D0F7DFDD-CA59-8042-9678-D77C0E8087A0}" type="pres">
       <dgm:prSet presAssocID="{15273640-91B6-D442-88AD-F2300481E4B7}" presName="hierRoot2" presStyleCnt="0">
@@ -3116,26 +2924,10 @@
         </dgm:presLayoutVars>
       </dgm:prSet>
       <dgm:spPr/>
-      <dgm:t>
-        <a:bodyPr/>
-        <a:lstStyle/>
-        <a:p>
-          <a:pPr latinLnBrk="1"/>
-          <a:endParaRPr lang="ko-KR" altLang="en-US"/>
-        </a:p>
-      </dgm:t>
     </dgm:pt>
     <dgm:pt modelId="{3247217A-25DC-1F4E-8DB9-DDBEA2ECEFBA}" type="pres">
       <dgm:prSet presAssocID="{15273640-91B6-D442-88AD-F2300481E4B7}" presName="rootConnector" presStyleLbl="node4" presStyleIdx="4" presStyleCnt="14"/>
       <dgm:spPr/>
-      <dgm:t>
-        <a:bodyPr/>
-        <a:lstStyle/>
-        <a:p>
-          <a:pPr latinLnBrk="1"/>
-          <a:endParaRPr lang="ko-KR" altLang="en-US"/>
-        </a:p>
-      </dgm:t>
     </dgm:pt>
     <dgm:pt modelId="{FA142B8A-3AE9-8B45-8703-370D5D68AC68}" type="pres">
       <dgm:prSet presAssocID="{15273640-91B6-D442-88AD-F2300481E4B7}" presName="hierChild4" presStyleCnt="0"/>
@@ -3148,14 +2940,6 @@
     <dgm:pt modelId="{C8679E9E-AA2C-7B43-88EF-C46EDB753E13}" type="pres">
       <dgm:prSet presAssocID="{AC3BCAE8-7BB2-9349-887D-BE101454965A}" presName="Name64" presStyleLbl="parChTrans1D4" presStyleIdx="5" presStyleCnt="14"/>
       <dgm:spPr/>
-      <dgm:t>
-        <a:bodyPr/>
-        <a:lstStyle/>
-        <a:p>
-          <a:pPr latinLnBrk="1"/>
-          <a:endParaRPr lang="ko-KR" altLang="en-US"/>
-        </a:p>
-      </dgm:t>
     </dgm:pt>
     <dgm:pt modelId="{EAE73ED7-009C-424B-B1AF-069FEB450A0B}" type="pres">
       <dgm:prSet presAssocID="{719A7A92-97D0-284C-9AE9-AF0E47293C47}" presName="hierRoot2" presStyleCnt="0">
@@ -3176,26 +2960,10 @@
         </dgm:presLayoutVars>
       </dgm:prSet>
       <dgm:spPr/>
-      <dgm:t>
-        <a:bodyPr/>
-        <a:lstStyle/>
-        <a:p>
-          <a:pPr latinLnBrk="1"/>
-          <a:endParaRPr lang="ko-KR" altLang="en-US"/>
-        </a:p>
-      </dgm:t>
     </dgm:pt>
     <dgm:pt modelId="{646C1CE4-4D68-9041-BF94-8602D29D0B32}" type="pres">
       <dgm:prSet presAssocID="{719A7A92-97D0-284C-9AE9-AF0E47293C47}" presName="rootConnector" presStyleLbl="node4" presStyleIdx="5" presStyleCnt="14"/>
       <dgm:spPr/>
-      <dgm:t>
-        <a:bodyPr/>
-        <a:lstStyle/>
-        <a:p>
-          <a:pPr latinLnBrk="1"/>
-          <a:endParaRPr lang="ko-KR" altLang="en-US"/>
-        </a:p>
-      </dgm:t>
     </dgm:pt>
     <dgm:pt modelId="{7EBF5417-2F35-D348-93F2-BB94CE31D24E}" type="pres">
       <dgm:prSet presAssocID="{719A7A92-97D0-284C-9AE9-AF0E47293C47}" presName="hierChild4" presStyleCnt="0"/>
@@ -3208,14 +2976,6 @@
     <dgm:pt modelId="{053307E0-03B3-474B-905F-B789F766E5E1}" type="pres">
       <dgm:prSet presAssocID="{E1F04318-3D6C-A24B-9299-0948A984F6E2}" presName="Name64" presStyleLbl="parChTrans1D4" presStyleIdx="6" presStyleCnt="14"/>
       <dgm:spPr/>
-      <dgm:t>
-        <a:bodyPr/>
-        <a:lstStyle/>
-        <a:p>
-          <a:pPr latinLnBrk="1"/>
-          <a:endParaRPr lang="ko-KR" altLang="en-US"/>
-        </a:p>
-      </dgm:t>
     </dgm:pt>
     <dgm:pt modelId="{C6DA9C98-19DC-FC45-8C69-86E6C1A90092}" type="pres">
       <dgm:prSet presAssocID="{F7045E3E-1E4A-E344-AE51-35BB60E89B46}" presName="hierRoot2" presStyleCnt="0">
@@ -3236,26 +2996,10 @@
         </dgm:presLayoutVars>
       </dgm:prSet>
       <dgm:spPr/>
-      <dgm:t>
-        <a:bodyPr/>
-        <a:lstStyle/>
-        <a:p>
-          <a:pPr latinLnBrk="1"/>
-          <a:endParaRPr lang="ko-KR" altLang="en-US"/>
-        </a:p>
-      </dgm:t>
     </dgm:pt>
     <dgm:pt modelId="{4DD68557-4F19-B645-A94F-C6891F01CC46}" type="pres">
       <dgm:prSet presAssocID="{F7045E3E-1E4A-E344-AE51-35BB60E89B46}" presName="rootConnector" presStyleLbl="node4" presStyleIdx="6" presStyleCnt="14"/>
       <dgm:spPr/>
-      <dgm:t>
-        <a:bodyPr/>
-        <a:lstStyle/>
-        <a:p>
-          <a:pPr latinLnBrk="1"/>
-          <a:endParaRPr lang="ko-KR" altLang="en-US"/>
-        </a:p>
-      </dgm:t>
     </dgm:pt>
     <dgm:pt modelId="{2A11071A-3F2A-894E-AFA9-B49D819CC698}" type="pres">
       <dgm:prSet presAssocID="{F7045E3E-1E4A-E344-AE51-35BB60E89B46}" presName="hierChild4" presStyleCnt="0"/>
@@ -3272,14 +3016,6 @@
     <dgm:pt modelId="{57DF42BD-F823-4F43-87C5-0823FAC7F65C}" type="pres">
       <dgm:prSet presAssocID="{FB7557C6-19EE-7444-AB90-FC4E1D7077C7}" presName="Name64" presStyleLbl="parChTrans1D4" presStyleIdx="7" presStyleCnt="14"/>
       <dgm:spPr/>
-      <dgm:t>
-        <a:bodyPr/>
-        <a:lstStyle/>
-        <a:p>
-          <a:pPr latinLnBrk="1"/>
-          <a:endParaRPr lang="ko-KR" altLang="en-US"/>
-        </a:p>
-      </dgm:t>
     </dgm:pt>
     <dgm:pt modelId="{2F6249CD-488B-494F-A9BE-F018B97C3596}" type="pres">
       <dgm:prSet presAssocID="{48161431-B114-BF47-AE31-0D403A9419B0}" presName="hierRoot2" presStyleCnt="0">
@@ -3300,26 +3036,10 @@
         </dgm:presLayoutVars>
       </dgm:prSet>
       <dgm:spPr/>
-      <dgm:t>
-        <a:bodyPr/>
-        <a:lstStyle/>
-        <a:p>
-          <a:pPr latinLnBrk="1"/>
-          <a:endParaRPr lang="ko-KR" altLang="en-US"/>
-        </a:p>
-      </dgm:t>
     </dgm:pt>
     <dgm:pt modelId="{E50875C5-7AD5-7042-B49C-E638BCCA5A34}" type="pres">
       <dgm:prSet presAssocID="{48161431-B114-BF47-AE31-0D403A9419B0}" presName="rootConnector" presStyleLbl="node4" presStyleIdx="7" presStyleCnt="14"/>
       <dgm:spPr/>
-      <dgm:t>
-        <a:bodyPr/>
-        <a:lstStyle/>
-        <a:p>
-          <a:pPr latinLnBrk="1"/>
-          <a:endParaRPr lang="ko-KR" altLang="en-US"/>
-        </a:p>
-      </dgm:t>
     </dgm:pt>
     <dgm:pt modelId="{C28E7374-57F4-FF4C-962A-C0B9978DC018}" type="pres">
       <dgm:prSet presAssocID="{48161431-B114-BF47-AE31-0D403A9419B0}" presName="hierChild4" presStyleCnt="0"/>
@@ -3332,14 +3052,6 @@
     <dgm:pt modelId="{57ACF9DC-8539-1E4B-83FE-FC985D7737EA}" type="pres">
       <dgm:prSet presAssocID="{F3D4C066-8284-084B-9FF3-CDAD2A89EF2D}" presName="Name64" presStyleLbl="parChTrans1D4" presStyleIdx="8" presStyleCnt="14"/>
       <dgm:spPr/>
-      <dgm:t>
-        <a:bodyPr/>
-        <a:lstStyle/>
-        <a:p>
-          <a:pPr latinLnBrk="1"/>
-          <a:endParaRPr lang="ko-KR" altLang="en-US"/>
-        </a:p>
-      </dgm:t>
     </dgm:pt>
     <dgm:pt modelId="{3558424A-A96B-3343-B0A1-8346ED4BE52F}" type="pres">
       <dgm:prSet presAssocID="{F24DFC5C-3CD2-E148-BAC1-D306DDD3489B}" presName="hierRoot2" presStyleCnt="0">
@@ -3360,26 +3072,10 @@
         </dgm:presLayoutVars>
       </dgm:prSet>
       <dgm:spPr/>
-      <dgm:t>
-        <a:bodyPr/>
-        <a:lstStyle/>
-        <a:p>
-          <a:pPr latinLnBrk="1"/>
-          <a:endParaRPr lang="ko-KR" altLang="en-US"/>
-        </a:p>
-      </dgm:t>
     </dgm:pt>
     <dgm:pt modelId="{43A95B9A-DA64-A24B-882C-501534AA8E15}" type="pres">
       <dgm:prSet presAssocID="{F24DFC5C-3CD2-E148-BAC1-D306DDD3489B}" presName="rootConnector" presStyleLbl="node4" presStyleIdx="8" presStyleCnt="14"/>
       <dgm:spPr/>
-      <dgm:t>
-        <a:bodyPr/>
-        <a:lstStyle/>
-        <a:p>
-          <a:pPr latinLnBrk="1"/>
-          <a:endParaRPr lang="ko-KR" altLang="en-US"/>
-        </a:p>
-      </dgm:t>
     </dgm:pt>
     <dgm:pt modelId="{E7249682-6581-F249-A343-2CDC8A4C8B8A}" type="pres">
       <dgm:prSet presAssocID="{F24DFC5C-3CD2-E148-BAC1-D306DDD3489B}" presName="hierChild4" presStyleCnt="0"/>
@@ -3400,14 +3096,6 @@
     <dgm:pt modelId="{1B0B82BC-9A97-8C4E-BB5C-88EFB1586870}" type="pres">
       <dgm:prSet presAssocID="{DE3A6BA3-9CD1-1E4E-8E3B-A1707C942582}" presName="Name64" presStyleLbl="parChTrans1D3" presStyleIdx="1" presStyleCnt="5"/>
       <dgm:spPr/>
-      <dgm:t>
-        <a:bodyPr/>
-        <a:lstStyle/>
-        <a:p>
-          <a:pPr latinLnBrk="1"/>
-          <a:endParaRPr lang="ko-KR" altLang="en-US"/>
-        </a:p>
-      </dgm:t>
     </dgm:pt>
     <dgm:pt modelId="{DEFE0F1F-8DCB-C54A-B49F-C49D1793AE83}" type="pres">
       <dgm:prSet presAssocID="{1444E1BC-FD2A-E14E-AF76-5775DA2FA044}" presName="hierRoot2" presStyleCnt="0">
@@ -3428,26 +3116,10 @@
         </dgm:presLayoutVars>
       </dgm:prSet>
       <dgm:spPr/>
-      <dgm:t>
-        <a:bodyPr/>
-        <a:lstStyle/>
-        <a:p>
-          <a:pPr latinLnBrk="1"/>
-          <a:endParaRPr lang="ko-KR" altLang="en-US"/>
-        </a:p>
-      </dgm:t>
     </dgm:pt>
     <dgm:pt modelId="{AC523E20-B507-C842-940A-C5A8C6DC5929}" type="pres">
       <dgm:prSet presAssocID="{1444E1BC-FD2A-E14E-AF76-5775DA2FA044}" presName="rootConnector" presStyleLbl="node3" presStyleIdx="1" presStyleCnt="5"/>
       <dgm:spPr/>
-      <dgm:t>
-        <a:bodyPr/>
-        <a:lstStyle/>
-        <a:p>
-          <a:pPr latinLnBrk="1"/>
-          <a:endParaRPr lang="ko-KR" altLang="en-US"/>
-        </a:p>
-      </dgm:t>
     </dgm:pt>
     <dgm:pt modelId="{F768F827-E878-7346-B1BB-CDCE2A4EC0F6}" type="pres">
       <dgm:prSet presAssocID="{1444E1BC-FD2A-E14E-AF76-5775DA2FA044}" presName="hierChild4" presStyleCnt="0"/>
@@ -3460,14 +3132,6 @@
     <dgm:pt modelId="{9D57B031-F133-2441-A735-2CC81D1FA66E}" type="pres">
       <dgm:prSet presAssocID="{A234A45A-ED06-BD40-A725-F9BB542E7239}" presName="Name64" presStyleLbl="parChTrans1D3" presStyleIdx="2" presStyleCnt="5"/>
       <dgm:spPr/>
-      <dgm:t>
-        <a:bodyPr/>
-        <a:lstStyle/>
-        <a:p>
-          <a:pPr latinLnBrk="1"/>
-          <a:endParaRPr lang="ko-KR" altLang="en-US"/>
-        </a:p>
-      </dgm:t>
     </dgm:pt>
     <dgm:pt modelId="{17214A8A-490C-A545-A592-D3ABDC072717}" type="pres">
       <dgm:prSet presAssocID="{0219DD79-D5F4-8F4D-A8F2-637B89BE08A4}" presName="hierRoot2" presStyleCnt="0">
@@ -3488,26 +3152,10 @@
         </dgm:presLayoutVars>
       </dgm:prSet>
       <dgm:spPr/>
-      <dgm:t>
-        <a:bodyPr/>
-        <a:lstStyle/>
-        <a:p>
-          <a:pPr latinLnBrk="1"/>
-          <a:endParaRPr lang="ko-KR" altLang="en-US"/>
-        </a:p>
-      </dgm:t>
     </dgm:pt>
     <dgm:pt modelId="{4A128A98-EADD-F246-9948-C61CE48CEAF4}" type="pres">
       <dgm:prSet presAssocID="{0219DD79-D5F4-8F4D-A8F2-637B89BE08A4}" presName="rootConnector" presStyleLbl="node3" presStyleIdx="2" presStyleCnt="5"/>
       <dgm:spPr/>
-      <dgm:t>
-        <a:bodyPr/>
-        <a:lstStyle/>
-        <a:p>
-          <a:pPr latinLnBrk="1"/>
-          <a:endParaRPr lang="ko-KR" altLang="en-US"/>
-        </a:p>
-      </dgm:t>
     </dgm:pt>
     <dgm:pt modelId="{2D58C295-1E63-1F4F-81ED-E75594D600E1}" type="pres">
       <dgm:prSet presAssocID="{0219DD79-D5F4-8F4D-A8F2-637B89BE08A4}" presName="hierChild4" presStyleCnt="0"/>
@@ -3520,14 +3168,6 @@
     <dgm:pt modelId="{660B96C4-C39E-7840-8101-CA3332188D93}" type="pres">
       <dgm:prSet presAssocID="{040FC7E0-E2EF-6A41-A451-8B5112C8ECDB}" presName="Name64" presStyleLbl="parChTrans1D3" presStyleIdx="3" presStyleCnt="5"/>
       <dgm:spPr/>
-      <dgm:t>
-        <a:bodyPr/>
-        <a:lstStyle/>
-        <a:p>
-          <a:pPr latinLnBrk="1"/>
-          <a:endParaRPr lang="ko-KR" altLang="en-US"/>
-        </a:p>
-      </dgm:t>
     </dgm:pt>
     <dgm:pt modelId="{E3A9639C-39D3-364A-80DF-FFB373081CFF}" type="pres">
       <dgm:prSet presAssocID="{4D678D51-CA99-2E4E-8A8C-B29A52973556}" presName="hierRoot2" presStyleCnt="0">
@@ -3548,26 +3188,10 @@
         </dgm:presLayoutVars>
       </dgm:prSet>
       <dgm:spPr/>
-      <dgm:t>
-        <a:bodyPr/>
-        <a:lstStyle/>
-        <a:p>
-          <a:pPr latinLnBrk="1"/>
-          <a:endParaRPr lang="ko-KR" altLang="en-US"/>
-        </a:p>
-      </dgm:t>
     </dgm:pt>
     <dgm:pt modelId="{BE68FB4A-A7DB-4A48-A779-023E1E7CACDB}" type="pres">
       <dgm:prSet presAssocID="{4D678D51-CA99-2E4E-8A8C-B29A52973556}" presName="rootConnector" presStyleLbl="node3" presStyleIdx="3" presStyleCnt="5"/>
       <dgm:spPr/>
-      <dgm:t>
-        <a:bodyPr/>
-        <a:lstStyle/>
-        <a:p>
-          <a:pPr latinLnBrk="1"/>
-          <a:endParaRPr lang="ko-KR" altLang="en-US"/>
-        </a:p>
-      </dgm:t>
     </dgm:pt>
     <dgm:pt modelId="{4D72F12B-6466-264A-AD41-4EDDDE194F1B}" type="pres">
       <dgm:prSet presAssocID="{4D678D51-CA99-2E4E-8A8C-B29A52973556}" presName="hierChild4" presStyleCnt="0"/>
@@ -3576,14 +3200,6 @@
     <dgm:pt modelId="{0193F946-8399-DA44-A32E-43D1481A6EC1}" type="pres">
       <dgm:prSet presAssocID="{1068AB67-9F0A-C348-81FB-00F0F0086519}" presName="Name64" presStyleLbl="parChTrans1D4" presStyleIdx="9" presStyleCnt="14"/>
       <dgm:spPr/>
-      <dgm:t>
-        <a:bodyPr/>
-        <a:lstStyle/>
-        <a:p>
-          <a:pPr latinLnBrk="1"/>
-          <a:endParaRPr lang="ko-KR" altLang="en-US"/>
-        </a:p>
-      </dgm:t>
     </dgm:pt>
     <dgm:pt modelId="{35907726-67C7-D945-86C7-95E2C53D1ECB}" type="pres">
       <dgm:prSet presAssocID="{D6281AC0-5AC1-6441-BE0B-B8D95349A413}" presName="hierRoot2" presStyleCnt="0">
@@ -3604,26 +3220,10 @@
         </dgm:presLayoutVars>
       </dgm:prSet>
       <dgm:spPr/>
-      <dgm:t>
-        <a:bodyPr/>
-        <a:lstStyle/>
-        <a:p>
-          <a:pPr latinLnBrk="1"/>
-          <a:endParaRPr lang="ko-KR" altLang="en-US"/>
-        </a:p>
-      </dgm:t>
     </dgm:pt>
     <dgm:pt modelId="{FEC69C4A-0059-FB46-B832-4FA2AA841385}" type="pres">
       <dgm:prSet presAssocID="{D6281AC0-5AC1-6441-BE0B-B8D95349A413}" presName="rootConnector" presStyleLbl="node4" presStyleIdx="9" presStyleCnt="14"/>
       <dgm:spPr/>
-      <dgm:t>
-        <a:bodyPr/>
-        <a:lstStyle/>
-        <a:p>
-          <a:pPr latinLnBrk="1"/>
-          <a:endParaRPr lang="ko-KR" altLang="en-US"/>
-        </a:p>
-      </dgm:t>
     </dgm:pt>
     <dgm:pt modelId="{2FCA7108-C009-0445-B8E4-57DFFA076AF8}" type="pres">
       <dgm:prSet presAssocID="{D6281AC0-5AC1-6441-BE0B-B8D95349A413}" presName="hierChild4" presStyleCnt="0"/>
@@ -3632,14 +3232,6 @@
     <dgm:pt modelId="{3BC7DC9D-E80C-6F4B-B897-CCEA99BCC485}" type="pres">
       <dgm:prSet presAssocID="{AD381FD6-265A-FF4D-B461-B87E7D38A31D}" presName="Name64" presStyleLbl="parChTrans1D4" presStyleIdx="10" presStyleCnt="14"/>
       <dgm:spPr/>
-      <dgm:t>
-        <a:bodyPr/>
-        <a:lstStyle/>
-        <a:p>
-          <a:pPr latinLnBrk="1"/>
-          <a:endParaRPr lang="ko-KR" altLang="en-US"/>
-        </a:p>
-      </dgm:t>
     </dgm:pt>
     <dgm:pt modelId="{779250B7-50C5-3746-B9EA-43F15A7E8A06}" type="pres">
       <dgm:prSet presAssocID="{02E41167-084A-D042-9B42-6A55394A5101}" presName="hierRoot2" presStyleCnt="0">
@@ -3660,26 +3252,10 @@
         </dgm:presLayoutVars>
       </dgm:prSet>
       <dgm:spPr/>
-      <dgm:t>
-        <a:bodyPr/>
-        <a:lstStyle/>
-        <a:p>
-          <a:pPr latinLnBrk="1"/>
-          <a:endParaRPr lang="ko-KR" altLang="en-US"/>
-        </a:p>
-      </dgm:t>
     </dgm:pt>
     <dgm:pt modelId="{81C2638C-692A-4845-911A-B1E0A953D24F}" type="pres">
       <dgm:prSet presAssocID="{02E41167-084A-D042-9B42-6A55394A5101}" presName="rootConnector" presStyleLbl="node4" presStyleIdx="10" presStyleCnt="14"/>
       <dgm:spPr/>
-      <dgm:t>
-        <a:bodyPr/>
-        <a:lstStyle/>
-        <a:p>
-          <a:pPr latinLnBrk="1"/>
-          <a:endParaRPr lang="ko-KR" altLang="en-US"/>
-        </a:p>
-      </dgm:t>
     </dgm:pt>
     <dgm:pt modelId="{697BB991-8F4E-7D41-85BE-EFA86808E12B}" type="pres">
       <dgm:prSet presAssocID="{02E41167-084A-D042-9B42-6A55394A5101}" presName="hierChild4" presStyleCnt="0"/>
@@ -3688,14 +3264,6 @@
     <dgm:pt modelId="{C2CDF750-20E6-4947-B8D1-862D76CE095B}" type="pres">
       <dgm:prSet presAssocID="{A2F02383-8D4C-3A4A-AD0E-C4C5864A9752}" presName="Name64" presStyleLbl="parChTrans1D4" presStyleIdx="11" presStyleCnt="14"/>
       <dgm:spPr/>
-      <dgm:t>
-        <a:bodyPr/>
-        <a:lstStyle/>
-        <a:p>
-          <a:pPr latinLnBrk="1"/>
-          <a:endParaRPr lang="ko-KR" altLang="en-US"/>
-        </a:p>
-      </dgm:t>
     </dgm:pt>
     <dgm:pt modelId="{2BB66B0D-5CB3-114E-B69E-4239FD219A01}" type="pres">
       <dgm:prSet presAssocID="{2C578480-E8C3-8D47-8D94-48FFC005DF40}" presName="hierRoot2" presStyleCnt="0">
@@ -3716,26 +3284,10 @@
         </dgm:presLayoutVars>
       </dgm:prSet>
       <dgm:spPr/>
-      <dgm:t>
-        <a:bodyPr/>
-        <a:lstStyle/>
-        <a:p>
-          <a:pPr latinLnBrk="1"/>
-          <a:endParaRPr lang="ko-KR" altLang="en-US"/>
-        </a:p>
-      </dgm:t>
     </dgm:pt>
     <dgm:pt modelId="{1EAFA9E4-6A7C-FE44-91F4-EB7F06430BAC}" type="pres">
       <dgm:prSet presAssocID="{2C578480-E8C3-8D47-8D94-48FFC005DF40}" presName="rootConnector" presStyleLbl="node4" presStyleIdx="11" presStyleCnt="14"/>
       <dgm:spPr/>
-      <dgm:t>
-        <a:bodyPr/>
-        <a:lstStyle/>
-        <a:p>
-          <a:pPr latinLnBrk="1"/>
-          <a:endParaRPr lang="ko-KR" altLang="en-US"/>
-        </a:p>
-      </dgm:t>
     </dgm:pt>
     <dgm:pt modelId="{C6F46108-4835-9D44-8D93-73EB36AFBAF9}" type="pres">
       <dgm:prSet presAssocID="{2C578480-E8C3-8D47-8D94-48FFC005DF40}" presName="hierChild4" presStyleCnt="0"/>
@@ -3748,14 +3300,6 @@
     <dgm:pt modelId="{D123E766-8A01-1D4F-805D-8029F78BF872}" type="pres">
       <dgm:prSet presAssocID="{F52C6A37-82AA-BC40-BD85-F0BF7EB87C0D}" presName="Name64" presStyleLbl="parChTrans1D4" presStyleIdx="12" presStyleCnt="14"/>
       <dgm:spPr/>
-      <dgm:t>
-        <a:bodyPr/>
-        <a:lstStyle/>
-        <a:p>
-          <a:pPr latinLnBrk="1"/>
-          <a:endParaRPr lang="ko-KR" altLang="en-US"/>
-        </a:p>
-      </dgm:t>
     </dgm:pt>
     <dgm:pt modelId="{1C32DC02-91C7-464D-BCF6-35163AEA3737}" type="pres">
       <dgm:prSet presAssocID="{A29CBED9-BCB0-2748-9E8A-A7FB685319D9}" presName="hierRoot2" presStyleCnt="0">
@@ -3776,26 +3320,10 @@
         </dgm:presLayoutVars>
       </dgm:prSet>
       <dgm:spPr/>
-      <dgm:t>
-        <a:bodyPr/>
-        <a:lstStyle/>
-        <a:p>
-          <a:pPr latinLnBrk="1"/>
-          <a:endParaRPr lang="ko-KR" altLang="en-US"/>
-        </a:p>
-      </dgm:t>
     </dgm:pt>
     <dgm:pt modelId="{26730E51-5B78-F645-9CA4-50677B915DF0}" type="pres">
       <dgm:prSet presAssocID="{A29CBED9-BCB0-2748-9E8A-A7FB685319D9}" presName="rootConnector" presStyleLbl="node4" presStyleIdx="12" presStyleCnt="14"/>
       <dgm:spPr/>
-      <dgm:t>
-        <a:bodyPr/>
-        <a:lstStyle/>
-        <a:p>
-          <a:pPr latinLnBrk="1"/>
-          <a:endParaRPr lang="ko-KR" altLang="en-US"/>
-        </a:p>
-      </dgm:t>
     </dgm:pt>
     <dgm:pt modelId="{01D7E435-CFDE-304D-AE0E-0962CF81A56B}" type="pres">
       <dgm:prSet presAssocID="{A29CBED9-BCB0-2748-9E8A-A7FB685319D9}" presName="hierChild4" presStyleCnt="0"/>
@@ -3808,14 +3336,6 @@
     <dgm:pt modelId="{C9A12E1D-EA1B-CE4B-BBAB-93DD2E8AB6EF}" type="pres">
       <dgm:prSet presAssocID="{0BEE248D-B454-9845-B2B1-72D45ED0D477}" presName="Name64" presStyleLbl="parChTrans1D4" presStyleIdx="13" presStyleCnt="14"/>
       <dgm:spPr/>
-      <dgm:t>
-        <a:bodyPr/>
-        <a:lstStyle/>
-        <a:p>
-          <a:pPr latinLnBrk="1"/>
-          <a:endParaRPr lang="ko-KR" altLang="en-US"/>
-        </a:p>
-      </dgm:t>
     </dgm:pt>
     <dgm:pt modelId="{0A93BC7A-1008-D848-A92A-0AA5BB22B97C}" type="pres">
       <dgm:prSet presAssocID="{A6C88925-5869-9F4A-9283-E6D3CF71FEF9}" presName="hierRoot2" presStyleCnt="0">
@@ -3836,26 +3356,10 @@
         </dgm:presLayoutVars>
       </dgm:prSet>
       <dgm:spPr/>
-      <dgm:t>
-        <a:bodyPr/>
-        <a:lstStyle/>
-        <a:p>
-          <a:pPr latinLnBrk="1"/>
-          <a:endParaRPr lang="ko-KR" altLang="en-US"/>
-        </a:p>
-      </dgm:t>
     </dgm:pt>
     <dgm:pt modelId="{DC3404C4-80DB-9F46-89D7-0E31DDBF6FA3}" type="pres">
       <dgm:prSet presAssocID="{A6C88925-5869-9F4A-9283-E6D3CF71FEF9}" presName="rootConnector" presStyleLbl="node4" presStyleIdx="13" presStyleCnt="14"/>
       <dgm:spPr/>
-      <dgm:t>
-        <a:bodyPr/>
-        <a:lstStyle/>
-        <a:p>
-          <a:pPr latinLnBrk="1"/>
-          <a:endParaRPr lang="ko-KR" altLang="en-US"/>
-        </a:p>
-      </dgm:t>
     </dgm:pt>
     <dgm:pt modelId="{FEC34BAE-FA56-FF48-B575-4594D10C7FDB}" type="pres">
       <dgm:prSet presAssocID="{A6C88925-5869-9F4A-9283-E6D3CF71FEF9}" presName="hierChild4" presStyleCnt="0"/>
@@ -3880,14 +3384,6 @@
     <dgm:pt modelId="{1BD7E58C-96AF-1246-8AAF-C75974DCD696}" type="pres">
       <dgm:prSet presAssocID="{595C7F26-0700-6D4F-97E3-FC6D5C81C77B}" presName="Name64" presStyleLbl="parChTrans1D3" presStyleIdx="4" presStyleCnt="5"/>
       <dgm:spPr/>
-      <dgm:t>
-        <a:bodyPr/>
-        <a:lstStyle/>
-        <a:p>
-          <a:pPr latinLnBrk="1"/>
-          <a:endParaRPr lang="ko-KR" altLang="en-US"/>
-        </a:p>
-      </dgm:t>
     </dgm:pt>
     <dgm:pt modelId="{2F7E0ADB-D39F-404C-9A71-017EC6B0B395}" type="pres">
       <dgm:prSet presAssocID="{7B498A50-AACA-4C40-BB7B-EB7635AD50C5}" presName="hierRoot2" presStyleCnt="0">
@@ -3908,26 +3404,10 @@
         </dgm:presLayoutVars>
       </dgm:prSet>
       <dgm:spPr/>
-      <dgm:t>
-        <a:bodyPr/>
-        <a:lstStyle/>
-        <a:p>
-          <a:pPr latinLnBrk="1"/>
-          <a:endParaRPr lang="ko-KR" altLang="en-US"/>
-        </a:p>
-      </dgm:t>
     </dgm:pt>
     <dgm:pt modelId="{0D23120D-8BA2-3547-AC27-79FAFE7639D3}" type="pres">
       <dgm:prSet presAssocID="{7B498A50-AACA-4C40-BB7B-EB7635AD50C5}" presName="rootConnector" presStyleLbl="node3" presStyleIdx="4" presStyleCnt="5"/>
       <dgm:spPr/>
-      <dgm:t>
-        <a:bodyPr/>
-        <a:lstStyle/>
-        <a:p>
-          <a:pPr latinLnBrk="1"/>
-          <a:endParaRPr lang="ko-KR" altLang="en-US"/>
-        </a:p>
-      </dgm:t>
     </dgm:pt>
     <dgm:pt modelId="{09C96A77-636B-E840-AFA4-A71A2A6193D5}" type="pres">
       <dgm:prSet presAssocID="{7B498A50-AACA-4C40-BB7B-EB7635AD50C5}" presName="hierChild4" presStyleCnt="0"/>
@@ -3947,93 +3427,93 @@
     </dgm:pt>
   </dgm:ptLst>
   <dgm:cxnLst>
+    <dgm:cxn modelId="{46142D02-EA5A-AD45-9EFB-8983F1EE9889}" srcId="{F968B9E6-E6B5-AD47-B8CC-F62DB282329D}" destId="{F7045E3E-1E4A-E344-AE51-35BB60E89B46}" srcOrd="4" destOrd="0" parTransId="{E1F04318-3D6C-A24B-9299-0948A984F6E2}" sibTransId="{3EA7B8CB-7886-824C-ABB0-1B64F161978A}"/>
+    <dgm:cxn modelId="{E41BBB02-38C9-4049-B5F6-979FE0EEC55A}" srcId="{C413FA9F-9239-9847-BEE7-823B38DB5BF0}" destId="{E6D93D8B-CE71-1B44-A963-36DA1BA22119}" srcOrd="0" destOrd="0" parTransId="{3E37A2D7-6D82-8E41-AFD8-DEF4867623AA}" sibTransId="{F6F70453-850C-5F40-A513-5D11CF2C4028}"/>
+    <dgm:cxn modelId="{840ED606-91F8-4162-9A74-B3AEAF97E9C5}" type="presOf" srcId="{F968B9E6-E6B5-AD47-B8CC-F62DB282329D}" destId="{7DC9B714-74B7-1647-B5B0-5A76EF0AB3A9}" srcOrd="0" destOrd="0" presId="urn:microsoft.com/office/officeart/2009/3/layout/HorizontalOrganizationChart"/>
+    <dgm:cxn modelId="{A8049207-CD52-3F42-B625-437F89059F00}" srcId="{02E41167-084A-D042-9B42-6A55394A5101}" destId="{A29CBED9-BCB0-2748-9E8A-A7FB685319D9}" srcOrd="1" destOrd="0" parTransId="{F52C6A37-82AA-BC40-BD85-F0BF7EB87C0D}" sibTransId="{8CC4B2BB-CE6C-A446-A0A8-BEED660EC444}"/>
+    <dgm:cxn modelId="{3B430208-D4C5-904F-94D1-F03A2CCE4A1F}" srcId="{C413FA9F-9239-9847-BEE7-823B38DB5BF0}" destId="{7B498A50-AACA-4C40-BB7B-EB7635AD50C5}" srcOrd="4" destOrd="0" parTransId="{595C7F26-0700-6D4F-97E3-FC6D5C81C77B}" sibTransId="{193F1BDA-408C-4948-91DD-1E027577EFCD}"/>
+    <dgm:cxn modelId="{BDE4900F-7178-4E23-B213-5A7D5AA44BB3}" type="presOf" srcId="{719A7A92-97D0-284C-9AE9-AF0E47293C47}" destId="{646C1CE4-4D68-9041-BF94-8602D29D0B32}" srcOrd="1" destOrd="0" presId="urn:microsoft.com/office/officeart/2009/3/layout/HorizontalOrganizationChart"/>
+    <dgm:cxn modelId="{8FA42B10-1A6F-A941-AF96-0A25A7226388}" srcId="{78A4B493-3BBE-2A49-84C9-42B34B27847A}" destId="{7BFEDE6C-9607-594B-AC8C-1507C7955511}" srcOrd="1" destOrd="0" parTransId="{18E9A9A1-CC11-494E-A530-A9DECAECF4FB}" sibTransId="{A1FE0278-EB30-674A-9E95-09BC8B7E66EB}"/>
     <dgm:cxn modelId="{4B485110-5074-41DC-8A86-8E8040D239E1}" type="presOf" srcId="{2C578480-E8C3-8D47-8D94-48FFC005DF40}" destId="{A15F5DD1-5148-DA47-A8A5-C084EA6E8AF3}" srcOrd="0" destOrd="0" presId="urn:microsoft.com/office/officeart/2009/3/layout/HorizontalOrganizationChart"/>
+    <dgm:cxn modelId="{0BB88114-B753-47F4-B672-04E333015592}" type="presOf" srcId="{15273640-91B6-D442-88AD-F2300481E4B7}" destId="{3247217A-25DC-1F4E-8DB9-DDBEA2ECEFBA}" srcOrd="1" destOrd="0" presId="urn:microsoft.com/office/officeart/2009/3/layout/HorizontalOrganizationChart"/>
     <dgm:cxn modelId="{5CB1B814-56A4-45E2-B53F-D30414024D1E}" type="presOf" srcId="{A29CBED9-BCB0-2748-9E8A-A7FB685319D9}" destId="{26730E51-5B78-F645-9CA4-50677B915DF0}" srcOrd="1" destOrd="0" presId="urn:microsoft.com/office/officeart/2009/3/layout/HorizontalOrganizationChart"/>
+    <dgm:cxn modelId="{E0110115-B971-46E4-989A-8D6C94F91A85}" type="presOf" srcId="{02E41167-084A-D042-9B42-6A55394A5101}" destId="{81C2638C-692A-4845-911A-B1E0A953D24F}" srcOrd="1" destOrd="0" presId="urn:microsoft.com/office/officeart/2009/3/layout/HorizontalOrganizationChart"/>
+    <dgm:cxn modelId="{386ADC16-5C25-F343-AE14-8A14905DB545}" srcId="{45F626AA-2EF2-4844-BA18-6E4CC6B8B6CC}" destId="{F24DFC5C-3CD2-E148-BAC1-D306DDD3489B}" srcOrd="2" destOrd="0" parTransId="{F3D4C066-8284-084B-9FF3-CDAD2A89EF2D}" sibTransId="{67D2862C-951A-C849-A068-6ACB032D92C0}"/>
+    <dgm:cxn modelId="{9EE3DC16-9377-4B08-BA80-6B3434D9A494}" type="presOf" srcId="{F968B9E6-E6B5-AD47-B8CC-F62DB282329D}" destId="{A458E8D9-D17F-E940-9023-D4F5BC0BB771}" srcOrd="1" destOrd="0" presId="urn:microsoft.com/office/officeart/2009/3/layout/HorizontalOrganizationChart"/>
+    <dgm:cxn modelId="{767F2817-F5E7-488D-8B95-B2B0252E454A}" type="presOf" srcId="{2C578480-E8C3-8D47-8D94-48FFC005DF40}" destId="{1EAFA9E4-6A7C-FE44-91F4-EB7F06430BAC}" srcOrd="1" destOrd="0" presId="urn:microsoft.com/office/officeart/2009/3/layout/HorizontalOrganizationChart"/>
+    <dgm:cxn modelId="{A6ABB81B-9446-4DFC-85ED-23DF2CD9A302}" type="presOf" srcId="{0219DD79-D5F4-8F4D-A8F2-637B89BE08A4}" destId="{8832A2AB-426E-1C43-8D78-49A9D288F4B3}" srcOrd="0" destOrd="0" presId="urn:microsoft.com/office/officeart/2009/3/layout/HorizontalOrganizationChart"/>
+    <dgm:cxn modelId="{A08E641C-E6EC-4F6E-B695-168DBACC9773}" type="presOf" srcId="{CD12CCE1-505A-B242-9C42-9859B42A8A2A}" destId="{34C1B4B3-A2CC-0546-A72D-EA847439ABA8}" srcOrd="0" destOrd="0" presId="urn:microsoft.com/office/officeart/2009/3/layout/HorizontalOrganizationChart"/>
+    <dgm:cxn modelId="{C1B3961E-45FA-4495-8B54-120FC31EB965}" type="presOf" srcId="{AD381FD6-265A-FF4D-B461-B87E7D38A31D}" destId="{3BC7DC9D-E80C-6F4B-B897-CCEA99BCC485}" srcOrd="0" destOrd="0" presId="urn:microsoft.com/office/officeart/2009/3/layout/HorizontalOrganizationChart"/>
+    <dgm:cxn modelId="{0884BD23-7FAF-FA47-92B3-4E3984CF68C6}" srcId="{F968B9E6-E6B5-AD47-B8CC-F62DB282329D}" destId="{15273640-91B6-D442-88AD-F2300481E4B7}" srcOrd="2" destOrd="0" parTransId="{797D844F-797B-5643-9A60-BCEFE6B43CBF}" sibTransId="{3704F235-CF09-6643-A20B-402C574E797D}"/>
+    <dgm:cxn modelId="{7913D025-3FA6-D446-BB5E-884B6532707B}" srcId="{D6281AC0-5AC1-6441-BE0B-B8D95349A413}" destId="{02E41167-084A-D042-9B42-6A55394A5101}" srcOrd="0" destOrd="0" parTransId="{AD381FD6-265A-FF4D-B461-B87E7D38A31D}" sibTransId="{00885B76-C43E-1C44-BCD5-E9FF94938A26}"/>
+    <dgm:cxn modelId="{D9943428-D484-47E1-A01A-EB9B7F7500ED}" type="presOf" srcId="{3E37A2D7-6D82-8E41-AFD8-DEF4867623AA}" destId="{4F0BC09C-126F-DD4F-B53E-5ADBC944E896}" srcOrd="0" destOrd="0" presId="urn:microsoft.com/office/officeart/2009/3/layout/HorizontalOrganizationChart"/>
+    <dgm:cxn modelId="{861EE62C-C3CC-4724-8BB0-466F794F272C}" type="presOf" srcId="{F41FC826-5D1A-A84D-BB3A-92058E7105A9}" destId="{DC5CD5F5-D379-2F45-85AC-DDEB73931F81}" srcOrd="0" destOrd="0" presId="urn:microsoft.com/office/officeart/2009/3/layout/HorizontalOrganizationChart"/>
+    <dgm:cxn modelId="{E113CB31-FCBF-4971-A5DF-1828B4430D98}" type="presOf" srcId="{F3D4C066-8284-084B-9FF3-CDAD2A89EF2D}" destId="{57ACF9DC-8539-1E4B-83FE-FC985D7737EA}" srcOrd="0" destOrd="0" presId="urn:microsoft.com/office/officeart/2009/3/layout/HorizontalOrganizationChart"/>
+    <dgm:cxn modelId="{C0466F32-CD34-4972-A73D-C4C6A824579A}" type="presOf" srcId="{1068AB67-9F0A-C348-81FB-00F0F0086519}" destId="{0193F946-8399-DA44-A32E-43D1481A6EC1}" srcOrd="0" destOrd="0" presId="urn:microsoft.com/office/officeart/2009/3/layout/HorizontalOrganizationChart"/>
+    <dgm:cxn modelId="{1FC17933-EED7-BF46-9BF7-57751E5D135D}" srcId="{C413FA9F-9239-9847-BEE7-823B38DB5BF0}" destId="{0219DD79-D5F4-8F4D-A8F2-637B89BE08A4}" srcOrd="2" destOrd="0" parTransId="{A234A45A-ED06-BD40-A725-F9BB542E7239}" sibTransId="{77BD1EEC-9804-DD46-BFAF-025659B60072}"/>
+    <dgm:cxn modelId="{76F99433-C9CA-4FF8-934E-965417C2F630}" type="presOf" srcId="{797D844F-797B-5643-9A60-BCEFE6B43CBF}" destId="{448E8529-2D20-1649-858A-D3EB0AC733DB}" srcOrd="0" destOrd="0" presId="urn:microsoft.com/office/officeart/2009/3/layout/HorizontalOrganizationChart"/>
+    <dgm:cxn modelId="{FD5EA235-90F8-42EF-ADCB-B3F50FEDDFD8}" type="presOf" srcId="{F7045E3E-1E4A-E344-AE51-35BB60E89B46}" destId="{CDC4B637-6E7E-4B4B-A0C6-8DD5F11D7C66}" srcOrd="0" destOrd="0" presId="urn:microsoft.com/office/officeart/2009/3/layout/HorizontalOrganizationChart"/>
+    <dgm:cxn modelId="{898A7836-8106-477A-9364-13509F784AE0}" type="presOf" srcId="{18BD139E-1690-2349-80A8-9C91ECA1FDFF}" destId="{F592DF39-4010-4F48-8DFB-4E59A5406AA4}" srcOrd="1" destOrd="0" presId="urn:microsoft.com/office/officeart/2009/3/layout/HorizontalOrganizationChart"/>
+    <dgm:cxn modelId="{4F7E253B-003C-405A-A554-26E2F25ABE8C}" type="presOf" srcId="{1444E1BC-FD2A-E14E-AF76-5775DA2FA044}" destId="{AC523E20-B507-C842-940A-C5A8C6DC5929}" srcOrd="1" destOrd="0" presId="urn:microsoft.com/office/officeart/2009/3/layout/HorizontalOrganizationChart"/>
+    <dgm:cxn modelId="{CAAD7A40-FA6F-4F7C-96CC-1F010724B438}" type="presOf" srcId="{F7045E3E-1E4A-E344-AE51-35BB60E89B46}" destId="{4DD68557-4F19-B645-A94F-C6891F01CC46}" srcOrd="1" destOrd="0" presId="urn:microsoft.com/office/officeart/2009/3/layout/HorizontalOrganizationChart"/>
+    <dgm:cxn modelId="{86C8D85B-79DE-8448-B3D6-D088CC86346B}" srcId="{C413FA9F-9239-9847-BEE7-823B38DB5BF0}" destId="{1444E1BC-FD2A-E14E-AF76-5775DA2FA044}" srcOrd="1" destOrd="0" parTransId="{DE3A6BA3-9CD1-1E4E-8E3B-A1707C942582}" sibTransId="{D4681601-10A2-B442-9E3C-A32268E1BDBC}"/>
+    <dgm:cxn modelId="{20FA6E5C-EC65-4230-8813-A6E8D5442581}" type="presOf" srcId="{78A4B493-3BBE-2A49-84C9-42B34B27847A}" destId="{8FB35003-F0AB-E140-B631-77314DDA3585}" srcOrd="0" destOrd="0" presId="urn:microsoft.com/office/officeart/2009/3/layout/HorizontalOrganizationChart"/>
+    <dgm:cxn modelId="{AC94765D-B5B5-4B09-A6C9-9F260682A0AF}" type="presOf" srcId="{4D678D51-CA99-2E4E-8A8C-B29A52973556}" destId="{BE68FB4A-A7DB-4A48-A779-023E1E7CACDB}" srcOrd="1" destOrd="0" presId="urn:microsoft.com/office/officeart/2009/3/layout/HorizontalOrganizationChart"/>
+    <dgm:cxn modelId="{D4DF1C42-55F9-4506-BFF3-1ECB54443D65}" type="presOf" srcId="{C413FA9F-9239-9847-BEE7-823B38DB5BF0}" destId="{AC223132-872D-4146-8395-A5346F616917}" srcOrd="1" destOrd="0" presId="urn:microsoft.com/office/officeart/2009/3/layout/HorizontalOrganizationChart"/>
+    <dgm:cxn modelId="{3B5D7943-AFAD-4678-928E-255F847E9479}" type="presOf" srcId="{426E4F03-782C-D64B-9A3A-C758D80E24FF}" destId="{B758C972-8BFA-3B47-9641-3E5165D04A55}" srcOrd="0" destOrd="0" presId="urn:microsoft.com/office/officeart/2009/3/layout/HorizontalOrganizationChart"/>
+    <dgm:cxn modelId="{C84C8766-F2AF-4769-8C38-9974F05BC020}" type="presOf" srcId="{040FC7E0-E2EF-6A41-A451-8B5112C8ECDB}" destId="{660B96C4-C39E-7840-8101-CA3332188D93}" srcOrd="0" destOrd="0" presId="urn:microsoft.com/office/officeart/2009/3/layout/HorizontalOrganizationChart"/>
+    <dgm:cxn modelId="{00D14D69-D092-4904-9E9C-97761B7A7C04}" type="presOf" srcId="{F24DFC5C-3CD2-E148-BAC1-D306DDD3489B}" destId="{43A95B9A-DA64-A24B-882C-501534AA8E15}" srcOrd="1" destOrd="0" presId="urn:microsoft.com/office/officeart/2009/3/layout/HorizontalOrganizationChart"/>
     <dgm:cxn modelId="{57C55849-3728-40A4-A7B0-6A1903835BD0}" type="presOf" srcId="{1444E1BC-FD2A-E14E-AF76-5775DA2FA044}" destId="{63F5244A-9A6B-C347-A17A-19DA89FBFEB2}" srcOrd="0" destOrd="0" presId="urn:microsoft.com/office/officeart/2009/3/layout/HorizontalOrganizationChart"/>
+    <dgm:cxn modelId="{1311BB49-FEC3-48E0-92AF-337E396E89F1}" type="presOf" srcId="{A234A45A-ED06-BD40-A725-F9BB542E7239}" destId="{9D57B031-F133-2441-A735-2CC81D1FA66E}" srcOrd="0" destOrd="0" presId="urn:microsoft.com/office/officeart/2009/3/layout/HorizontalOrganizationChart"/>
+    <dgm:cxn modelId="{B3DF826A-30BE-48F5-BC09-78D2E3C33122}" type="presOf" srcId="{48161431-B114-BF47-AE31-0D403A9419B0}" destId="{E50875C5-7AD5-7042-B49C-E638BCCA5A34}" srcOrd="1" destOrd="0" presId="urn:microsoft.com/office/officeart/2009/3/layout/HorizontalOrganizationChart"/>
+    <dgm:cxn modelId="{1C78126B-389D-914E-8E7D-9968744E0ACA}" srcId="{F968B9E6-E6B5-AD47-B8CC-F62DB282329D}" destId="{18BD139E-1690-2349-80A8-9C91ECA1FDFF}" srcOrd="0" destOrd="0" parTransId="{F41FC826-5D1A-A84D-BB3A-92058E7105A9}" sibTransId="{C974980A-E8D2-FF47-BB1E-8C111E5A1B7B}"/>
+    <dgm:cxn modelId="{F976B16C-50D0-4244-840A-B980474EBC1F}" type="presOf" srcId="{D6281AC0-5AC1-6441-BE0B-B8D95349A413}" destId="{FEC69C4A-0059-FB46-B832-4FA2AA841385}" srcOrd="1" destOrd="0" presId="urn:microsoft.com/office/officeart/2009/3/layout/HorizontalOrganizationChart"/>
+    <dgm:cxn modelId="{038FC04E-33D7-1B44-8239-CFF2F2F0A1AD}" srcId="{45F626AA-2EF2-4844-BA18-6E4CC6B8B6CC}" destId="{F968B9E6-E6B5-AD47-B8CC-F62DB282329D}" srcOrd="0" destOrd="0" parTransId="{CD12CCE1-505A-B242-9C42-9859B42A8A2A}" sibTransId="{E311A24C-6FC0-734D-BDC9-5055ABF28EDC}"/>
+    <dgm:cxn modelId="{B484334F-0459-414C-A0DC-5FAE90EB40BF}" srcId="{02E41167-084A-D042-9B42-6A55394A5101}" destId="{A6C88925-5869-9F4A-9283-E6D3CF71FEF9}" srcOrd="2" destOrd="0" parTransId="{0BEE248D-B454-9845-B2B1-72D45ED0D477}" sibTransId="{88A5E990-67D2-E649-A2BD-4AB8D779D67E}"/>
+    <dgm:cxn modelId="{3A7CA24F-C155-4E24-A9BF-03D0444E24AC}" type="presOf" srcId="{F24DFC5C-3CD2-E148-BAC1-D306DDD3489B}" destId="{3BF2AE6A-68F0-FF4A-8066-FE9C5E28CDE7}" srcOrd="0" destOrd="0" presId="urn:microsoft.com/office/officeart/2009/3/layout/HorizontalOrganizationChart"/>
+    <dgm:cxn modelId="{FD85D451-38A8-4075-A35F-758520755008}" type="presOf" srcId="{35FE932A-B4E3-9148-AB09-4E7F4D0497DB}" destId="{A231989D-3901-2445-A645-FAE103A97604}" srcOrd="1" destOrd="0" presId="urn:microsoft.com/office/officeart/2009/3/layout/HorizontalOrganizationChart"/>
+    <dgm:cxn modelId="{F5836352-4848-417F-AA23-F8EF0525AD56}" type="presOf" srcId="{E6D93D8B-CE71-1B44-A963-36DA1BA22119}" destId="{3EF8C4C4-9A5D-7648-ADB2-D5CBABD13EF3}" srcOrd="0" destOrd="0" presId="urn:microsoft.com/office/officeart/2009/3/layout/HorizontalOrganizationChart"/>
+    <dgm:cxn modelId="{DD2E1253-0516-6048-B4D6-259474024A27}" srcId="{7BFEDE6C-9607-594B-AC8C-1507C7955511}" destId="{C413FA9F-9239-9847-BEE7-823B38DB5BF0}" srcOrd="0" destOrd="0" parTransId="{E9249ABB-830D-D94B-8EE8-FAE30579D6C1}" sibTransId="{B8184BEC-A3D3-E64F-971E-5763000A5EE2}"/>
+    <dgm:cxn modelId="{B948A554-1153-4835-ABAF-406AEA2B7E48}" type="presOf" srcId="{7B498A50-AACA-4C40-BB7B-EB7635AD50C5}" destId="{0D23120D-8BA2-3547-AC27-79FAFE7639D3}" srcOrd="1" destOrd="0" presId="urn:microsoft.com/office/officeart/2009/3/layout/HorizontalOrganizationChart"/>
+    <dgm:cxn modelId="{DC44C076-6BB3-4AA6-BC92-638EFCD1940C}" type="presOf" srcId="{0BEE248D-B454-9845-B2B1-72D45ED0D477}" destId="{C9A12E1D-EA1B-CE4B-BBAB-93DD2E8AB6EF}" srcOrd="0" destOrd="0" presId="urn:microsoft.com/office/officeart/2009/3/layout/HorizontalOrganizationChart"/>
+    <dgm:cxn modelId="{8500EE77-8E44-42DE-940D-92BDDDE8A683}" type="presOf" srcId="{D6281AC0-5AC1-6441-BE0B-B8D95349A413}" destId="{89F18F4F-9440-CF4E-B266-1F23C6967F7E}" srcOrd="0" destOrd="0" presId="urn:microsoft.com/office/officeart/2009/3/layout/HorizontalOrganizationChart"/>
+    <dgm:cxn modelId="{925FF77F-1F15-41A8-9AD2-D1802D260C0A}" type="presOf" srcId="{7B498A50-AACA-4C40-BB7B-EB7635AD50C5}" destId="{C6BEFAEE-8FDD-6244-B1DD-83FEE5F13529}" srcOrd="0" destOrd="0" presId="urn:microsoft.com/office/officeart/2009/3/layout/HorizontalOrganizationChart"/>
+    <dgm:cxn modelId="{00CC1A82-C7F0-46E3-9686-F260EA5D133E}" type="presOf" srcId="{7BFEDE6C-9607-594B-AC8C-1507C7955511}" destId="{ACFDFDB1-A573-9844-9779-79F8C74FE627}" srcOrd="1" destOrd="0" presId="urn:microsoft.com/office/officeart/2009/3/layout/HorizontalOrganizationChart"/>
+    <dgm:cxn modelId="{3B7A5187-9726-4301-9951-3E5783103E20}" type="presOf" srcId="{719A7A92-97D0-284C-9AE9-AF0E47293C47}" destId="{CF4BEEE7-CAD0-4B4F-8AED-BD978FAA2E3D}" srcOrd="0" destOrd="0" presId="urn:microsoft.com/office/officeart/2009/3/layout/HorizontalOrganizationChart"/>
+    <dgm:cxn modelId="{4AEC7B87-07FA-4576-9B7E-5BD267DF1CE5}" type="presOf" srcId="{A2F02383-8D4C-3A4A-AD0E-C4C5864A9752}" destId="{C2CDF750-20E6-4947-B8D1-862D76CE095B}" srcOrd="0" destOrd="0" presId="urn:microsoft.com/office/officeart/2009/3/layout/HorizontalOrganizationChart"/>
+    <dgm:cxn modelId="{4C1D0089-0D8C-4BA4-83A8-879C6774170F}" type="presOf" srcId="{0219DD79-D5F4-8F4D-A8F2-637B89BE08A4}" destId="{4A128A98-EADD-F246-9948-C61CE48CEAF4}" srcOrd="1" destOrd="0" presId="urn:microsoft.com/office/officeart/2009/3/layout/HorizontalOrganizationChart"/>
+    <dgm:cxn modelId="{DD970189-CEC3-40CF-BDB4-5AC7713FC502}" type="presOf" srcId="{02E41167-084A-D042-9B42-6A55394A5101}" destId="{52884DE3-A663-0B42-A60C-60006CBD23A0}" srcOrd="0" destOrd="0" presId="urn:microsoft.com/office/officeart/2009/3/layout/HorizontalOrganizationChart"/>
+    <dgm:cxn modelId="{9652E694-3618-2442-B3A0-6B46AFCF40FB}" srcId="{E6D93D8B-CE71-1B44-A963-36DA1BA22119}" destId="{45F626AA-2EF2-4844-BA18-6E4CC6B8B6CC}" srcOrd="0" destOrd="0" parTransId="{76AAC5A8-399A-0449-B69C-F75FD4F59D5A}" sibTransId="{10723AD0-77C3-6D44-AF87-ADD7204F1FE4}"/>
+    <dgm:cxn modelId="{47677997-C6DC-4B69-91E3-1511EDB3E5CF}" type="presOf" srcId="{7BFEDE6C-9607-594B-AC8C-1507C7955511}" destId="{D3ED95C0-3622-7347-A24D-22E6A057DCAF}" srcOrd="0" destOrd="0" presId="urn:microsoft.com/office/officeart/2009/3/layout/HorizontalOrganizationChart"/>
+    <dgm:cxn modelId="{4C1CF99B-EA26-CB4B-8845-D825A17C8126}" srcId="{4D678D51-CA99-2E4E-8A8C-B29A52973556}" destId="{D6281AC0-5AC1-6441-BE0B-B8D95349A413}" srcOrd="0" destOrd="0" parTransId="{1068AB67-9F0A-C348-81FB-00F0F0086519}" sibTransId="{0DBE7683-DFA8-7343-A694-F0DE222DDC41}"/>
+    <dgm:cxn modelId="{086D18A2-C86C-409D-A98C-613C58564129}" type="presOf" srcId="{48161431-B114-BF47-AE31-0D403A9419B0}" destId="{4C71BC70-D849-1048-969E-237948971660}" srcOrd="0" destOrd="0" presId="urn:microsoft.com/office/officeart/2009/3/layout/HorizontalOrganizationChart"/>
+    <dgm:cxn modelId="{3FD961A8-ED8E-4787-A033-7083255950B4}" type="presOf" srcId="{35FE932A-B4E3-9148-AB09-4E7F4D0497DB}" destId="{3C1417B9-A54A-364C-8CFC-5B4FCB833134}" srcOrd="0" destOrd="0" presId="urn:microsoft.com/office/officeart/2009/3/layout/HorizontalOrganizationChart"/>
+    <dgm:cxn modelId="{B2DC68B2-DBB2-42AB-B3B2-63446F8BF517}" type="presOf" srcId="{15273640-91B6-D442-88AD-F2300481E4B7}" destId="{3A7A6ADC-4C1A-7D4E-AEBD-0BB3F789A3A6}" srcOrd="0" destOrd="0" presId="urn:microsoft.com/office/officeart/2009/3/layout/HorizontalOrganizationChart"/>
+    <dgm:cxn modelId="{CA1D57B2-836D-6D44-9990-E7B48A12E8FF}" srcId="{02E41167-084A-D042-9B42-6A55394A5101}" destId="{2C578480-E8C3-8D47-8D94-48FFC005DF40}" srcOrd="0" destOrd="0" parTransId="{A2F02383-8D4C-3A4A-AD0E-C4C5864A9752}" sibTransId="{3FAA402F-C620-2543-B29D-6D1F4D482907}"/>
+    <dgm:cxn modelId="{C1CD01B7-FC40-534A-B0F1-AA1483E1D5B8}" srcId="{F968B9E6-E6B5-AD47-B8CC-F62DB282329D}" destId="{426E4F03-782C-D64B-9A3A-C758D80E24FF}" srcOrd="1" destOrd="0" parTransId="{4623FD68-D025-0849-BB01-A9BFDECBDFF1}" sibTransId="{8993F8C6-E899-BE4F-98A5-AF2DDEF763EB}"/>
+    <dgm:cxn modelId="{34ECDEB8-50DE-4D6D-8B25-949D3C618869}" type="presOf" srcId="{A6C88925-5869-9F4A-9283-E6D3CF71FEF9}" destId="{DC3404C4-80DB-9F46-89D7-0E31DDBF6FA3}" srcOrd="1" destOrd="0" presId="urn:microsoft.com/office/officeart/2009/3/layout/HorizontalOrganizationChart"/>
+    <dgm:cxn modelId="{C65E12BB-0DA1-4CD1-8FBF-6C1910E33D1A}" type="presOf" srcId="{E9249ABB-830D-D94B-8EE8-FAE30579D6C1}" destId="{C2ACFCEB-73B0-4B49-9BCA-522645F9BBA7}" srcOrd="0" destOrd="0" presId="urn:microsoft.com/office/officeart/2009/3/layout/HorizontalOrganizationChart"/>
+    <dgm:cxn modelId="{A81A9CBD-7A18-49F1-85B4-3EE1B5665853}" type="presOf" srcId="{A29CBED9-BCB0-2748-9E8A-A7FB685319D9}" destId="{67DEF8B8-C908-5947-9E34-8584E9994B10}" srcOrd="0" destOrd="0" presId="urn:microsoft.com/office/officeart/2009/3/layout/HorizontalOrganizationChart"/>
+    <dgm:cxn modelId="{AC492EC5-D8D8-4AC6-AE94-D1B3415CD7FD}" type="presOf" srcId="{4D678D51-CA99-2E4E-8A8C-B29A52973556}" destId="{25A44091-9AE3-7340-8037-7E14C950477F}" srcOrd="0" destOrd="0" presId="urn:microsoft.com/office/officeart/2009/3/layout/HorizontalOrganizationChart"/>
+    <dgm:cxn modelId="{E77D3CC7-CCB0-43BC-BB50-AA800B5C5F38}" type="presOf" srcId="{18BD139E-1690-2349-80A8-9C91ECA1FDFF}" destId="{B1056315-755A-C849-A29B-205BAFE70932}" srcOrd="0" destOrd="0" presId="urn:microsoft.com/office/officeart/2009/3/layout/HorizontalOrganizationChart"/>
+    <dgm:cxn modelId="{82E478C7-40DF-4FCC-9848-691E718ABE66}" type="presOf" srcId="{DE3A6BA3-9CD1-1E4E-8E3B-A1707C942582}" destId="{1B0B82BC-9A97-8C4E-BB5C-88EFB1586870}" srcOrd="0" destOrd="0" presId="urn:microsoft.com/office/officeart/2009/3/layout/HorizontalOrganizationChart"/>
     <dgm:cxn modelId="{D79EDBD1-ADA6-4F5C-8CC8-357074F06EEF}" type="presOf" srcId="{AC3BCAE8-7BB2-9349-887D-BE101454965A}" destId="{C8679E9E-AA2C-7B43-88EF-C46EDB753E13}" srcOrd="0" destOrd="0" presId="urn:microsoft.com/office/officeart/2009/3/layout/HorizontalOrganizationChart"/>
-    <dgm:cxn modelId="{767F2817-F5E7-488D-8B95-B2B0252E454A}" type="presOf" srcId="{2C578480-E8C3-8D47-8D94-48FFC005DF40}" destId="{1EAFA9E4-6A7C-FE44-91F4-EB7F06430BAC}" srcOrd="1" destOrd="0" presId="urn:microsoft.com/office/officeart/2009/3/layout/HorizontalOrganizationChart"/>
     <dgm:cxn modelId="{8D4C31D2-4728-4596-8279-6D6BEF0008E1}" type="presOf" srcId="{A6C88925-5869-9F4A-9283-E6D3CF71FEF9}" destId="{A76BE7A1-74B1-D744-88D7-AD15EC0B96A8}" srcOrd="0" destOrd="0" presId="urn:microsoft.com/office/officeart/2009/3/layout/HorizontalOrganizationChart"/>
+    <dgm:cxn modelId="{8F845FD5-E854-4BB1-ABC9-F54B32C73E26}" type="presOf" srcId="{45F626AA-2EF2-4844-BA18-6E4CC6B8B6CC}" destId="{D3059015-9FF4-D947-83A3-335A01D67DC6}" srcOrd="0" destOrd="0" presId="urn:microsoft.com/office/officeart/2009/3/layout/HorizontalOrganizationChart"/>
+    <dgm:cxn modelId="{1D5779D6-34EC-6842-A8D9-9161073AFC27}" srcId="{C413FA9F-9239-9847-BEE7-823B38DB5BF0}" destId="{4D678D51-CA99-2E4E-8A8C-B29A52973556}" srcOrd="3" destOrd="0" parTransId="{040FC7E0-E2EF-6A41-A451-8B5112C8ECDB}" sibTransId="{3DEFF42C-3F8F-BF43-8C1C-67FA5123CDE5}"/>
     <dgm:cxn modelId="{C5ACBED6-EDF4-4D6E-AF47-509BD7929BE7}" type="presOf" srcId="{E6D93D8B-CE71-1B44-A963-36DA1BA22119}" destId="{4188069A-FBFD-D842-905C-70A99B8D48C8}" srcOrd="1" destOrd="0" presId="urn:microsoft.com/office/officeart/2009/3/layout/HorizontalOrganizationChart"/>
-    <dgm:cxn modelId="{CA1D57B2-836D-6D44-9990-E7B48A12E8FF}" srcId="{02E41167-084A-D042-9B42-6A55394A5101}" destId="{2C578480-E8C3-8D47-8D94-48FFC005DF40}" srcOrd="0" destOrd="0" parTransId="{A2F02383-8D4C-3A4A-AD0E-C4C5864A9752}" sibTransId="{3FAA402F-C620-2543-B29D-6D1F4D482907}"/>
-    <dgm:cxn modelId="{86C8D85B-79DE-8448-B3D6-D088CC86346B}" srcId="{C413FA9F-9239-9847-BEE7-823B38DB5BF0}" destId="{1444E1BC-FD2A-E14E-AF76-5775DA2FA044}" srcOrd="1" destOrd="0" parTransId="{DE3A6BA3-9CD1-1E4E-8E3B-A1707C942582}" sibTransId="{D4681601-10A2-B442-9E3C-A32268E1BDBC}"/>
-    <dgm:cxn modelId="{1D5779D6-34EC-6842-A8D9-9161073AFC27}" srcId="{C413FA9F-9239-9847-BEE7-823B38DB5BF0}" destId="{4D678D51-CA99-2E4E-8A8C-B29A52973556}" srcOrd="3" destOrd="0" parTransId="{040FC7E0-E2EF-6A41-A451-8B5112C8ECDB}" sibTransId="{3DEFF42C-3F8F-BF43-8C1C-67FA5123CDE5}"/>
-    <dgm:cxn modelId="{F5836352-4848-417F-AA23-F8EF0525AD56}" type="presOf" srcId="{E6D93D8B-CE71-1B44-A963-36DA1BA22119}" destId="{3EF8C4C4-9A5D-7648-ADB2-D5CBABD13EF3}" srcOrd="0" destOrd="0" presId="urn:microsoft.com/office/officeart/2009/3/layout/HorizontalOrganizationChart"/>
-    <dgm:cxn modelId="{3B430208-D4C5-904F-94D1-F03A2CCE4A1F}" srcId="{C413FA9F-9239-9847-BEE7-823B38DB5BF0}" destId="{7B498A50-AACA-4C40-BB7B-EB7635AD50C5}" srcOrd="4" destOrd="0" parTransId="{595C7F26-0700-6D4F-97E3-FC6D5C81C77B}" sibTransId="{193F1BDA-408C-4948-91DD-1E027577EFCD}"/>
-    <dgm:cxn modelId="{8500EE77-8E44-42DE-940D-92BDDDE8A683}" type="presOf" srcId="{D6281AC0-5AC1-6441-BE0B-B8D95349A413}" destId="{89F18F4F-9440-CF4E-B266-1F23C6967F7E}" srcOrd="0" destOrd="0" presId="urn:microsoft.com/office/officeart/2009/3/layout/HorizontalOrganizationChart"/>
-    <dgm:cxn modelId="{DD970189-CEC3-40CF-BDB4-5AC7713FC502}" type="presOf" srcId="{02E41167-084A-D042-9B42-6A55394A5101}" destId="{52884DE3-A663-0B42-A60C-60006CBD23A0}" srcOrd="0" destOrd="0" presId="urn:microsoft.com/office/officeart/2009/3/layout/HorizontalOrganizationChart"/>
+    <dgm:cxn modelId="{341958D7-4F2D-4DA3-B43C-CBC7D19A826D}" type="presOf" srcId="{595C7F26-0700-6D4F-97E3-FC6D5C81C77B}" destId="{1BD7E58C-96AF-1246-8AAF-C75974DCD696}" srcOrd="0" destOrd="0" presId="urn:microsoft.com/office/officeart/2009/3/layout/HorizontalOrganizationChart"/>
+    <dgm:cxn modelId="{6DD116DF-41BC-4510-AEB0-EC8C37B3504B}" type="presOf" srcId="{4623FD68-D025-0849-BB01-A9BFDECBDFF1}" destId="{439A70E9-60F1-6D44-97A8-50A0E8354274}" srcOrd="0" destOrd="0" presId="urn:microsoft.com/office/officeart/2009/3/layout/HorizontalOrganizationChart"/>
+    <dgm:cxn modelId="{B4E6C5E2-879B-4277-A06E-220705B8670B}" type="presOf" srcId="{426E4F03-782C-D64B-9A3A-C758D80E24FF}" destId="{E7B33133-8858-914A-90FF-DE3A571C81B8}" srcOrd="1" destOrd="0" presId="urn:microsoft.com/office/officeart/2009/3/layout/HorizontalOrganizationChart"/>
+    <dgm:cxn modelId="{76C46BE7-F066-483B-AF57-5A708E3A44E8}" type="presOf" srcId="{E1F04318-3D6C-A24B-9299-0948A984F6E2}" destId="{053307E0-03B3-474B-905F-B789F766E5E1}" srcOrd="0" destOrd="0" presId="urn:microsoft.com/office/officeart/2009/3/layout/HorizontalOrganizationChart"/>
+    <dgm:cxn modelId="{231F29E9-4646-4611-B834-69DA355E9803}" type="presOf" srcId="{76AAC5A8-399A-0449-B69C-F75FD4F59D5A}" destId="{4D3A2CBF-12B9-944D-90EB-00F8FBC6D72B}" srcOrd="0" destOrd="0" presId="urn:microsoft.com/office/officeart/2009/3/layout/HorizontalOrganizationChart"/>
+    <dgm:cxn modelId="{D2EA60EC-D26A-4928-8124-3FBB007F6A7E}" type="presOf" srcId="{FB7557C6-19EE-7444-AB90-FC4E1D7077C7}" destId="{57DF42BD-F823-4F43-87C5-0823FAC7F65C}" srcOrd="0" destOrd="0" presId="urn:microsoft.com/office/officeart/2009/3/layout/HorizontalOrganizationChart"/>
+    <dgm:cxn modelId="{7A9BC0EC-717C-E14A-86DA-C0D8A015092A}" srcId="{78A4B493-3BBE-2A49-84C9-42B34B27847A}" destId="{35FE932A-B4E3-9148-AB09-4E7F4D0497DB}" srcOrd="0" destOrd="0" parTransId="{3854AF2F-026D-134C-AF9D-BD485085F2E0}" sibTransId="{A14EF4AA-588E-274D-9657-07D6E38D94D8}"/>
+    <dgm:cxn modelId="{CBB4AFED-EDA8-DB41-A91E-38FBED8B4830}" srcId="{F968B9E6-E6B5-AD47-B8CC-F62DB282329D}" destId="{719A7A92-97D0-284C-9AE9-AF0E47293C47}" srcOrd="3" destOrd="0" parTransId="{AC3BCAE8-7BB2-9349-887D-BE101454965A}" sibTransId="{95F39517-2A4B-B74F-A95F-18039DDA584F}"/>
+    <dgm:cxn modelId="{EA69C7EE-D6DC-4921-B6CC-B0F3924D0470}" type="presOf" srcId="{F52C6A37-82AA-BC40-BD85-F0BF7EB87C0D}" destId="{D123E766-8A01-1D4F-805D-8029F78BF872}" srcOrd="0" destOrd="0" presId="urn:microsoft.com/office/officeart/2009/3/layout/HorizontalOrganizationChart"/>
+    <dgm:cxn modelId="{EC1070F0-95D4-4AC4-BF05-10292CBEDD8A}" type="presOf" srcId="{C413FA9F-9239-9847-BEE7-823B38DB5BF0}" destId="{CD991820-8A0E-7A43-8C83-D9BF8FBA2FDD}" srcOrd="0" destOrd="0" presId="urn:microsoft.com/office/officeart/2009/3/layout/HorizontalOrganizationChart"/>
+    <dgm:cxn modelId="{4AD218F8-B016-3F40-A54C-11A9ED57B305}" srcId="{45F626AA-2EF2-4844-BA18-6E4CC6B8B6CC}" destId="{48161431-B114-BF47-AE31-0D403A9419B0}" srcOrd="1" destOrd="0" parTransId="{FB7557C6-19EE-7444-AB90-FC4E1D7077C7}" sibTransId="{9FF83EDE-1DFA-6F47-B68E-9F40FC905777}"/>
     <dgm:cxn modelId="{9D1CCDF8-F682-42CB-A4F0-751F7ECB457B}" type="presOf" srcId="{45F626AA-2EF2-4844-BA18-6E4CC6B8B6CC}" destId="{64A408A6-DA60-7C46-973D-E45976BC2A3D}" srcOrd="1" destOrd="0" presId="urn:microsoft.com/office/officeart/2009/3/layout/HorizontalOrganizationChart"/>
-    <dgm:cxn modelId="{76C46BE7-F066-483B-AF57-5A708E3A44E8}" type="presOf" srcId="{E1F04318-3D6C-A24B-9299-0948A984F6E2}" destId="{053307E0-03B3-474B-905F-B789F766E5E1}" srcOrd="0" destOrd="0" presId="urn:microsoft.com/office/officeart/2009/3/layout/HorizontalOrganizationChart"/>
-    <dgm:cxn modelId="{BDE4900F-7178-4E23-B213-5A7D5AA44BB3}" type="presOf" srcId="{719A7A92-97D0-284C-9AE9-AF0E47293C47}" destId="{646C1CE4-4D68-9041-BF94-8602D29D0B32}" srcOrd="1" destOrd="0" presId="urn:microsoft.com/office/officeart/2009/3/layout/HorizontalOrganizationChart"/>
-    <dgm:cxn modelId="{6DD116DF-41BC-4510-AEB0-EC8C37B3504B}" type="presOf" srcId="{4623FD68-D025-0849-BB01-A9BFDECBDFF1}" destId="{439A70E9-60F1-6D44-97A8-50A0E8354274}" srcOrd="0" destOrd="0" presId="urn:microsoft.com/office/officeart/2009/3/layout/HorizontalOrganizationChart"/>
-    <dgm:cxn modelId="{A81A9CBD-7A18-49F1-85B4-3EE1B5665853}" type="presOf" srcId="{A29CBED9-BCB0-2748-9E8A-A7FB685319D9}" destId="{67DEF8B8-C908-5947-9E34-8584E9994B10}" srcOrd="0" destOrd="0" presId="urn:microsoft.com/office/officeart/2009/3/layout/HorizontalOrganizationChart"/>
-    <dgm:cxn modelId="{C84C8766-F2AF-4769-8C38-9974F05BC020}" type="presOf" srcId="{040FC7E0-E2EF-6A41-A451-8B5112C8ECDB}" destId="{660B96C4-C39E-7840-8101-CA3332188D93}" srcOrd="0" destOrd="0" presId="urn:microsoft.com/office/officeart/2009/3/layout/HorizontalOrganizationChart"/>
-    <dgm:cxn modelId="{E0110115-B971-46E4-989A-8D6C94F91A85}" type="presOf" srcId="{02E41167-084A-D042-9B42-6A55394A5101}" destId="{81C2638C-692A-4845-911A-B1E0A953D24F}" srcOrd="1" destOrd="0" presId="urn:microsoft.com/office/officeart/2009/3/layout/HorizontalOrganizationChart"/>
-    <dgm:cxn modelId="{D4DF1C42-55F9-4506-BFF3-1ECB54443D65}" type="presOf" srcId="{C413FA9F-9239-9847-BEE7-823B38DB5BF0}" destId="{AC223132-872D-4146-8395-A5346F616917}" srcOrd="1" destOrd="0" presId="urn:microsoft.com/office/officeart/2009/3/layout/HorizontalOrganizationChart"/>
-    <dgm:cxn modelId="{DC44C076-6BB3-4AA6-BC92-638EFCD1940C}" type="presOf" srcId="{0BEE248D-B454-9845-B2B1-72D45ED0D477}" destId="{C9A12E1D-EA1B-CE4B-BBAB-93DD2E8AB6EF}" srcOrd="0" destOrd="0" presId="urn:microsoft.com/office/officeart/2009/3/layout/HorizontalOrganizationChart"/>
-    <dgm:cxn modelId="{00D14D69-D092-4904-9E9C-97761B7A7C04}" type="presOf" srcId="{F24DFC5C-3CD2-E148-BAC1-D306DDD3489B}" destId="{43A95B9A-DA64-A24B-882C-501534AA8E15}" srcOrd="1" destOrd="0" presId="urn:microsoft.com/office/officeart/2009/3/layout/HorizontalOrganizationChart"/>
-    <dgm:cxn modelId="{C1CD01B7-FC40-534A-B0F1-AA1483E1D5B8}" srcId="{F968B9E6-E6B5-AD47-B8CC-F62DB282329D}" destId="{426E4F03-782C-D64B-9A3A-C758D80E24FF}" srcOrd="1" destOrd="0" parTransId="{4623FD68-D025-0849-BB01-A9BFDECBDFF1}" sibTransId="{8993F8C6-E899-BE4F-98A5-AF2DDEF763EB}"/>
-    <dgm:cxn modelId="{20FA6E5C-EC65-4230-8813-A6E8D5442581}" type="presOf" srcId="{78A4B493-3BBE-2A49-84C9-42B34B27847A}" destId="{8FB35003-F0AB-E140-B631-77314DDA3585}" srcOrd="0" destOrd="0" presId="urn:microsoft.com/office/officeart/2009/3/layout/HorizontalOrganizationChart"/>
-    <dgm:cxn modelId="{B484334F-0459-414C-A0DC-5FAE90EB40BF}" srcId="{02E41167-084A-D042-9B42-6A55394A5101}" destId="{A6C88925-5869-9F4A-9283-E6D3CF71FEF9}" srcOrd="2" destOrd="0" parTransId="{0BEE248D-B454-9845-B2B1-72D45ED0D477}" sibTransId="{88A5E990-67D2-E649-A2BD-4AB8D779D67E}"/>
-    <dgm:cxn modelId="{D9943428-D484-47E1-A01A-EB9B7F7500ED}" type="presOf" srcId="{3E37A2D7-6D82-8E41-AFD8-DEF4867623AA}" destId="{4F0BC09C-126F-DD4F-B53E-5ADBC944E896}" srcOrd="0" destOrd="0" presId="urn:microsoft.com/office/officeart/2009/3/layout/HorizontalOrganizationChart"/>
-    <dgm:cxn modelId="{341958D7-4F2D-4DA3-B43C-CBC7D19A826D}" type="presOf" srcId="{595C7F26-0700-6D4F-97E3-FC6D5C81C77B}" destId="{1BD7E58C-96AF-1246-8AAF-C75974DCD696}" srcOrd="0" destOrd="0" presId="urn:microsoft.com/office/officeart/2009/3/layout/HorizontalOrganizationChart"/>
-    <dgm:cxn modelId="{861EE62C-C3CC-4724-8BB0-466F794F272C}" type="presOf" srcId="{F41FC826-5D1A-A84D-BB3A-92058E7105A9}" destId="{DC5CD5F5-D379-2F45-85AC-DDEB73931F81}" srcOrd="0" destOrd="0" presId="urn:microsoft.com/office/officeart/2009/3/layout/HorizontalOrganizationChart"/>
-    <dgm:cxn modelId="{086D18A2-C86C-409D-A98C-613C58564129}" type="presOf" srcId="{48161431-B114-BF47-AE31-0D403A9419B0}" destId="{4C71BC70-D849-1048-969E-237948971660}" srcOrd="0" destOrd="0" presId="urn:microsoft.com/office/officeart/2009/3/layout/HorizontalOrganizationChart"/>
-    <dgm:cxn modelId="{B3DF826A-30BE-48F5-BC09-78D2E3C33122}" type="presOf" srcId="{48161431-B114-BF47-AE31-0D403A9419B0}" destId="{E50875C5-7AD5-7042-B49C-E638BCCA5A34}" srcOrd="1" destOrd="0" presId="urn:microsoft.com/office/officeart/2009/3/layout/HorizontalOrganizationChart"/>
-    <dgm:cxn modelId="{7A9BC0EC-717C-E14A-86DA-C0D8A015092A}" srcId="{78A4B493-3BBE-2A49-84C9-42B34B27847A}" destId="{35FE932A-B4E3-9148-AB09-4E7F4D0497DB}" srcOrd="0" destOrd="0" parTransId="{3854AF2F-026D-134C-AF9D-BD485085F2E0}" sibTransId="{A14EF4AA-588E-274D-9657-07D6E38D94D8}"/>
-    <dgm:cxn modelId="{AC492EC5-D8D8-4AC6-AE94-D1B3415CD7FD}" type="presOf" srcId="{4D678D51-CA99-2E4E-8A8C-B29A52973556}" destId="{25A44091-9AE3-7340-8037-7E14C950477F}" srcOrd="0" destOrd="0" presId="urn:microsoft.com/office/officeart/2009/3/layout/HorizontalOrganizationChart"/>
-    <dgm:cxn modelId="{0884BD23-7FAF-FA47-92B3-4E3984CF68C6}" srcId="{F968B9E6-E6B5-AD47-B8CC-F62DB282329D}" destId="{15273640-91B6-D442-88AD-F2300481E4B7}" srcOrd="2" destOrd="0" parTransId="{797D844F-797B-5643-9A60-BCEFE6B43CBF}" sibTransId="{3704F235-CF09-6643-A20B-402C574E797D}"/>
-    <dgm:cxn modelId="{898A7836-8106-477A-9364-13509F784AE0}" type="presOf" srcId="{18BD139E-1690-2349-80A8-9C91ECA1FDFF}" destId="{F592DF39-4010-4F48-8DFB-4E59A5406AA4}" srcOrd="1" destOrd="0" presId="urn:microsoft.com/office/officeart/2009/3/layout/HorizontalOrganizationChart"/>
-    <dgm:cxn modelId="{3FD961A8-ED8E-4787-A033-7083255950B4}" type="presOf" srcId="{35FE932A-B4E3-9148-AB09-4E7F4D0497DB}" destId="{3C1417B9-A54A-364C-8CFC-5B4FCB833134}" srcOrd="0" destOrd="0" presId="urn:microsoft.com/office/officeart/2009/3/layout/HorizontalOrganizationChart"/>
-    <dgm:cxn modelId="{E77D3CC7-CCB0-43BC-BB50-AA800B5C5F38}" type="presOf" srcId="{18BD139E-1690-2349-80A8-9C91ECA1FDFF}" destId="{B1056315-755A-C849-A29B-205BAFE70932}" srcOrd="0" destOrd="0" presId="urn:microsoft.com/office/officeart/2009/3/layout/HorizontalOrganizationChart"/>
-    <dgm:cxn modelId="{FD5EA235-90F8-42EF-ADCB-B3F50FEDDFD8}" type="presOf" srcId="{F7045E3E-1E4A-E344-AE51-35BB60E89B46}" destId="{CDC4B637-6E7E-4B4B-A0C6-8DD5F11D7C66}" srcOrd="0" destOrd="0" presId="urn:microsoft.com/office/officeart/2009/3/layout/HorizontalOrganizationChart"/>
-    <dgm:cxn modelId="{925FF77F-1F15-41A8-9AD2-D1802D260C0A}" type="presOf" srcId="{7B498A50-AACA-4C40-BB7B-EB7635AD50C5}" destId="{C6BEFAEE-8FDD-6244-B1DD-83FEE5F13529}" srcOrd="0" destOrd="0" presId="urn:microsoft.com/office/officeart/2009/3/layout/HorizontalOrganizationChart"/>
-    <dgm:cxn modelId="{3B7A5187-9726-4301-9951-3E5783103E20}" type="presOf" srcId="{719A7A92-97D0-284C-9AE9-AF0E47293C47}" destId="{CF4BEEE7-CAD0-4B4F-8AED-BD978FAA2E3D}" srcOrd="0" destOrd="0" presId="urn:microsoft.com/office/officeart/2009/3/layout/HorizontalOrganizationChart"/>
-    <dgm:cxn modelId="{00CC1A82-C7F0-46E3-9686-F260EA5D133E}" type="presOf" srcId="{7BFEDE6C-9607-594B-AC8C-1507C7955511}" destId="{ACFDFDB1-A573-9844-9779-79F8C74FE627}" srcOrd="1" destOrd="0" presId="urn:microsoft.com/office/officeart/2009/3/layout/HorizontalOrganizationChart"/>
-    <dgm:cxn modelId="{4C1D0089-0D8C-4BA4-83A8-879C6774170F}" type="presOf" srcId="{0219DD79-D5F4-8F4D-A8F2-637B89BE08A4}" destId="{4A128A98-EADD-F246-9948-C61CE48CEAF4}" srcOrd="1" destOrd="0" presId="urn:microsoft.com/office/officeart/2009/3/layout/HorizontalOrganizationChart"/>
-    <dgm:cxn modelId="{840ED606-91F8-4162-9A74-B3AEAF97E9C5}" type="presOf" srcId="{F968B9E6-E6B5-AD47-B8CC-F62DB282329D}" destId="{7DC9B714-74B7-1647-B5B0-5A76EF0AB3A9}" srcOrd="0" destOrd="0" presId="urn:microsoft.com/office/officeart/2009/3/layout/HorizontalOrganizationChart"/>
-    <dgm:cxn modelId="{AC94765D-B5B5-4B09-A6C9-9F260682A0AF}" type="presOf" srcId="{4D678D51-CA99-2E4E-8A8C-B29A52973556}" destId="{BE68FB4A-A7DB-4A48-A779-023E1E7CACDB}" srcOrd="1" destOrd="0" presId="urn:microsoft.com/office/officeart/2009/3/layout/HorizontalOrganizationChart"/>
-    <dgm:cxn modelId="{A08E641C-E6EC-4F6E-B695-168DBACC9773}" type="presOf" srcId="{CD12CCE1-505A-B242-9C42-9859B42A8A2A}" destId="{34C1B4B3-A2CC-0546-A72D-EA847439ABA8}" srcOrd="0" destOrd="0" presId="urn:microsoft.com/office/officeart/2009/3/layout/HorizontalOrganizationChart"/>
-    <dgm:cxn modelId="{1FC17933-EED7-BF46-9BF7-57751E5D135D}" srcId="{C413FA9F-9239-9847-BEE7-823B38DB5BF0}" destId="{0219DD79-D5F4-8F4D-A8F2-637B89BE08A4}" srcOrd="2" destOrd="0" parTransId="{A234A45A-ED06-BD40-A725-F9BB542E7239}" sibTransId="{77BD1EEC-9804-DD46-BFAF-025659B60072}"/>
-    <dgm:cxn modelId="{4AD218F8-B016-3F40-A54C-11A9ED57B305}" srcId="{45F626AA-2EF2-4844-BA18-6E4CC6B8B6CC}" destId="{48161431-B114-BF47-AE31-0D403A9419B0}" srcOrd="1" destOrd="0" parTransId="{FB7557C6-19EE-7444-AB90-FC4E1D7077C7}" sibTransId="{9FF83EDE-1DFA-6F47-B68E-9F40FC905777}"/>
-    <dgm:cxn modelId="{231F29E9-4646-4611-B834-69DA355E9803}" type="presOf" srcId="{76AAC5A8-399A-0449-B69C-F75FD4F59D5A}" destId="{4D3A2CBF-12B9-944D-90EB-00F8FBC6D72B}" srcOrd="0" destOrd="0" presId="urn:microsoft.com/office/officeart/2009/3/layout/HorizontalOrganizationChart"/>
-    <dgm:cxn modelId="{1311BB49-FEC3-48E0-92AF-337E396E89F1}" type="presOf" srcId="{A234A45A-ED06-BD40-A725-F9BB542E7239}" destId="{9D57B031-F133-2441-A735-2CC81D1FA66E}" srcOrd="0" destOrd="0" presId="urn:microsoft.com/office/officeart/2009/3/layout/HorizontalOrganizationChart"/>
-    <dgm:cxn modelId="{B2DC68B2-DBB2-42AB-B3B2-63446F8BF517}" type="presOf" srcId="{15273640-91B6-D442-88AD-F2300481E4B7}" destId="{3A7A6ADC-4C1A-7D4E-AEBD-0BB3F789A3A6}" srcOrd="0" destOrd="0" presId="urn:microsoft.com/office/officeart/2009/3/layout/HorizontalOrganizationChart"/>
-    <dgm:cxn modelId="{DD2E1253-0516-6048-B4D6-259474024A27}" srcId="{7BFEDE6C-9607-594B-AC8C-1507C7955511}" destId="{C413FA9F-9239-9847-BEE7-823B38DB5BF0}" srcOrd="0" destOrd="0" parTransId="{E9249ABB-830D-D94B-8EE8-FAE30579D6C1}" sibTransId="{B8184BEC-A3D3-E64F-971E-5763000A5EE2}"/>
-    <dgm:cxn modelId="{0BB88114-B753-47F4-B672-04E333015592}" type="presOf" srcId="{15273640-91B6-D442-88AD-F2300481E4B7}" destId="{3247217A-25DC-1F4E-8DB9-DDBEA2ECEFBA}" srcOrd="1" destOrd="0" presId="urn:microsoft.com/office/officeart/2009/3/layout/HorizontalOrganizationChart"/>
-    <dgm:cxn modelId="{1C78126B-389D-914E-8E7D-9968744E0ACA}" srcId="{F968B9E6-E6B5-AD47-B8CC-F62DB282329D}" destId="{18BD139E-1690-2349-80A8-9C91ECA1FDFF}" srcOrd="0" destOrd="0" parTransId="{F41FC826-5D1A-A84D-BB3A-92058E7105A9}" sibTransId="{C974980A-E8D2-FF47-BB1E-8C111E5A1B7B}"/>
-    <dgm:cxn modelId="{B948A554-1153-4835-ABAF-406AEA2B7E48}" type="presOf" srcId="{7B498A50-AACA-4C40-BB7B-EB7635AD50C5}" destId="{0D23120D-8BA2-3547-AC27-79FAFE7639D3}" srcOrd="1" destOrd="0" presId="urn:microsoft.com/office/officeart/2009/3/layout/HorizontalOrganizationChart"/>
-    <dgm:cxn modelId="{C65E12BB-0DA1-4CD1-8FBF-6C1910E33D1A}" type="presOf" srcId="{E9249ABB-830D-D94B-8EE8-FAE30579D6C1}" destId="{C2ACFCEB-73B0-4B49-9BCA-522645F9BBA7}" srcOrd="0" destOrd="0" presId="urn:microsoft.com/office/officeart/2009/3/layout/HorizontalOrganizationChart"/>
-    <dgm:cxn modelId="{4F7E253B-003C-405A-A554-26E2F25ABE8C}" type="presOf" srcId="{1444E1BC-FD2A-E14E-AF76-5775DA2FA044}" destId="{AC523E20-B507-C842-940A-C5A8C6DC5929}" srcOrd="1" destOrd="0" presId="urn:microsoft.com/office/officeart/2009/3/layout/HorizontalOrganizationChart"/>
-    <dgm:cxn modelId="{34ECDEB8-50DE-4D6D-8B25-949D3C618869}" type="presOf" srcId="{A6C88925-5869-9F4A-9283-E6D3CF71FEF9}" destId="{DC3404C4-80DB-9F46-89D7-0E31DDBF6FA3}" srcOrd="1" destOrd="0" presId="urn:microsoft.com/office/officeart/2009/3/layout/HorizontalOrganizationChart"/>
-    <dgm:cxn modelId="{FD85D451-38A8-4075-A35F-758520755008}" type="presOf" srcId="{35FE932A-B4E3-9148-AB09-4E7F4D0497DB}" destId="{A231989D-3901-2445-A645-FAE103A97604}" srcOrd="1" destOrd="0" presId="urn:microsoft.com/office/officeart/2009/3/layout/HorizontalOrganizationChart"/>
-    <dgm:cxn modelId="{E113CB31-FCBF-4971-A5DF-1828B4430D98}" type="presOf" srcId="{F3D4C066-8284-084B-9FF3-CDAD2A89EF2D}" destId="{57ACF9DC-8539-1E4B-83FE-FC985D7737EA}" srcOrd="0" destOrd="0" presId="urn:microsoft.com/office/officeart/2009/3/layout/HorizontalOrganizationChart"/>
-    <dgm:cxn modelId="{038FC04E-33D7-1B44-8239-CFF2F2F0A1AD}" srcId="{45F626AA-2EF2-4844-BA18-6E4CC6B8B6CC}" destId="{F968B9E6-E6B5-AD47-B8CC-F62DB282329D}" srcOrd="0" destOrd="0" parTransId="{CD12CCE1-505A-B242-9C42-9859B42A8A2A}" sibTransId="{E311A24C-6FC0-734D-BDC9-5055ABF28EDC}"/>
-    <dgm:cxn modelId="{E41BBB02-38C9-4049-B5F6-979FE0EEC55A}" srcId="{C413FA9F-9239-9847-BEE7-823B38DB5BF0}" destId="{E6D93D8B-CE71-1B44-A963-36DA1BA22119}" srcOrd="0" destOrd="0" parTransId="{3E37A2D7-6D82-8E41-AFD8-DEF4867623AA}" sibTransId="{F6F70453-850C-5F40-A513-5D11CF2C4028}"/>
-    <dgm:cxn modelId="{386ADC16-5C25-F343-AE14-8A14905DB545}" srcId="{45F626AA-2EF2-4844-BA18-6E4CC6B8B6CC}" destId="{F24DFC5C-3CD2-E148-BAC1-D306DDD3489B}" srcOrd="2" destOrd="0" parTransId="{F3D4C066-8284-084B-9FF3-CDAD2A89EF2D}" sibTransId="{67D2862C-951A-C849-A068-6ACB032D92C0}"/>
-    <dgm:cxn modelId="{8F845FD5-E854-4BB1-ABC9-F54B32C73E26}" type="presOf" srcId="{45F626AA-2EF2-4844-BA18-6E4CC6B8B6CC}" destId="{D3059015-9FF4-D947-83A3-335A01D67DC6}" srcOrd="0" destOrd="0" presId="urn:microsoft.com/office/officeart/2009/3/layout/HorizontalOrganizationChart"/>
-    <dgm:cxn modelId="{4C1CF99B-EA26-CB4B-8845-D825A17C8126}" srcId="{4D678D51-CA99-2E4E-8A8C-B29A52973556}" destId="{D6281AC0-5AC1-6441-BE0B-B8D95349A413}" srcOrd="0" destOrd="0" parTransId="{1068AB67-9F0A-C348-81FB-00F0F0086519}" sibTransId="{0DBE7683-DFA8-7343-A694-F0DE222DDC41}"/>
-    <dgm:cxn modelId="{A6ABB81B-9446-4DFC-85ED-23DF2CD9A302}" type="presOf" srcId="{0219DD79-D5F4-8F4D-A8F2-637B89BE08A4}" destId="{8832A2AB-426E-1C43-8D78-49A9D288F4B3}" srcOrd="0" destOrd="0" presId="urn:microsoft.com/office/officeart/2009/3/layout/HorizontalOrganizationChart"/>
-    <dgm:cxn modelId="{EA69C7EE-D6DC-4921-B6CC-B0F3924D0470}" type="presOf" srcId="{F52C6A37-82AA-BC40-BD85-F0BF7EB87C0D}" destId="{D123E766-8A01-1D4F-805D-8029F78BF872}" srcOrd="0" destOrd="0" presId="urn:microsoft.com/office/officeart/2009/3/layout/HorizontalOrganizationChart"/>
-    <dgm:cxn modelId="{C1B3961E-45FA-4495-8B54-120FC31EB965}" type="presOf" srcId="{AD381FD6-265A-FF4D-B461-B87E7D38A31D}" destId="{3BC7DC9D-E80C-6F4B-B897-CCEA99BCC485}" srcOrd="0" destOrd="0" presId="urn:microsoft.com/office/officeart/2009/3/layout/HorizontalOrganizationChart"/>
-    <dgm:cxn modelId="{F976B16C-50D0-4244-840A-B980474EBC1F}" type="presOf" srcId="{D6281AC0-5AC1-6441-BE0B-B8D95349A413}" destId="{FEC69C4A-0059-FB46-B832-4FA2AA841385}" srcOrd="1" destOrd="0" presId="urn:microsoft.com/office/officeart/2009/3/layout/HorizontalOrganizationChart"/>
-    <dgm:cxn modelId="{8FA42B10-1A6F-A941-AF96-0A25A7226388}" srcId="{78A4B493-3BBE-2A49-84C9-42B34B27847A}" destId="{7BFEDE6C-9607-594B-AC8C-1507C7955511}" srcOrd="1" destOrd="0" parTransId="{18E9A9A1-CC11-494E-A530-A9DECAECF4FB}" sibTransId="{A1FE0278-EB30-674A-9E95-09BC8B7E66EB}"/>
-    <dgm:cxn modelId="{47677997-C6DC-4B69-91E3-1511EDB3E5CF}" type="presOf" srcId="{7BFEDE6C-9607-594B-AC8C-1507C7955511}" destId="{D3ED95C0-3622-7347-A24D-22E6A057DCAF}" srcOrd="0" destOrd="0" presId="urn:microsoft.com/office/officeart/2009/3/layout/HorizontalOrganizationChart"/>
-    <dgm:cxn modelId="{76F99433-C9CA-4FF8-934E-965417C2F630}" type="presOf" srcId="{797D844F-797B-5643-9A60-BCEFE6B43CBF}" destId="{448E8529-2D20-1649-858A-D3EB0AC733DB}" srcOrd="0" destOrd="0" presId="urn:microsoft.com/office/officeart/2009/3/layout/HorizontalOrganizationChart"/>
-    <dgm:cxn modelId="{9652E694-3618-2442-B3A0-6B46AFCF40FB}" srcId="{E6D93D8B-CE71-1B44-A963-36DA1BA22119}" destId="{45F626AA-2EF2-4844-BA18-6E4CC6B8B6CC}" srcOrd="0" destOrd="0" parTransId="{76AAC5A8-399A-0449-B69C-F75FD4F59D5A}" sibTransId="{10723AD0-77C3-6D44-AF87-ADD7204F1FE4}"/>
-    <dgm:cxn modelId="{B4E6C5E2-879B-4277-A06E-220705B8670B}" type="presOf" srcId="{426E4F03-782C-D64B-9A3A-C758D80E24FF}" destId="{E7B33133-8858-914A-90FF-DE3A571C81B8}" srcOrd="1" destOrd="0" presId="urn:microsoft.com/office/officeart/2009/3/layout/HorizontalOrganizationChart"/>
-    <dgm:cxn modelId="{3A7CA24F-C155-4E24-A9BF-03D0444E24AC}" type="presOf" srcId="{F24DFC5C-3CD2-E148-BAC1-D306DDD3489B}" destId="{3BF2AE6A-68F0-FF4A-8066-FE9C5E28CDE7}" srcOrd="0" destOrd="0" presId="urn:microsoft.com/office/officeart/2009/3/layout/HorizontalOrganizationChart"/>
-    <dgm:cxn modelId="{46142D02-EA5A-AD45-9EFB-8983F1EE9889}" srcId="{F968B9E6-E6B5-AD47-B8CC-F62DB282329D}" destId="{F7045E3E-1E4A-E344-AE51-35BB60E89B46}" srcOrd="4" destOrd="0" parTransId="{E1F04318-3D6C-A24B-9299-0948A984F6E2}" sibTransId="{3EA7B8CB-7886-824C-ABB0-1B64F161978A}"/>
-    <dgm:cxn modelId="{9EE3DC16-9377-4B08-BA80-6B3434D9A494}" type="presOf" srcId="{F968B9E6-E6B5-AD47-B8CC-F62DB282329D}" destId="{A458E8D9-D17F-E940-9023-D4F5BC0BB771}" srcOrd="1" destOrd="0" presId="urn:microsoft.com/office/officeart/2009/3/layout/HorizontalOrganizationChart"/>
-    <dgm:cxn modelId="{3B5D7943-AFAD-4678-928E-255F847E9479}" type="presOf" srcId="{426E4F03-782C-D64B-9A3A-C758D80E24FF}" destId="{B758C972-8BFA-3B47-9641-3E5165D04A55}" srcOrd="0" destOrd="0" presId="urn:microsoft.com/office/officeart/2009/3/layout/HorizontalOrganizationChart"/>
-    <dgm:cxn modelId="{CBB4AFED-EDA8-DB41-A91E-38FBED8B4830}" srcId="{F968B9E6-E6B5-AD47-B8CC-F62DB282329D}" destId="{719A7A92-97D0-284C-9AE9-AF0E47293C47}" srcOrd="3" destOrd="0" parTransId="{AC3BCAE8-7BB2-9349-887D-BE101454965A}" sibTransId="{95F39517-2A4B-B74F-A95F-18039DDA584F}"/>
-    <dgm:cxn modelId="{D2EA60EC-D26A-4928-8124-3FBB007F6A7E}" type="presOf" srcId="{FB7557C6-19EE-7444-AB90-FC4E1D7077C7}" destId="{57DF42BD-F823-4F43-87C5-0823FAC7F65C}" srcOrd="0" destOrd="0" presId="urn:microsoft.com/office/officeart/2009/3/layout/HorizontalOrganizationChart"/>
-    <dgm:cxn modelId="{A8049207-CD52-3F42-B625-437F89059F00}" srcId="{02E41167-084A-D042-9B42-6A55394A5101}" destId="{A29CBED9-BCB0-2748-9E8A-A7FB685319D9}" srcOrd="1" destOrd="0" parTransId="{F52C6A37-82AA-BC40-BD85-F0BF7EB87C0D}" sibTransId="{8CC4B2BB-CE6C-A446-A0A8-BEED660EC444}"/>
-    <dgm:cxn modelId="{CAAD7A40-FA6F-4F7C-96CC-1F010724B438}" type="presOf" srcId="{F7045E3E-1E4A-E344-AE51-35BB60E89B46}" destId="{4DD68557-4F19-B645-A94F-C6891F01CC46}" srcOrd="1" destOrd="0" presId="urn:microsoft.com/office/officeart/2009/3/layout/HorizontalOrganizationChart"/>
-    <dgm:cxn modelId="{7913D025-3FA6-D446-BB5E-884B6532707B}" srcId="{D6281AC0-5AC1-6441-BE0B-B8D95349A413}" destId="{02E41167-084A-D042-9B42-6A55394A5101}" srcOrd="0" destOrd="0" parTransId="{AD381FD6-265A-FF4D-B461-B87E7D38A31D}" sibTransId="{00885B76-C43E-1C44-BCD5-E9FF94938A26}"/>
-    <dgm:cxn modelId="{C0466F32-CD34-4972-A73D-C4C6A824579A}" type="presOf" srcId="{1068AB67-9F0A-C348-81FB-00F0F0086519}" destId="{0193F946-8399-DA44-A32E-43D1481A6EC1}" srcOrd="0" destOrd="0" presId="urn:microsoft.com/office/officeart/2009/3/layout/HorizontalOrganizationChart"/>
-    <dgm:cxn modelId="{4AEC7B87-07FA-4576-9B7E-5BD267DF1CE5}" type="presOf" srcId="{A2F02383-8D4C-3A4A-AD0E-C4C5864A9752}" destId="{C2CDF750-20E6-4947-B8D1-862D76CE095B}" srcOrd="0" destOrd="0" presId="urn:microsoft.com/office/officeart/2009/3/layout/HorizontalOrganizationChart"/>
-    <dgm:cxn modelId="{82E478C7-40DF-4FCC-9848-691E718ABE66}" type="presOf" srcId="{DE3A6BA3-9CD1-1E4E-8E3B-A1707C942582}" destId="{1B0B82BC-9A97-8C4E-BB5C-88EFB1586870}" srcOrd="0" destOrd="0" presId="urn:microsoft.com/office/officeart/2009/3/layout/HorizontalOrganizationChart"/>
-    <dgm:cxn modelId="{EC1070F0-95D4-4AC4-BF05-10292CBEDD8A}" type="presOf" srcId="{C413FA9F-9239-9847-BEE7-823B38DB5BF0}" destId="{CD991820-8A0E-7A43-8C83-D9BF8FBA2FDD}" srcOrd="0" destOrd="0" presId="urn:microsoft.com/office/officeart/2009/3/layout/HorizontalOrganizationChart"/>
     <dgm:cxn modelId="{12B03CF2-7B3F-41BB-B5D2-4202C0991560}" type="presParOf" srcId="{8FB35003-F0AB-E140-B631-77314DDA3585}" destId="{E60C6630-47B6-B348-8D66-1500E976AF76}" srcOrd="0" destOrd="0" presId="urn:microsoft.com/office/officeart/2009/3/layout/HorizontalOrganizationChart"/>
     <dgm:cxn modelId="{48A1BD80-0451-4C12-957F-D4406297E2BF}" type="presParOf" srcId="{E60C6630-47B6-B348-8D66-1500E976AF76}" destId="{52B5DA55-03AF-684A-89F2-10B603371855}" srcOrd="0" destOrd="0" presId="urn:microsoft.com/office/officeart/2009/3/layout/HorizontalOrganizationChart"/>
     <dgm:cxn modelId="{9D759836-9E18-44CE-B3DC-B66F8FD7571C}" type="presParOf" srcId="{52B5DA55-03AF-684A-89F2-10B603371855}" destId="{3C1417B9-A54A-364C-8CFC-5B4FCB833134}" srcOrd="0" destOrd="0" presId="urn:microsoft.com/office/officeart/2009/3/layout/HorizontalOrganizationChart"/>
@@ -5302,14 +4782,6 @@
         </dgm:presLayoutVars>
       </dgm:prSet>
       <dgm:spPr/>
-      <dgm:t>
-        <a:bodyPr/>
-        <a:lstStyle/>
-        <a:p>
-          <a:pPr latinLnBrk="1"/>
-          <a:endParaRPr lang="ko-KR" altLang="en-US"/>
-        </a:p>
-      </dgm:t>
     </dgm:pt>
     <dgm:pt modelId="{91D8DCBB-092B-384E-BE41-961B2BF830D1}" type="pres">
       <dgm:prSet presAssocID="{35FE932A-B4E3-9148-AB09-4E7F4D0497DB}" presName="hierRoot1" presStyleCnt="0">
@@ -5330,26 +4802,10 @@
         </dgm:presLayoutVars>
       </dgm:prSet>
       <dgm:spPr/>
-      <dgm:t>
-        <a:bodyPr/>
-        <a:lstStyle/>
-        <a:p>
-          <a:pPr latinLnBrk="1"/>
-          <a:endParaRPr lang="ko-KR" altLang="en-US"/>
-        </a:p>
-      </dgm:t>
     </dgm:pt>
     <dgm:pt modelId="{6F6ED0BE-FE52-C347-8BA4-029F26E43EA8}" type="pres">
       <dgm:prSet presAssocID="{35FE932A-B4E3-9148-AB09-4E7F4D0497DB}" presName="rootConnector1" presStyleLbl="node1" presStyleIdx="0" presStyleCnt="0"/>
       <dgm:spPr/>
-      <dgm:t>
-        <a:bodyPr/>
-        <a:lstStyle/>
-        <a:p>
-          <a:pPr latinLnBrk="1"/>
-          <a:endParaRPr lang="ko-KR" altLang="en-US"/>
-        </a:p>
-      </dgm:t>
     </dgm:pt>
     <dgm:pt modelId="{D6335531-7975-AB49-84D3-93A80FEE6B78}" type="pres">
       <dgm:prSet presAssocID="{35FE932A-B4E3-9148-AB09-4E7F4D0497DB}" presName="hierChild2" presStyleCnt="0"/>
@@ -5378,26 +4834,10 @@
         </dgm:presLayoutVars>
       </dgm:prSet>
       <dgm:spPr/>
-      <dgm:t>
-        <a:bodyPr/>
-        <a:lstStyle/>
-        <a:p>
-          <a:pPr latinLnBrk="1"/>
-          <a:endParaRPr lang="ko-KR" altLang="en-US"/>
-        </a:p>
-      </dgm:t>
     </dgm:pt>
     <dgm:pt modelId="{0E103CF1-A810-174E-923D-92BE52CDB765}" type="pres">
       <dgm:prSet presAssocID="{7BFEDE6C-9607-594B-AC8C-1507C7955511}" presName="rootConnector1" presStyleLbl="node1" presStyleIdx="0" presStyleCnt="0"/>
       <dgm:spPr/>
-      <dgm:t>
-        <a:bodyPr/>
-        <a:lstStyle/>
-        <a:p>
-          <a:pPr latinLnBrk="1"/>
-          <a:endParaRPr lang="ko-KR" altLang="en-US"/>
-        </a:p>
-      </dgm:t>
     </dgm:pt>
     <dgm:pt modelId="{BA40F036-B979-4F47-8C56-E472582DF327}" type="pres">
       <dgm:prSet presAssocID="{7BFEDE6C-9607-594B-AC8C-1507C7955511}" presName="hierChild2" presStyleCnt="0"/>
@@ -5406,14 +4846,6 @@
     <dgm:pt modelId="{034732A1-3FC4-4845-A376-2576D533BD61}" type="pres">
       <dgm:prSet presAssocID="{E9249ABB-830D-D94B-8EE8-FAE30579D6C1}" presName="Name64" presStyleLbl="parChTrans1D2" presStyleIdx="0" presStyleCnt="9"/>
       <dgm:spPr/>
-      <dgm:t>
-        <a:bodyPr/>
-        <a:lstStyle/>
-        <a:p>
-          <a:pPr latinLnBrk="1"/>
-          <a:endParaRPr lang="ko-KR" altLang="en-US"/>
-        </a:p>
-      </dgm:t>
     </dgm:pt>
     <dgm:pt modelId="{8B9D5448-EB66-2844-ACD2-5AC751FBF2DC}" type="pres">
       <dgm:prSet presAssocID="{C413FA9F-9239-9847-BEE7-823B38DB5BF0}" presName="hierRoot2" presStyleCnt="0">
@@ -5434,26 +4866,10 @@
         </dgm:presLayoutVars>
       </dgm:prSet>
       <dgm:spPr/>
-      <dgm:t>
-        <a:bodyPr/>
-        <a:lstStyle/>
-        <a:p>
-          <a:pPr latinLnBrk="1"/>
-          <a:endParaRPr lang="ko-KR" altLang="en-US"/>
-        </a:p>
-      </dgm:t>
     </dgm:pt>
     <dgm:pt modelId="{2960B827-F369-AD4F-A798-0D9528E755FE}" type="pres">
       <dgm:prSet presAssocID="{C413FA9F-9239-9847-BEE7-823B38DB5BF0}" presName="rootConnector" presStyleLbl="node2" presStyleIdx="0" presStyleCnt="9"/>
       <dgm:spPr/>
-      <dgm:t>
-        <a:bodyPr/>
-        <a:lstStyle/>
-        <a:p>
-          <a:pPr latinLnBrk="1"/>
-          <a:endParaRPr lang="ko-KR" altLang="en-US"/>
-        </a:p>
-      </dgm:t>
     </dgm:pt>
     <dgm:pt modelId="{B43BBF91-E0B7-F140-90A9-E92082FCBC8D}" type="pres">
       <dgm:prSet presAssocID="{C413FA9F-9239-9847-BEE7-823B38DB5BF0}" presName="hierChild4" presStyleCnt="0"/>
@@ -5462,14 +4878,6 @@
     <dgm:pt modelId="{0080CBE3-3047-AF4A-9A65-512AFACDB252}" type="pres">
       <dgm:prSet presAssocID="{3E37A2D7-6D82-8E41-AFD8-DEF4867623AA}" presName="Name64" presStyleLbl="parChTrans1D3" presStyleIdx="0" presStyleCnt="5"/>
       <dgm:spPr/>
-      <dgm:t>
-        <a:bodyPr/>
-        <a:lstStyle/>
-        <a:p>
-          <a:pPr latinLnBrk="1"/>
-          <a:endParaRPr lang="ko-KR" altLang="en-US"/>
-        </a:p>
-      </dgm:t>
     </dgm:pt>
     <dgm:pt modelId="{5110DADF-F18A-4042-9A95-652680F43814}" type="pres">
       <dgm:prSet presAssocID="{E6D93D8B-CE71-1B44-A963-36DA1BA22119}" presName="hierRoot2" presStyleCnt="0">
@@ -5490,26 +4898,10 @@
         </dgm:presLayoutVars>
       </dgm:prSet>
       <dgm:spPr/>
-      <dgm:t>
-        <a:bodyPr/>
-        <a:lstStyle/>
-        <a:p>
-          <a:pPr latinLnBrk="1"/>
-          <a:endParaRPr lang="ko-KR" altLang="en-US"/>
-        </a:p>
-      </dgm:t>
     </dgm:pt>
     <dgm:pt modelId="{42E377EB-481B-E349-B70C-0BD7C355BCE4}" type="pres">
       <dgm:prSet presAssocID="{E6D93D8B-CE71-1B44-A963-36DA1BA22119}" presName="rootConnector" presStyleLbl="node3" presStyleIdx="0" presStyleCnt="5"/>
       <dgm:spPr/>
-      <dgm:t>
-        <a:bodyPr/>
-        <a:lstStyle/>
-        <a:p>
-          <a:pPr latinLnBrk="1"/>
-          <a:endParaRPr lang="ko-KR" altLang="en-US"/>
-        </a:p>
-      </dgm:t>
     </dgm:pt>
     <dgm:pt modelId="{9855C4A5-BA49-4A47-B2D4-BC3397AC5ABC}" type="pres">
       <dgm:prSet presAssocID="{E6D93D8B-CE71-1B44-A963-36DA1BA22119}" presName="hierChild4" presStyleCnt="0"/>
@@ -5518,14 +4910,6 @@
     <dgm:pt modelId="{2125012A-6020-7549-8C40-F238CC14F8ED}" type="pres">
       <dgm:prSet presAssocID="{CD12CCE1-505A-B242-9C42-9859B42A8A2A}" presName="Name64" presStyleLbl="parChTrans1D4" presStyleIdx="0" presStyleCnt="11"/>
       <dgm:spPr/>
-      <dgm:t>
-        <a:bodyPr/>
-        <a:lstStyle/>
-        <a:p>
-          <a:pPr latinLnBrk="1"/>
-          <a:endParaRPr lang="ko-KR" altLang="en-US"/>
-        </a:p>
-      </dgm:t>
     </dgm:pt>
     <dgm:pt modelId="{DE3FBBA8-671E-534E-A42B-3F2717693F54}" type="pres">
       <dgm:prSet presAssocID="{F968B9E6-E6B5-AD47-B8CC-F62DB282329D}" presName="hierRoot2" presStyleCnt="0">
@@ -5546,26 +4930,10 @@
         </dgm:presLayoutVars>
       </dgm:prSet>
       <dgm:spPr/>
-      <dgm:t>
-        <a:bodyPr/>
-        <a:lstStyle/>
-        <a:p>
-          <a:pPr latinLnBrk="1"/>
-          <a:endParaRPr lang="ko-KR" altLang="en-US"/>
-        </a:p>
-      </dgm:t>
     </dgm:pt>
     <dgm:pt modelId="{337B46B3-619C-CA4C-BF38-17377F13EEE2}" type="pres">
       <dgm:prSet presAssocID="{F968B9E6-E6B5-AD47-B8CC-F62DB282329D}" presName="rootConnector" presStyleLbl="node4" presStyleIdx="0" presStyleCnt="11"/>
       <dgm:spPr/>
-      <dgm:t>
-        <a:bodyPr/>
-        <a:lstStyle/>
-        <a:p>
-          <a:pPr latinLnBrk="1"/>
-          <a:endParaRPr lang="ko-KR" altLang="en-US"/>
-        </a:p>
-      </dgm:t>
     </dgm:pt>
     <dgm:pt modelId="{C5E3A9A7-EFEF-F64C-B678-158FB253EF1E}" type="pres">
       <dgm:prSet presAssocID="{F968B9E6-E6B5-AD47-B8CC-F62DB282329D}" presName="hierChild4" presStyleCnt="0"/>
@@ -5582,14 +4950,6 @@
     <dgm:pt modelId="{B7F3086B-A56D-AC46-B8AE-BA780B0B7AF2}" type="pres">
       <dgm:prSet presAssocID="{DE3A6BA3-9CD1-1E4E-8E3B-A1707C942582}" presName="Name64" presStyleLbl="parChTrans1D3" presStyleIdx="1" presStyleCnt="5"/>
       <dgm:spPr/>
-      <dgm:t>
-        <a:bodyPr/>
-        <a:lstStyle/>
-        <a:p>
-          <a:pPr latinLnBrk="1"/>
-          <a:endParaRPr lang="ko-KR" altLang="en-US"/>
-        </a:p>
-      </dgm:t>
     </dgm:pt>
     <dgm:pt modelId="{1B5D8E4E-298B-0647-A635-22B65FDE149C}" type="pres">
       <dgm:prSet presAssocID="{1444E1BC-FD2A-E14E-AF76-5775DA2FA044}" presName="hierRoot2" presStyleCnt="0">
@@ -5610,26 +4970,10 @@
         </dgm:presLayoutVars>
       </dgm:prSet>
       <dgm:spPr/>
-      <dgm:t>
-        <a:bodyPr/>
-        <a:lstStyle/>
-        <a:p>
-          <a:pPr latinLnBrk="1"/>
-          <a:endParaRPr lang="ko-KR" altLang="en-US"/>
-        </a:p>
-      </dgm:t>
     </dgm:pt>
     <dgm:pt modelId="{DF85DB1A-3F7E-4548-90B2-A0F688D003B6}" type="pres">
       <dgm:prSet presAssocID="{1444E1BC-FD2A-E14E-AF76-5775DA2FA044}" presName="rootConnector" presStyleLbl="node3" presStyleIdx="1" presStyleCnt="5"/>
       <dgm:spPr/>
-      <dgm:t>
-        <a:bodyPr/>
-        <a:lstStyle/>
-        <a:p>
-          <a:pPr latinLnBrk="1"/>
-          <a:endParaRPr lang="ko-KR" altLang="en-US"/>
-        </a:p>
-      </dgm:t>
     </dgm:pt>
     <dgm:pt modelId="{7227A2A8-753C-F24A-9590-2DFAC435F134}" type="pres">
       <dgm:prSet presAssocID="{1444E1BC-FD2A-E14E-AF76-5775DA2FA044}" presName="hierChild4" presStyleCnt="0"/>
@@ -5642,14 +4986,6 @@
     <dgm:pt modelId="{AE4E8B53-8415-9F49-B409-2900A1509C1D}" type="pres">
       <dgm:prSet presAssocID="{040FC7E0-E2EF-6A41-A451-8B5112C8ECDB}" presName="Name64" presStyleLbl="parChTrans1D3" presStyleIdx="2" presStyleCnt="5"/>
       <dgm:spPr/>
-      <dgm:t>
-        <a:bodyPr/>
-        <a:lstStyle/>
-        <a:p>
-          <a:pPr latinLnBrk="1"/>
-          <a:endParaRPr lang="ko-KR" altLang="en-US"/>
-        </a:p>
-      </dgm:t>
     </dgm:pt>
     <dgm:pt modelId="{8329E653-7AB4-FE46-8DD6-8F0EC4FBEF4F}" type="pres">
       <dgm:prSet presAssocID="{4D678D51-CA99-2E4E-8A8C-B29A52973556}" presName="hierRoot2" presStyleCnt="0">
@@ -5670,26 +5006,10 @@
         </dgm:presLayoutVars>
       </dgm:prSet>
       <dgm:spPr/>
-      <dgm:t>
-        <a:bodyPr/>
-        <a:lstStyle/>
-        <a:p>
-          <a:pPr latinLnBrk="1"/>
-          <a:endParaRPr lang="ko-KR" altLang="en-US"/>
-        </a:p>
-      </dgm:t>
     </dgm:pt>
     <dgm:pt modelId="{8CB99DA9-2601-C744-8510-A9639043074B}" type="pres">
       <dgm:prSet presAssocID="{4D678D51-CA99-2E4E-8A8C-B29A52973556}" presName="rootConnector" presStyleLbl="node3" presStyleIdx="2" presStyleCnt="5"/>
       <dgm:spPr/>
-      <dgm:t>
-        <a:bodyPr/>
-        <a:lstStyle/>
-        <a:p>
-          <a:pPr latinLnBrk="1"/>
-          <a:endParaRPr lang="ko-KR" altLang="en-US"/>
-        </a:p>
-      </dgm:t>
     </dgm:pt>
     <dgm:pt modelId="{BE2A435D-0598-C24F-9FC9-8BDD9D0331F4}" type="pres">
       <dgm:prSet presAssocID="{4D678D51-CA99-2E4E-8A8C-B29A52973556}" presName="hierChild4" presStyleCnt="0"/>
@@ -5706,14 +5026,6 @@
     <dgm:pt modelId="{6A08DDC0-4CE4-BE47-99D9-8CCDDD9A68F0}" type="pres">
       <dgm:prSet presAssocID="{D5C06307-5956-3E49-B88C-6EE264BA2759}" presName="Name64" presStyleLbl="parChTrans1D2" presStyleIdx="1" presStyleCnt="9"/>
       <dgm:spPr/>
-      <dgm:t>
-        <a:bodyPr/>
-        <a:lstStyle/>
-        <a:p>
-          <a:pPr latinLnBrk="1"/>
-          <a:endParaRPr lang="ko-KR" altLang="en-US"/>
-        </a:p>
-      </dgm:t>
     </dgm:pt>
     <dgm:pt modelId="{7BBAAF40-D884-654B-AA56-6703A70DFE18}" type="pres">
       <dgm:prSet presAssocID="{3818266B-75C1-124C-8BEB-726DDDAE8E25}" presName="hierRoot2" presStyleCnt="0">
@@ -5734,26 +5046,10 @@
         </dgm:presLayoutVars>
       </dgm:prSet>
       <dgm:spPr/>
-      <dgm:t>
-        <a:bodyPr/>
-        <a:lstStyle/>
-        <a:p>
-          <a:pPr latinLnBrk="1"/>
-          <a:endParaRPr lang="ko-KR" altLang="en-US"/>
-        </a:p>
-      </dgm:t>
     </dgm:pt>
     <dgm:pt modelId="{12AE71BB-ADB2-DD46-BF01-7CB891447ED7}" type="pres">
       <dgm:prSet presAssocID="{3818266B-75C1-124C-8BEB-726DDDAE8E25}" presName="rootConnector" presStyleLbl="node2" presStyleIdx="1" presStyleCnt="9"/>
       <dgm:spPr/>
-      <dgm:t>
-        <a:bodyPr/>
-        <a:lstStyle/>
-        <a:p>
-          <a:pPr latinLnBrk="1"/>
-          <a:endParaRPr lang="ko-KR" altLang="en-US"/>
-        </a:p>
-      </dgm:t>
     </dgm:pt>
     <dgm:pt modelId="{11A3D6FB-615D-B342-A966-47AFF21B9E6A}" type="pres">
       <dgm:prSet presAssocID="{3818266B-75C1-124C-8BEB-726DDDAE8E25}" presName="hierChild4" presStyleCnt="0"/>
@@ -5762,14 +5058,6 @@
     <dgm:pt modelId="{E83C033E-BFCB-2349-B4A2-658A8A7829A1}" type="pres">
       <dgm:prSet presAssocID="{FE44331C-D25F-6842-B86E-D273068F961F}" presName="Name64" presStyleLbl="parChTrans1D3" presStyleIdx="3" presStyleCnt="5"/>
       <dgm:spPr/>
-      <dgm:t>
-        <a:bodyPr/>
-        <a:lstStyle/>
-        <a:p>
-          <a:pPr latinLnBrk="1"/>
-          <a:endParaRPr lang="ko-KR" altLang="en-US"/>
-        </a:p>
-      </dgm:t>
     </dgm:pt>
     <dgm:pt modelId="{EB2F3ABF-91ED-5841-A2D4-49248E499937}" type="pres">
       <dgm:prSet presAssocID="{C10786AC-9D79-F248-A362-F801C00DF6C2}" presName="hierRoot2" presStyleCnt="0">
@@ -5790,26 +5078,10 @@
         </dgm:presLayoutVars>
       </dgm:prSet>
       <dgm:spPr/>
-      <dgm:t>
-        <a:bodyPr/>
-        <a:lstStyle/>
-        <a:p>
-          <a:pPr latinLnBrk="1"/>
-          <a:endParaRPr lang="ko-KR" altLang="en-US"/>
-        </a:p>
-      </dgm:t>
     </dgm:pt>
     <dgm:pt modelId="{5A31CDC3-BC91-8440-93FA-7FD9A640E5CC}" type="pres">
       <dgm:prSet presAssocID="{C10786AC-9D79-F248-A362-F801C00DF6C2}" presName="rootConnector" presStyleLbl="node3" presStyleIdx="3" presStyleCnt="5"/>
       <dgm:spPr/>
-      <dgm:t>
-        <a:bodyPr/>
-        <a:lstStyle/>
-        <a:p>
-          <a:pPr latinLnBrk="1"/>
-          <a:endParaRPr lang="ko-KR" altLang="en-US"/>
-        </a:p>
-      </dgm:t>
     </dgm:pt>
     <dgm:pt modelId="{A1C46DBA-6BFE-BD41-BB1C-97BD2CF70C22}" type="pres">
       <dgm:prSet presAssocID="{C10786AC-9D79-F248-A362-F801C00DF6C2}" presName="hierChild4" presStyleCnt="0"/>
@@ -5818,14 +5090,6 @@
     <dgm:pt modelId="{086C5347-A19F-B442-BAA2-8DA1AFD08CA4}" type="pres">
       <dgm:prSet presAssocID="{F81B2736-CB54-1E49-9A70-86A22FF0B63D}" presName="Name64" presStyleLbl="parChTrans1D4" presStyleIdx="1" presStyleCnt="11"/>
       <dgm:spPr/>
-      <dgm:t>
-        <a:bodyPr/>
-        <a:lstStyle/>
-        <a:p>
-          <a:pPr latinLnBrk="1"/>
-          <a:endParaRPr lang="ko-KR" altLang="en-US"/>
-        </a:p>
-      </dgm:t>
     </dgm:pt>
     <dgm:pt modelId="{2BADA494-CFC6-B34B-A051-F8755FED4446}" type="pres">
       <dgm:prSet presAssocID="{44E06AC3-CAAD-6A47-B81E-52FC2722669E}" presName="hierRoot2" presStyleCnt="0">
@@ -5846,26 +5110,10 @@
         </dgm:presLayoutVars>
       </dgm:prSet>
       <dgm:spPr/>
-      <dgm:t>
-        <a:bodyPr/>
-        <a:lstStyle/>
-        <a:p>
-          <a:pPr latinLnBrk="1"/>
-          <a:endParaRPr lang="ko-KR" altLang="en-US"/>
-        </a:p>
-      </dgm:t>
     </dgm:pt>
     <dgm:pt modelId="{DEAC5F96-7E82-AF4F-91CA-0E98739CA0EA}" type="pres">
       <dgm:prSet presAssocID="{44E06AC3-CAAD-6A47-B81E-52FC2722669E}" presName="rootConnector" presStyleLbl="node4" presStyleIdx="1" presStyleCnt="11"/>
       <dgm:spPr/>
-      <dgm:t>
-        <a:bodyPr/>
-        <a:lstStyle/>
-        <a:p>
-          <a:pPr latinLnBrk="1"/>
-          <a:endParaRPr lang="ko-KR" altLang="en-US"/>
-        </a:p>
-      </dgm:t>
     </dgm:pt>
     <dgm:pt modelId="{06117C21-12A6-6040-A78D-63D38CA26E07}" type="pres">
       <dgm:prSet presAssocID="{44E06AC3-CAAD-6A47-B81E-52FC2722669E}" presName="hierChild4" presStyleCnt="0"/>
@@ -5874,14 +5122,6 @@
     <dgm:pt modelId="{742F439E-A9D1-F142-97A0-B6239D852524}" type="pres">
       <dgm:prSet presAssocID="{DAB1AC52-F76D-8043-9E4F-3371A0E72BD0}" presName="Name64" presStyleLbl="parChTrans1D4" presStyleIdx="2" presStyleCnt="11"/>
       <dgm:spPr/>
-      <dgm:t>
-        <a:bodyPr/>
-        <a:lstStyle/>
-        <a:p>
-          <a:pPr latinLnBrk="1"/>
-          <a:endParaRPr lang="ko-KR" altLang="en-US"/>
-        </a:p>
-      </dgm:t>
     </dgm:pt>
     <dgm:pt modelId="{BE01ED97-41D2-6E46-9FC6-F9338D2902B2}" type="pres">
       <dgm:prSet presAssocID="{8D00831D-746E-D74D-BEF2-99979750FD8C}" presName="hierRoot2" presStyleCnt="0">
@@ -5902,26 +5142,10 @@
         </dgm:presLayoutVars>
       </dgm:prSet>
       <dgm:spPr/>
-      <dgm:t>
-        <a:bodyPr/>
-        <a:lstStyle/>
-        <a:p>
-          <a:pPr latinLnBrk="1"/>
-          <a:endParaRPr lang="ko-KR" altLang="en-US"/>
-        </a:p>
-      </dgm:t>
     </dgm:pt>
     <dgm:pt modelId="{C6505A86-1BE1-564F-A021-6176EB1268C2}" type="pres">
       <dgm:prSet presAssocID="{8D00831D-746E-D74D-BEF2-99979750FD8C}" presName="rootConnector" presStyleLbl="node4" presStyleIdx="2" presStyleCnt="11"/>
       <dgm:spPr/>
-      <dgm:t>
-        <a:bodyPr/>
-        <a:lstStyle/>
-        <a:p>
-          <a:pPr latinLnBrk="1"/>
-          <a:endParaRPr lang="ko-KR" altLang="en-US"/>
-        </a:p>
-      </dgm:t>
     </dgm:pt>
     <dgm:pt modelId="{C7B1EB78-A9AF-B449-9A6B-7F6ECE553D9C}" type="pres">
       <dgm:prSet presAssocID="{8D00831D-746E-D74D-BEF2-99979750FD8C}" presName="hierChild4" presStyleCnt="0"/>
@@ -5930,14 +5154,6 @@
     <dgm:pt modelId="{41881C55-695E-1044-BDCC-287320D5C0F8}" type="pres">
       <dgm:prSet presAssocID="{00C9BDDF-1DB4-594A-9898-BA2322E91F8F}" presName="Name64" presStyleLbl="parChTrans1D4" presStyleIdx="3" presStyleCnt="11"/>
       <dgm:spPr/>
-      <dgm:t>
-        <a:bodyPr/>
-        <a:lstStyle/>
-        <a:p>
-          <a:pPr latinLnBrk="1"/>
-          <a:endParaRPr lang="ko-KR" altLang="en-US"/>
-        </a:p>
-      </dgm:t>
     </dgm:pt>
     <dgm:pt modelId="{F6870242-2083-8048-9279-D8F012F835C2}" type="pres">
       <dgm:prSet presAssocID="{8F4D16E3-415C-9540-8BA7-FE5E6948FC8D}" presName="hierRoot2" presStyleCnt="0">
@@ -5958,26 +5174,10 @@
         </dgm:presLayoutVars>
       </dgm:prSet>
       <dgm:spPr/>
-      <dgm:t>
-        <a:bodyPr/>
-        <a:lstStyle/>
-        <a:p>
-          <a:pPr latinLnBrk="1"/>
-          <a:endParaRPr lang="ko-KR" altLang="en-US"/>
-        </a:p>
-      </dgm:t>
     </dgm:pt>
     <dgm:pt modelId="{EF3CA061-57C3-E844-ABD1-EC1B35015905}" type="pres">
       <dgm:prSet presAssocID="{8F4D16E3-415C-9540-8BA7-FE5E6948FC8D}" presName="rootConnector" presStyleLbl="node4" presStyleIdx="3" presStyleCnt="11"/>
       <dgm:spPr/>
-      <dgm:t>
-        <a:bodyPr/>
-        <a:lstStyle/>
-        <a:p>
-          <a:pPr latinLnBrk="1"/>
-          <a:endParaRPr lang="ko-KR" altLang="en-US"/>
-        </a:p>
-      </dgm:t>
     </dgm:pt>
     <dgm:pt modelId="{82D0C008-2DE9-C644-9868-713CA3038AB8}" type="pres">
       <dgm:prSet presAssocID="{8F4D16E3-415C-9540-8BA7-FE5E6948FC8D}" presName="hierChild4" presStyleCnt="0"/>
@@ -5990,14 +5190,6 @@
     <dgm:pt modelId="{B4588F31-4C6C-1E4C-B181-ABF6BC643590}" type="pres">
       <dgm:prSet presAssocID="{83B450A5-9E16-B245-B630-2A4789C18D9C}" presName="Name64" presStyleLbl="parChTrans1D4" presStyleIdx="4" presStyleCnt="11"/>
       <dgm:spPr/>
-      <dgm:t>
-        <a:bodyPr/>
-        <a:lstStyle/>
-        <a:p>
-          <a:pPr latinLnBrk="1"/>
-          <a:endParaRPr lang="ko-KR" altLang="en-US"/>
-        </a:p>
-      </dgm:t>
     </dgm:pt>
     <dgm:pt modelId="{1EDB3FCB-79AC-0B46-91F1-692DCC833779}" type="pres">
       <dgm:prSet presAssocID="{F37011CD-1EDC-AE4E-89D5-1BEC4DD72507}" presName="hierRoot2" presStyleCnt="0">
@@ -6018,26 +5210,10 @@
         </dgm:presLayoutVars>
       </dgm:prSet>
       <dgm:spPr/>
-      <dgm:t>
-        <a:bodyPr/>
-        <a:lstStyle/>
-        <a:p>
-          <a:pPr latinLnBrk="1"/>
-          <a:endParaRPr lang="ko-KR" altLang="en-US"/>
-        </a:p>
-      </dgm:t>
     </dgm:pt>
     <dgm:pt modelId="{0A93117A-38CB-C84E-B326-C24B8FAFE113}" type="pres">
       <dgm:prSet presAssocID="{F37011CD-1EDC-AE4E-89D5-1BEC4DD72507}" presName="rootConnector" presStyleLbl="node4" presStyleIdx="4" presStyleCnt="11"/>
       <dgm:spPr/>
-      <dgm:t>
-        <a:bodyPr/>
-        <a:lstStyle/>
-        <a:p>
-          <a:pPr latinLnBrk="1"/>
-          <a:endParaRPr lang="ko-KR" altLang="en-US"/>
-        </a:p>
-      </dgm:t>
     </dgm:pt>
     <dgm:pt modelId="{F356F0DA-B23A-184E-B176-2E07CBE09F88}" type="pres">
       <dgm:prSet presAssocID="{F37011CD-1EDC-AE4E-89D5-1BEC4DD72507}" presName="hierChild4" presStyleCnt="0"/>
@@ -6050,14 +5226,6 @@
     <dgm:pt modelId="{D38CE618-D037-4D4D-B438-7F5EE7CF235D}" type="pres">
       <dgm:prSet presAssocID="{229B3D6D-F0F7-864C-A228-BF92BD6766B9}" presName="Name64" presStyleLbl="parChTrans1D4" presStyleIdx="5" presStyleCnt="11"/>
       <dgm:spPr/>
-      <dgm:t>
-        <a:bodyPr/>
-        <a:lstStyle/>
-        <a:p>
-          <a:pPr latinLnBrk="1"/>
-          <a:endParaRPr lang="ko-KR" altLang="en-US"/>
-        </a:p>
-      </dgm:t>
     </dgm:pt>
     <dgm:pt modelId="{BEE8C303-64A2-1B46-BF69-9EC37AED1201}" type="pres">
       <dgm:prSet presAssocID="{854F7B39-4035-414E-AC18-03A22D801936}" presName="hierRoot2" presStyleCnt="0">
@@ -6078,26 +5246,10 @@
         </dgm:presLayoutVars>
       </dgm:prSet>
       <dgm:spPr/>
-      <dgm:t>
-        <a:bodyPr/>
-        <a:lstStyle/>
-        <a:p>
-          <a:pPr latinLnBrk="1"/>
-          <a:endParaRPr lang="ko-KR" altLang="en-US"/>
-        </a:p>
-      </dgm:t>
     </dgm:pt>
     <dgm:pt modelId="{ECB9F403-C0A9-894D-9E14-F43E89594FB8}" type="pres">
       <dgm:prSet presAssocID="{854F7B39-4035-414E-AC18-03A22D801936}" presName="rootConnector" presStyleLbl="node4" presStyleIdx="5" presStyleCnt="11"/>
       <dgm:spPr/>
-      <dgm:t>
-        <a:bodyPr/>
-        <a:lstStyle/>
-        <a:p>
-          <a:pPr latinLnBrk="1"/>
-          <a:endParaRPr lang="ko-KR" altLang="en-US"/>
-        </a:p>
-      </dgm:t>
     </dgm:pt>
     <dgm:pt modelId="{7B49C168-A2FB-3748-A705-10E37C843F4E}" type="pres">
       <dgm:prSet presAssocID="{854F7B39-4035-414E-AC18-03A22D801936}" presName="hierChild4" presStyleCnt="0"/>
@@ -6110,14 +5262,6 @@
     <dgm:pt modelId="{9B0B83C2-641C-9240-B631-61439AB4D559}" type="pres">
       <dgm:prSet presAssocID="{B46D11FE-A505-A145-B093-CBDAC1783145}" presName="Name64" presStyleLbl="parChTrans1D4" presStyleIdx="6" presStyleCnt="11"/>
       <dgm:spPr/>
-      <dgm:t>
-        <a:bodyPr/>
-        <a:lstStyle/>
-        <a:p>
-          <a:pPr latinLnBrk="1"/>
-          <a:endParaRPr lang="ko-KR" altLang="en-US"/>
-        </a:p>
-      </dgm:t>
     </dgm:pt>
     <dgm:pt modelId="{24A3C818-8430-B94C-903B-B636F3DEDD49}" type="pres">
       <dgm:prSet presAssocID="{7B9B8DA1-947C-BE4F-8DF6-B92281FDFBA5}" presName="hierRoot2" presStyleCnt="0">
@@ -6138,26 +5282,10 @@
         </dgm:presLayoutVars>
       </dgm:prSet>
       <dgm:spPr/>
-      <dgm:t>
-        <a:bodyPr/>
-        <a:lstStyle/>
-        <a:p>
-          <a:pPr latinLnBrk="1"/>
-          <a:endParaRPr lang="ko-KR" altLang="en-US"/>
-        </a:p>
-      </dgm:t>
     </dgm:pt>
     <dgm:pt modelId="{C8DCCD84-F9C1-BC4E-904B-2D1E062EBCED}" type="pres">
       <dgm:prSet presAssocID="{7B9B8DA1-947C-BE4F-8DF6-B92281FDFBA5}" presName="rootConnector" presStyleLbl="node4" presStyleIdx="6" presStyleCnt="11"/>
       <dgm:spPr/>
-      <dgm:t>
-        <a:bodyPr/>
-        <a:lstStyle/>
-        <a:p>
-          <a:pPr latinLnBrk="1"/>
-          <a:endParaRPr lang="ko-KR" altLang="en-US"/>
-        </a:p>
-      </dgm:t>
     </dgm:pt>
     <dgm:pt modelId="{03366673-4E7C-7644-8370-FE60C7D56100}" type="pres">
       <dgm:prSet presAssocID="{7B9B8DA1-947C-BE4F-8DF6-B92281FDFBA5}" presName="hierChild4" presStyleCnt="0"/>
@@ -6170,14 +5298,6 @@
     <dgm:pt modelId="{C49B2119-F237-E14D-87D0-0F4AB7A45127}" type="pres">
       <dgm:prSet presAssocID="{F856DC5E-556A-A04D-9C72-3540E24FBEE5}" presName="Name64" presStyleLbl="parChTrans1D4" presStyleIdx="7" presStyleCnt="11"/>
       <dgm:spPr/>
-      <dgm:t>
-        <a:bodyPr/>
-        <a:lstStyle/>
-        <a:p>
-          <a:pPr latinLnBrk="1"/>
-          <a:endParaRPr lang="ko-KR" altLang="en-US"/>
-        </a:p>
-      </dgm:t>
     </dgm:pt>
     <dgm:pt modelId="{E5B0D529-6F58-444F-943D-8472350E7D5F}" type="pres">
       <dgm:prSet presAssocID="{5FD6D7C1-698B-D44B-A5C0-5CFFD24FFF1F}" presName="hierRoot2" presStyleCnt="0">
@@ -6198,26 +5318,10 @@
         </dgm:presLayoutVars>
       </dgm:prSet>
       <dgm:spPr/>
-      <dgm:t>
-        <a:bodyPr/>
-        <a:lstStyle/>
-        <a:p>
-          <a:pPr latinLnBrk="1"/>
-          <a:endParaRPr lang="ko-KR" altLang="en-US"/>
-        </a:p>
-      </dgm:t>
     </dgm:pt>
     <dgm:pt modelId="{860389D0-1F1E-9F43-8170-6C224DC43AE4}" type="pres">
       <dgm:prSet presAssocID="{5FD6D7C1-698B-D44B-A5C0-5CFFD24FFF1F}" presName="rootConnector" presStyleLbl="node4" presStyleIdx="7" presStyleCnt="11"/>
       <dgm:spPr/>
-      <dgm:t>
-        <a:bodyPr/>
-        <a:lstStyle/>
-        <a:p>
-          <a:pPr latinLnBrk="1"/>
-          <a:endParaRPr lang="ko-KR" altLang="en-US"/>
-        </a:p>
-      </dgm:t>
     </dgm:pt>
     <dgm:pt modelId="{5D1C5622-BADD-E944-BAC6-A05F004B58C5}" type="pres">
       <dgm:prSet presAssocID="{5FD6D7C1-698B-D44B-A5C0-5CFFD24FFF1F}" presName="hierChild4" presStyleCnt="0"/>
@@ -6234,14 +5338,6 @@
     <dgm:pt modelId="{6654D29F-F651-6842-8E0C-41EC4155A213}" type="pres">
       <dgm:prSet presAssocID="{748397A8-D361-5749-8416-9747A972CC3E}" presName="Name64" presStyleLbl="parChTrans1D4" presStyleIdx="8" presStyleCnt="11"/>
       <dgm:spPr/>
-      <dgm:t>
-        <a:bodyPr/>
-        <a:lstStyle/>
-        <a:p>
-          <a:pPr latinLnBrk="1"/>
-          <a:endParaRPr lang="ko-KR" altLang="en-US"/>
-        </a:p>
-      </dgm:t>
     </dgm:pt>
     <dgm:pt modelId="{BF281851-92A0-8247-A932-B00FDFDB9747}" type="pres">
       <dgm:prSet presAssocID="{6F917399-124B-E045-AADE-E5E30DBBCEBF}" presName="hierRoot2" presStyleCnt="0">
@@ -6262,26 +5358,10 @@
         </dgm:presLayoutVars>
       </dgm:prSet>
       <dgm:spPr/>
-      <dgm:t>
-        <a:bodyPr/>
-        <a:lstStyle/>
-        <a:p>
-          <a:pPr latinLnBrk="1"/>
-          <a:endParaRPr lang="ko-KR" altLang="en-US"/>
-        </a:p>
-      </dgm:t>
     </dgm:pt>
     <dgm:pt modelId="{0DB6A6F2-F850-6742-8B6E-7A96DB929727}" type="pres">
       <dgm:prSet presAssocID="{6F917399-124B-E045-AADE-E5E30DBBCEBF}" presName="rootConnector" presStyleLbl="node4" presStyleIdx="8" presStyleCnt="11"/>
       <dgm:spPr/>
-      <dgm:t>
-        <a:bodyPr/>
-        <a:lstStyle/>
-        <a:p>
-          <a:pPr latinLnBrk="1"/>
-          <a:endParaRPr lang="ko-KR" altLang="en-US"/>
-        </a:p>
-      </dgm:t>
     </dgm:pt>
     <dgm:pt modelId="{CF441387-F9C8-0747-943A-B006019BBDB0}" type="pres">
       <dgm:prSet presAssocID="{6F917399-124B-E045-AADE-E5E30DBBCEBF}" presName="hierChild4" presStyleCnt="0"/>
@@ -6298,14 +5378,6 @@
     <dgm:pt modelId="{5370E75A-22A4-2A4C-9629-D572DDC0C3AF}" type="pres">
       <dgm:prSet presAssocID="{A44C8725-9A7A-EB4C-B468-FA27084A1DFD}" presName="Name64" presStyleLbl="parChTrans1D4" presStyleIdx="9" presStyleCnt="11"/>
       <dgm:spPr/>
-      <dgm:t>
-        <a:bodyPr/>
-        <a:lstStyle/>
-        <a:p>
-          <a:pPr latinLnBrk="1"/>
-          <a:endParaRPr lang="ko-KR" altLang="en-US"/>
-        </a:p>
-      </dgm:t>
     </dgm:pt>
     <dgm:pt modelId="{5FE29C46-5D28-BD43-8BF2-5DCD1BC9B820}" type="pres">
       <dgm:prSet presAssocID="{8D20E9FF-9760-A44C-94EF-5D11BD12C922}" presName="hierRoot2" presStyleCnt="0">
@@ -6326,26 +5398,10 @@
         </dgm:presLayoutVars>
       </dgm:prSet>
       <dgm:spPr/>
-      <dgm:t>
-        <a:bodyPr/>
-        <a:lstStyle/>
-        <a:p>
-          <a:pPr latinLnBrk="1"/>
-          <a:endParaRPr lang="ko-KR" altLang="en-US"/>
-        </a:p>
-      </dgm:t>
     </dgm:pt>
     <dgm:pt modelId="{751D66D9-C45A-394B-9924-D6CA5423D6C8}" type="pres">
       <dgm:prSet presAssocID="{8D20E9FF-9760-A44C-94EF-5D11BD12C922}" presName="rootConnector" presStyleLbl="node4" presStyleIdx="9" presStyleCnt="11"/>
       <dgm:spPr/>
-      <dgm:t>
-        <a:bodyPr/>
-        <a:lstStyle/>
-        <a:p>
-          <a:pPr latinLnBrk="1"/>
-          <a:endParaRPr lang="ko-KR" altLang="en-US"/>
-        </a:p>
-      </dgm:t>
     </dgm:pt>
     <dgm:pt modelId="{27B9502A-36C6-CE41-9417-8C72AC4C0FD8}" type="pres">
       <dgm:prSet presAssocID="{8D20E9FF-9760-A44C-94EF-5D11BD12C922}" presName="hierChild4" presStyleCnt="0"/>
@@ -6358,14 +5414,6 @@
     <dgm:pt modelId="{0C4E2CC1-E8DD-4E4F-940E-AB906CB21BCC}" type="pres">
       <dgm:prSet presAssocID="{88FB932C-92CE-E44A-9FAC-8D6B391FAF29}" presName="Name64" presStyleLbl="parChTrans1D4" presStyleIdx="10" presStyleCnt="11"/>
       <dgm:spPr/>
-      <dgm:t>
-        <a:bodyPr/>
-        <a:lstStyle/>
-        <a:p>
-          <a:pPr latinLnBrk="1"/>
-          <a:endParaRPr lang="ko-KR" altLang="en-US"/>
-        </a:p>
-      </dgm:t>
     </dgm:pt>
     <dgm:pt modelId="{040053C8-D5E3-FE40-825F-A98C674DCC5D}" type="pres">
       <dgm:prSet presAssocID="{1CA5F32C-BBC0-994D-B934-1ECC598078A0}" presName="hierRoot2" presStyleCnt="0">
@@ -6386,26 +5434,10 @@
         </dgm:presLayoutVars>
       </dgm:prSet>
       <dgm:spPr/>
-      <dgm:t>
-        <a:bodyPr/>
-        <a:lstStyle/>
-        <a:p>
-          <a:pPr latinLnBrk="1"/>
-          <a:endParaRPr lang="ko-KR" altLang="en-US"/>
-        </a:p>
-      </dgm:t>
     </dgm:pt>
     <dgm:pt modelId="{960199A5-7C21-9841-88EA-0FDD7EA98D03}" type="pres">
       <dgm:prSet presAssocID="{1CA5F32C-BBC0-994D-B934-1ECC598078A0}" presName="rootConnector" presStyleLbl="node4" presStyleIdx="10" presStyleCnt="11"/>
       <dgm:spPr/>
-      <dgm:t>
-        <a:bodyPr/>
-        <a:lstStyle/>
-        <a:p>
-          <a:pPr latinLnBrk="1"/>
-          <a:endParaRPr lang="ko-KR" altLang="en-US"/>
-        </a:p>
-      </dgm:t>
     </dgm:pt>
     <dgm:pt modelId="{E68953EC-FF9F-E043-9383-43EA606D5352}" type="pres">
       <dgm:prSet presAssocID="{1CA5F32C-BBC0-994D-B934-1ECC598078A0}" presName="hierChild4" presStyleCnt="0"/>
@@ -6422,14 +5454,6 @@
     <dgm:pt modelId="{E5957BA3-938B-4E4C-9FA6-285632710EE2}" type="pres">
       <dgm:prSet presAssocID="{590C5DF5-D59F-BF47-800F-4EF850ADE79A}" presName="Name64" presStyleLbl="parChTrans1D3" presStyleIdx="4" presStyleCnt="5"/>
       <dgm:spPr/>
-      <dgm:t>
-        <a:bodyPr/>
-        <a:lstStyle/>
-        <a:p>
-          <a:pPr latinLnBrk="1"/>
-          <a:endParaRPr lang="ko-KR" altLang="en-US"/>
-        </a:p>
-      </dgm:t>
     </dgm:pt>
     <dgm:pt modelId="{7860E09C-E2BC-404B-AFEA-60F2B61A7A5D}" type="pres">
       <dgm:prSet presAssocID="{C9D8F1ED-4DD2-4E4E-BC8C-79C3620BE188}" presName="hierRoot2" presStyleCnt="0">
@@ -6450,26 +5474,10 @@
         </dgm:presLayoutVars>
       </dgm:prSet>
       <dgm:spPr/>
-      <dgm:t>
-        <a:bodyPr/>
-        <a:lstStyle/>
-        <a:p>
-          <a:pPr latinLnBrk="1"/>
-          <a:endParaRPr lang="ko-KR" altLang="en-US"/>
-        </a:p>
-      </dgm:t>
     </dgm:pt>
     <dgm:pt modelId="{24014562-13D9-6441-A630-FBA290824F30}" type="pres">
       <dgm:prSet presAssocID="{C9D8F1ED-4DD2-4E4E-BC8C-79C3620BE188}" presName="rootConnector" presStyleLbl="node3" presStyleIdx="4" presStyleCnt="5"/>
       <dgm:spPr/>
-      <dgm:t>
-        <a:bodyPr/>
-        <a:lstStyle/>
-        <a:p>
-          <a:pPr latinLnBrk="1"/>
-          <a:endParaRPr lang="ko-KR" altLang="en-US"/>
-        </a:p>
-      </dgm:t>
     </dgm:pt>
     <dgm:pt modelId="{AABE09DE-3EA4-2149-A1C6-6578E846C85F}" type="pres">
       <dgm:prSet presAssocID="{C9D8F1ED-4DD2-4E4E-BC8C-79C3620BE188}" presName="hierChild4" presStyleCnt="0"/>
@@ -6486,14 +5494,6 @@
     <dgm:pt modelId="{175B9660-5769-0E45-850D-D7F2480C50BC}" type="pres">
       <dgm:prSet presAssocID="{34F27715-E82E-1B46-812E-AEE4E9EF1A4F}" presName="Name64" presStyleLbl="parChTrans1D2" presStyleIdx="2" presStyleCnt="9"/>
       <dgm:spPr/>
-      <dgm:t>
-        <a:bodyPr/>
-        <a:lstStyle/>
-        <a:p>
-          <a:pPr latinLnBrk="1"/>
-          <a:endParaRPr lang="ko-KR" altLang="en-US"/>
-        </a:p>
-      </dgm:t>
     </dgm:pt>
     <dgm:pt modelId="{D2393804-FA8B-134E-97A9-95E17E4D11D3}" type="pres">
       <dgm:prSet presAssocID="{8F71BE28-9264-0A43-BE99-CC33D354B3FD}" presName="hierRoot2" presStyleCnt="0">
@@ -6514,26 +5514,10 @@
         </dgm:presLayoutVars>
       </dgm:prSet>
       <dgm:spPr/>
-      <dgm:t>
-        <a:bodyPr/>
-        <a:lstStyle/>
-        <a:p>
-          <a:pPr latinLnBrk="1"/>
-          <a:endParaRPr lang="ko-KR" altLang="en-US"/>
-        </a:p>
-      </dgm:t>
     </dgm:pt>
     <dgm:pt modelId="{C8201239-FA76-5345-ACE9-DE4AFDCF2F3D}" type="pres">
       <dgm:prSet presAssocID="{8F71BE28-9264-0A43-BE99-CC33D354B3FD}" presName="rootConnector" presStyleLbl="node2" presStyleIdx="2" presStyleCnt="9"/>
       <dgm:spPr/>
-      <dgm:t>
-        <a:bodyPr/>
-        <a:lstStyle/>
-        <a:p>
-          <a:pPr latinLnBrk="1"/>
-          <a:endParaRPr lang="ko-KR" altLang="en-US"/>
-        </a:p>
-      </dgm:t>
     </dgm:pt>
     <dgm:pt modelId="{F09E8A2A-8A03-FC49-A323-710F3CF6FB26}" type="pres">
       <dgm:prSet presAssocID="{8F71BE28-9264-0A43-BE99-CC33D354B3FD}" presName="hierChild4" presStyleCnt="0"/>
@@ -6546,14 +5530,6 @@
     <dgm:pt modelId="{576106E0-AFCC-5A44-AB26-307B1DD9697D}" type="pres">
       <dgm:prSet presAssocID="{4FD666AB-71BC-ED47-ABFB-F658CD358B0A}" presName="Name64" presStyleLbl="parChTrans1D2" presStyleIdx="3" presStyleCnt="9"/>
       <dgm:spPr/>
-      <dgm:t>
-        <a:bodyPr/>
-        <a:lstStyle/>
-        <a:p>
-          <a:pPr latinLnBrk="1"/>
-          <a:endParaRPr lang="ko-KR" altLang="en-US"/>
-        </a:p>
-      </dgm:t>
     </dgm:pt>
     <dgm:pt modelId="{9133EDFF-845F-8345-800B-6190FB9B8BA9}" type="pres">
       <dgm:prSet presAssocID="{4314635F-E9DC-534B-B148-AB54561EF29C}" presName="hierRoot2" presStyleCnt="0">
@@ -6574,26 +5550,10 @@
         </dgm:presLayoutVars>
       </dgm:prSet>
       <dgm:spPr/>
-      <dgm:t>
-        <a:bodyPr/>
-        <a:lstStyle/>
-        <a:p>
-          <a:pPr latinLnBrk="1"/>
-          <a:endParaRPr lang="ko-KR" altLang="en-US"/>
-        </a:p>
-      </dgm:t>
     </dgm:pt>
     <dgm:pt modelId="{61B761D8-977D-1447-8E58-F57CB8009009}" type="pres">
       <dgm:prSet presAssocID="{4314635F-E9DC-534B-B148-AB54561EF29C}" presName="rootConnector" presStyleLbl="node2" presStyleIdx="3" presStyleCnt="9"/>
       <dgm:spPr/>
-      <dgm:t>
-        <a:bodyPr/>
-        <a:lstStyle/>
-        <a:p>
-          <a:pPr latinLnBrk="1"/>
-          <a:endParaRPr lang="ko-KR" altLang="en-US"/>
-        </a:p>
-      </dgm:t>
     </dgm:pt>
     <dgm:pt modelId="{A9A793DA-2222-8F42-B091-1CEB6B9C0C77}" type="pres">
       <dgm:prSet presAssocID="{4314635F-E9DC-534B-B148-AB54561EF29C}" presName="hierChild4" presStyleCnt="0"/>
@@ -6606,14 +5566,6 @@
     <dgm:pt modelId="{F512C74E-3972-B74A-BF97-64A75CD014BA}" type="pres">
       <dgm:prSet presAssocID="{977F01D6-34AA-0744-9AE8-6E6C73FB20E2}" presName="Name64" presStyleLbl="parChTrans1D2" presStyleIdx="4" presStyleCnt="9"/>
       <dgm:spPr/>
-      <dgm:t>
-        <a:bodyPr/>
-        <a:lstStyle/>
-        <a:p>
-          <a:pPr latinLnBrk="1"/>
-          <a:endParaRPr lang="ko-KR" altLang="en-US"/>
-        </a:p>
-      </dgm:t>
     </dgm:pt>
     <dgm:pt modelId="{5B2E2BAA-4F2F-DF44-846D-D2294E6C12BE}" type="pres">
       <dgm:prSet presAssocID="{406253EE-3978-0C40-ADB6-92AEEF0ADB56}" presName="hierRoot2" presStyleCnt="0">
@@ -6634,26 +5586,10 @@
         </dgm:presLayoutVars>
       </dgm:prSet>
       <dgm:spPr/>
-      <dgm:t>
-        <a:bodyPr/>
-        <a:lstStyle/>
-        <a:p>
-          <a:pPr latinLnBrk="1"/>
-          <a:endParaRPr lang="ko-KR" altLang="en-US"/>
-        </a:p>
-      </dgm:t>
     </dgm:pt>
     <dgm:pt modelId="{C259D507-5DB2-4B4D-9B85-1EDF8E52D784}" type="pres">
       <dgm:prSet presAssocID="{406253EE-3978-0C40-ADB6-92AEEF0ADB56}" presName="rootConnector" presStyleLbl="node2" presStyleIdx="4" presStyleCnt="9"/>
       <dgm:spPr/>
-      <dgm:t>
-        <a:bodyPr/>
-        <a:lstStyle/>
-        <a:p>
-          <a:pPr latinLnBrk="1"/>
-          <a:endParaRPr lang="ko-KR" altLang="en-US"/>
-        </a:p>
-      </dgm:t>
     </dgm:pt>
     <dgm:pt modelId="{09996D8F-7AE1-8A4C-9BCC-BFA9152975CF}" type="pres">
       <dgm:prSet presAssocID="{406253EE-3978-0C40-ADB6-92AEEF0ADB56}" presName="hierChild4" presStyleCnt="0"/>
@@ -6666,14 +5602,6 @@
     <dgm:pt modelId="{D9BF2967-2CEF-1640-BEA7-6FC1A9BD9CA7}" type="pres">
       <dgm:prSet presAssocID="{C864D9D0-61E4-9E49-94B9-EA21827DAF6F}" presName="Name64" presStyleLbl="parChTrans1D2" presStyleIdx="5" presStyleCnt="9"/>
       <dgm:spPr/>
-      <dgm:t>
-        <a:bodyPr/>
-        <a:lstStyle/>
-        <a:p>
-          <a:pPr latinLnBrk="1"/>
-          <a:endParaRPr lang="ko-KR" altLang="en-US"/>
-        </a:p>
-      </dgm:t>
     </dgm:pt>
     <dgm:pt modelId="{29569836-F309-9E46-9DEA-3CDD0DC17E0F}" type="pres">
       <dgm:prSet presAssocID="{0D6DF4C2-692B-B044-B9B6-82672D8D71B1}" presName="hierRoot2" presStyleCnt="0">
@@ -6694,26 +5622,10 @@
         </dgm:presLayoutVars>
       </dgm:prSet>
       <dgm:spPr/>
-      <dgm:t>
-        <a:bodyPr/>
-        <a:lstStyle/>
-        <a:p>
-          <a:pPr latinLnBrk="1"/>
-          <a:endParaRPr lang="ko-KR" altLang="en-US"/>
-        </a:p>
-      </dgm:t>
     </dgm:pt>
     <dgm:pt modelId="{9B585E98-FA24-0B44-BC1A-E1723F7FDD7C}" type="pres">
       <dgm:prSet presAssocID="{0D6DF4C2-692B-B044-B9B6-82672D8D71B1}" presName="rootConnector" presStyleLbl="node2" presStyleIdx="5" presStyleCnt="9"/>
       <dgm:spPr/>
-      <dgm:t>
-        <a:bodyPr/>
-        <a:lstStyle/>
-        <a:p>
-          <a:pPr latinLnBrk="1"/>
-          <a:endParaRPr lang="ko-KR" altLang="en-US"/>
-        </a:p>
-      </dgm:t>
     </dgm:pt>
     <dgm:pt modelId="{22E8CDC0-DFC4-A24F-9C63-1AF3E8C7DC5D}" type="pres">
       <dgm:prSet presAssocID="{0D6DF4C2-692B-B044-B9B6-82672D8D71B1}" presName="hierChild4" presStyleCnt="0"/>
@@ -6726,14 +5638,6 @@
     <dgm:pt modelId="{48BCF6F3-73FE-134E-B40F-0B67AF5F269F}" type="pres">
       <dgm:prSet presAssocID="{862A6FBA-03F8-124F-84E2-A0F26C4B399E}" presName="Name64" presStyleLbl="parChTrans1D2" presStyleIdx="6" presStyleCnt="9"/>
       <dgm:spPr/>
-      <dgm:t>
-        <a:bodyPr/>
-        <a:lstStyle/>
-        <a:p>
-          <a:pPr latinLnBrk="1"/>
-          <a:endParaRPr lang="ko-KR" altLang="en-US"/>
-        </a:p>
-      </dgm:t>
     </dgm:pt>
     <dgm:pt modelId="{886C8674-AE22-D649-86C0-340FCE97177B}" type="pres">
       <dgm:prSet presAssocID="{4E3EE4D4-ADC4-9148-B779-278A4729D58B}" presName="hierRoot2" presStyleCnt="0">
@@ -6754,26 +5658,10 @@
         </dgm:presLayoutVars>
       </dgm:prSet>
       <dgm:spPr/>
-      <dgm:t>
-        <a:bodyPr/>
-        <a:lstStyle/>
-        <a:p>
-          <a:pPr latinLnBrk="1"/>
-          <a:endParaRPr lang="ko-KR" altLang="en-US"/>
-        </a:p>
-      </dgm:t>
     </dgm:pt>
     <dgm:pt modelId="{900DDE6F-81EA-4341-92AA-CEDA2FB06552}" type="pres">
       <dgm:prSet presAssocID="{4E3EE4D4-ADC4-9148-B779-278A4729D58B}" presName="rootConnector" presStyleLbl="node2" presStyleIdx="6" presStyleCnt="9"/>
       <dgm:spPr/>
-      <dgm:t>
-        <a:bodyPr/>
-        <a:lstStyle/>
-        <a:p>
-          <a:pPr latinLnBrk="1"/>
-          <a:endParaRPr lang="ko-KR" altLang="en-US"/>
-        </a:p>
-      </dgm:t>
     </dgm:pt>
     <dgm:pt modelId="{DAFA3A20-2B2A-3141-BBE9-C19DE36881FD}" type="pres">
       <dgm:prSet presAssocID="{4E3EE4D4-ADC4-9148-B779-278A4729D58B}" presName="hierChild4" presStyleCnt="0"/>
@@ -6786,14 +5674,6 @@
     <dgm:pt modelId="{C7EDFD2F-6B6C-2447-A656-84D9C333F42A}" type="pres">
       <dgm:prSet presAssocID="{217BEFBC-0DA9-0E44-9000-C1C67F543204}" presName="Name64" presStyleLbl="parChTrans1D2" presStyleIdx="7" presStyleCnt="9"/>
       <dgm:spPr/>
-      <dgm:t>
-        <a:bodyPr/>
-        <a:lstStyle/>
-        <a:p>
-          <a:pPr latinLnBrk="1"/>
-          <a:endParaRPr lang="ko-KR" altLang="en-US"/>
-        </a:p>
-      </dgm:t>
     </dgm:pt>
     <dgm:pt modelId="{77B20A39-0AD4-9F4A-82BC-3A1CBEB77C7B}" type="pres">
       <dgm:prSet presAssocID="{F0D94520-3014-A148-ABB2-892F03F0C90E}" presName="hierRoot2" presStyleCnt="0">
@@ -6814,26 +5694,10 @@
         </dgm:presLayoutVars>
       </dgm:prSet>
       <dgm:spPr/>
-      <dgm:t>
-        <a:bodyPr/>
-        <a:lstStyle/>
-        <a:p>
-          <a:pPr latinLnBrk="1"/>
-          <a:endParaRPr lang="ko-KR" altLang="en-US"/>
-        </a:p>
-      </dgm:t>
     </dgm:pt>
     <dgm:pt modelId="{64240391-27ED-4B45-BE98-D977570E0AA6}" type="pres">
       <dgm:prSet presAssocID="{F0D94520-3014-A148-ABB2-892F03F0C90E}" presName="rootConnector" presStyleLbl="node2" presStyleIdx="7" presStyleCnt="9"/>
       <dgm:spPr/>
-      <dgm:t>
-        <a:bodyPr/>
-        <a:lstStyle/>
-        <a:p>
-          <a:pPr latinLnBrk="1"/>
-          <a:endParaRPr lang="ko-KR" altLang="en-US"/>
-        </a:p>
-      </dgm:t>
     </dgm:pt>
     <dgm:pt modelId="{9CB2828D-CE81-1547-BA72-403BEA3ECC7A}" type="pres">
       <dgm:prSet presAssocID="{F0D94520-3014-A148-ABB2-892F03F0C90E}" presName="hierChild4" presStyleCnt="0"/>
@@ -6846,14 +5710,6 @@
     <dgm:pt modelId="{A8217A04-2342-4C4A-B5EE-ECE9A1424387}" type="pres">
       <dgm:prSet presAssocID="{2D023EE7-9AD3-8641-94C7-68F929EB9806}" presName="Name64" presStyleLbl="parChTrans1D2" presStyleIdx="8" presStyleCnt="9"/>
       <dgm:spPr/>
-      <dgm:t>
-        <a:bodyPr/>
-        <a:lstStyle/>
-        <a:p>
-          <a:pPr latinLnBrk="1"/>
-          <a:endParaRPr lang="ko-KR" altLang="en-US"/>
-        </a:p>
-      </dgm:t>
     </dgm:pt>
     <dgm:pt modelId="{864AEE97-AB8C-744D-94AD-F37B44E0E6AE}" type="pres">
       <dgm:prSet presAssocID="{2374D6DB-4E62-5747-BC86-360E2BC24B16}" presName="hierRoot2" presStyleCnt="0">
@@ -6874,26 +5730,10 @@
         </dgm:presLayoutVars>
       </dgm:prSet>
       <dgm:spPr/>
-      <dgm:t>
-        <a:bodyPr/>
-        <a:lstStyle/>
-        <a:p>
-          <a:pPr latinLnBrk="1"/>
-          <a:endParaRPr lang="ko-KR" altLang="en-US"/>
-        </a:p>
-      </dgm:t>
     </dgm:pt>
     <dgm:pt modelId="{4FD33552-95BA-104B-9257-D0E102FB38BF}" type="pres">
       <dgm:prSet presAssocID="{2374D6DB-4E62-5747-BC86-360E2BC24B16}" presName="rootConnector" presStyleLbl="node2" presStyleIdx="8" presStyleCnt="9"/>
       <dgm:spPr/>
-      <dgm:t>
-        <a:bodyPr/>
-        <a:lstStyle/>
-        <a:p>
-          <a:pPr latinLnBrk="1"/>
-          <a:endParaRPr lang="ko-KR" altLang="en-US"/>
-        </a:p>
-      </dgm:t>
     </dgm:pt>
     <dgm:pt modelId="{929FA9D7-6345-D74C-805C-75E47FB3F58D}" type="pres">
       <dgm:prSet presAssocID="{2374D6DB-4E62-5747-BC86-360E2BC24B16}" presName="hierChild4" presStyleCnt="0"/>
@@ -6909,113 +5749,113 @@
     </dgm:pt>
   </dgm:ptLst>
   <dgm:cxnLst>
+    <dgm:cxn modelId="{14176300-FED8-4D16-BF7A-5A077F1AFB90}" type="presOf" srcId="{1444E1BC-FD2A-E14E-AF76-5775DA2FA044}" destId="{D58AA2AD-0E8A-0D4D-8727-D0843654DCC3}" srcOrd="0" destOrd="0" presId="urn:microsoft.com/office/officeart/2009/3/layout/HorizontalOrganizationChart"/>
+    <dgm:cxn modelId="{AF409302-3647-47F8-AB28-64DBEF0D99DC}" type="presOf" srcId="{4314635F-E9DC-534B-B148-AB54561EF29C}" destId="{85F54FEB-C1A9-BE40-B258-CE35B07A4819}" srcOrd="0" destOrd="0" presId="urn:microsoft.com/office/officeart/2009/3/layout/HorizontalOrganizationChart"/>
+    <dgm:cxn modelId="{E41BBB02-38C9-4049-B5F6-979FE0EEC55A}" srcId="{C413FA9F-9239-9847-BEE7-823B38DB5BF0}" destId="{E6D93D8B-CE71-1B44-A963-36DA1BA22119}" srcOrd="0" destOrd="0" parTransId="{3E37A2D7-6D82-8E41-AFD8-DEF4867623AA}" sibTransId="{F6F70453-850C-5F40-A513-5D11CF2C4028}"/>
+    <dgm:cxn modelId="{CB483703-EC49-4FCB-A503-B3E390C805E9}" type="presOf" srcId="{8F71BE28-9264-0A43-BE99-CC33D354B3FD}" destId="{C8201239-FA76-5345-ACE9-DE4AFDCF2F3D}" srcOrd="1" destOrd="0" presId="urn:microsoft.com/office/officeart/2009/3/layout/HorizontalOrganizationChart"/>
+    <dgm:cxn modelId="{AC913006-6755-4C37-9F01-19B3644C8383}" type="presOf" srcId="{F81B2736-CB54-1E49-9A70-86A22FF0B63D}" destId="{086C5347-A19F-B442-BAA2-8DA1AFD08CA4}" srcOrd="0" destOrd="0" presId="urn:microsoft.com/office/officeart/2009/3/layout/HorizontalOrganizationChart"/>
+    <dgm:cxn modelId="{51515C07-96C1-4185-ABB3-2CB3EB895305}" type="presOf" srcId="{34F27715-E82E-1B46-812E-AEE4E9EF1A4F}" destId="{175B9660-5769-0E45-850D-D7F2480C50BC}" srcOrd="0" destOrd="0" presId="urn:microsoft.com/office/officeart/2009/3/layout/HorizontalOrganizationChart"/>
+    <dgm:cxn modelId="{36E4100C-7315-4C07-A3C4-5D42F07E4DA6}" type="presOf" srcId="{8F71BE28-9264-0A43-BE99-CC33D354B3FD}" destId="{3BD59409-6A4D-704E-8FBD-2A60A5085B42}" srcOrd="0" destOrd="0" presId="urn:microsoft.com/office/officeart/2009/3/layout/HorizontalOrganizationChart"/>
+    <dgm:cxn modelId="{8FA42B10-1A6F-A941-AF96-0A25A7226388}" srcId="{78A4B493-3BBE-2A49-84C9-42B34B27847A}" destId="{7BFEDE6C-9607-594B-AC8C-1507C7955511}" srcOrd="1" destOrd="0" parTransId="{18E9A9A1-CC11-494E-A530-A9DECAECF4FB}" sibTransId="{A1FE0278-EB30-674A-9E95-09BC8B7E66EB}"/>
+    <dgm:cxn modelId="{E2982611-39ED-4417-A940-D5A983A4FDB0}" type="presOf" srcId="{F968B9E6-E6B5-AD47-B8CC-F62DB282329D}" destId="{2F122D49-0F43-6645-84A9-56ADAF00E4DC}" srcOrd="0" destOrd="0" presId="urn:microsoft.com/office/officeart/2009/3/layout/HorizontalOrganizationChart"/>
+    <dgm:cxn modelId="{B49F7712-0F96-4855-9F29-BC58CF9E5A4B}" type="presOf" srcId="{8D20E9FF-9760-A44C-94EF-5D11BD12C922}" destId="{82EE05F0-991A-4F46-A71F-ADC8AF480787}" srcOrd="0" destOrd="0" presId="urn:microsoft.com/office/officeart/2009/3/layout/HorizontalOrganizationChart"/>
     <dgm:cxn modelId="{EF734313-57DF-4F19-9FB6-922E93FC2902}" type="presOf" srcId="{862A6FBA-03F8-124F-84E2-A0F26C4B399E}" destId="{48BCF6F3-73FE-134E-B40F-0B67AF5F269F}" srcOrd="0" destOrd="0" presId="urn:microsoft.com/office/officeart/2009/3/layout/HorizontalOrganizationChart"/>
+    <dgm:cxn modelId="{40157A14-7C49-477C-B68A-A77F2D035919}" type="presOf" srcId="{7BFEDE6C-9607-594B-AC8C-1507C7955511}" destId="{44A28A9F-7BCF-6745-A979-C1E4475205EB}" srcOrd="0" destOrd="0" presId="urn:microsoft.com/office/officeart/2009/3/layout/HorizontalOrganizationChart"/>
+    <dgm:cxn modelId="{681C6416-B45E-4180-A5FE-1C7926B09F5A}" type="presOf" srcId="{3818266B-75C1-124C-8BEB-726DDDAE8E25}" destId="{12AE71BB-ADB2-DD46-BF01-7CB891447ED7}" srcOrd="1" destOrd="0" presId="urn:microsoft.com/office/officeart/2009/3/layout/HorizontalOrganizationChart"/>
+    <dgm:cxn modelId="{33885716-90BC-4F7B-9950-B307DD6AF492}" type="presOf" srcId="{83B450A5-9E16-B245-B630-2A4789C18D9C}" destId="{B4588F31-4C6C-1E4C-B181-ABF6BC643590}" srcOrd="0" destOrd="0" presId="urn:microsoft.com/office/officeart/2009/3/layout/HorizontalOrganizationChart"/>
+    <dgm:cxn modelId="{BBF0D717-5004-45A1-AF4D-5AE74D681294}" type="presOf" srcId="{3818266B-75C1-124C-8BEB-726DDDAE8E25}" destId="{B53C13B6-C804-B746-B3A3-95BEBF8F48CA}" srcOrd="0" destOrd="0" presId="urn:microsoft.com/office/officeart/2009/3/layout/HorizontalOrganizationChart"/>
+    <dgm:cxn modelId="{C0AF3C18-E1FC-431F-B5C3-BA2AF39CADED}" type="presOf" srcId="{6F917399-124B-E045-AADE-E5E30DBBCEBF}" destId="{D56D74DD-E342-8140-8F9A-624D21C36128}" srcOrd="0" destOrd="0" presId="urn:microsoft.com/office/officeart/2009/3/layout/HorizontalOrganizationChart"/>
+    <dgm:cxn modelId="{5CAAA018-7614-4308-AE56-AB410E91DB2D}" type="presOf" srcId="{F0D94520-3014-A148-ABB2-892F03F0C90E}" destId="{5451BD20-0C78-AD48-932A-4C5056354B2E}" srcOrd="0" destOrd="0" presId="urn:microsoft.com/office/officeart/2009/3/layout/HorizontalOrganizationChart"/>
+    <dgm:cxn modelId="{76937419-7AF5-4C22-B2C5-2B4FF3C81DB4}" type="presOf" srcId="{590C5DF5-D59F-BF47-800F-4EF850ADE79A}" destId="{E5957BA3-938B-4E4C-9FA6-285632710EE2}" srcOrd="0" destOrd="0" presId="urn:microsoft.com/office/officeart/2009/3/layout/HorizontalOrganizationChart"/>
+    <dgm:cxn modelId="{D48E2A1E-4AFC-437B-8E40-E753E2223698}" type="presOf" srcId="{F0D94520-3014-A148-ABB2-892F03F0C90E}" destId="{64240391-27ED-4B45-BE98-D977570E0AA6}" srcOrd="1" destOrd="0" presId="urn:microsoft.com/office/officeart/2009/3/layout/HorizontalOrganizationChart"/>
+    <dgm:cxn modelId="{E261D022-90D2-4AA9-BEE2-D2D1E3D00638}" type="presOf" srcId="{7BFEDE6C-9607-594B-AC8C-1507C7955511}" destId="{0E103CF1-A810-174E-923D-92BE52CDB765}" srcOrd="1" destOrd="0" presId="urn:microsoft.com/office/officeart/2009/3/layout/HorizontalOrganizationChart"/>
+    <dgm:cxn modelId="{D2312128-BFB0-4F9B-8741-6F0BD645C38C}" type="presOf" srcId="{C10786AC-9D79-F248-A362-F801C00DF6C2}" destId="{5E8711DE-F9DE-E746-81B6-0C1D923A0C25}" srcOrd="0" destOrd="0" presId="urn:microsoft.com/office/officeart/2009/3/layout/HorizontalOrganizationChart"/>
+    <dgm:cxn modelId="{13FED929-1F49-45FF-B780-0E0F81CE58DC}" type="presOf" srcId="{FE44331C-D25F-6842-B86E-D273068F961F}" destId="{E83C033E-BFCB-2349-B4A2-658A8A7829A1}" srcOrd="0" destOrd="0" presId="urn:microsoft.com/office/officeart/2009/3/layout/HorizontalOrganizationChart"/>
+    <dgm:cxn modelId="{28F81F2A-9464-7D4C-86CC-FCAB41592056}" srcId="{C10786AC-9D79-F248-A362-F801C00DF6C2}" destId="{1CA5F32C-BBC0-994D-B934-1ECC598078A0}" srcOrd="2" destOrd="0" parTransId="{88FB932C-92CE-E44A-9FAC-8D6B391FAF29}" sibTransId="{9A3F716D-108F-C44B-AF46-21D12D8D809E}"/>
+    <dgm:cxn modelId="{8CBA8C30-CF13-41D2-9702-B43B7DB1BCCD}" type="presOf" srcId="{35FE932A-B4E3-9148-AB09-4E7F4D0497DB}" destId="{6F6ED0BE-FE52-C347-8BA4-029F26E43EA8}" srcOrd="1" destOrd="0" presId="urn:microsoft.com/office/officeart/2009/3/layout/HorizontalOrganizationChart"/>
+    <dgm:cxn modelId="{5962B130-6261-4BED-89A9-D9E37728FA76}" type="presOf" srcId="{CD12CCE1-505A-B242-9C42-9859B42A8A2A}" destId="{2125012A-6020-7549-8C40-F238CC14F8ED}" srcOrd="0" destOrd="0" presId="urn:microsoft.com/office/officeart/2009/3/layout/HorizontalOrganizationChart"/>
+    <dgm:cxn modelId="{A87E903A-48CE-41E5-B806-70DC32CAAEAB}" type="presOf" srcId="{1CA5F32C-BBC0-994D-B934-1ECC598078A0}" destId="{960199A5-7C21-9841-88EA-0FDD7EA98D03}" srcOrd="1" destOrd="0" presId="urn:microsoft.com/office/officeart/2009/3/layout/HorizontalOrganizationChart"/>
+    <dgm:cxn modelId="{E057E13C-2D53-4B8B-A646-E6D12558225A}" type="presOf" srcId="{8F4D16E3-415C-9540-8BA7-FE5E6948FC8D}" destId="{EF3CA061-57C3-E844-ABD1-EC1B35015905}" srcOrd="1" destOrd="0" presId="urn:microsoft.com/office/officeart/2009/3/layout/HorizontalOrganizationChart"/>
+    <dgm:cxn modelId="{5351E53D-37C3-414B-BADF-9F8ADBD8A755}" type="presOf" srcId="{C413FA9F-9239-9847-BEE7-823B38DB5BF0}" destId="{D900DF1A-7E20-FB4B-8621-DA63DD7B4AF7}" srcOrd="0" destOrd="0" presId="urn:microsoft.com/office/officeart/2009/3/layout/HorizontalOrganizationChart"/>
+    <dgm:cxn modelId="{BF5E1B3F-4AAC-F040-AE92-DC92CFFB381E}" srcId="{7BFEDE6C-9607-594B-AC8C-1507C7955511}" destId="{406253EE-3978-0C40-ADB6-92AEEF0ADB56}" srcOrd="4" destOrd="0" parTransId="{977F01D6-34AA-0744-9AE8-6E6C73FB20E2}" sibTransId="{9A9708DF-1DBD-BA4B-A245-4A11D3CBE0DD}"/>
+    <dgm:cxn modelId="{86C8D85B-79DE-8448-B3D6-D088CC86346B}" srcId="{C413FA9F-9239-9847-BEE7-823B38DB5BF0}" destId="{1444E1BC-FD2A-E14E-AF76-5775DA2FA044}" srcOrd="1" destOrd="0" parTransId="{DE3A6BA3-9CD1-1E4E-8E3B-A1707C942582}" sibTransId="{D4681601-10A2-B442-9E3C-A32268E1BDBC}"/>
+    <dgm:cxn modelId="{55A34D61-7042-432D-AD01-16817459C457}" type="presOf" srcId="{4314635F-E9DC-534B-B148-AB54561EF29C}" destId="{61B761D8-977D-1447-8E58-F57CB8009009}" srcOrd="1" destOrd="0" presId="urn:microsoft.com/office/officeart/2009/3/layout/HorizontalOrganizationChart"/>
+    <dgm:cxn modelId="{24229042-E851-4A29-8462-6F428C2113CC}" type="presOf" srcId="{406253EE-3978-0C40-ADB6-92AEEF0ADB56}" destId="{C259D507-5DB2-4B4D-9B85-1EDF8E52D784}" srcOrd="1" destOrd="0" presId="urn:microsoft.com/office/officeart/2009/3/layout/HorizontalOrganizationChart"/>
+    <dgm:cxn modelId="{55792B44-DF1D-4E41-931F-90DE42B5F505}" type="presOf" srcId="{88FB932C-92CE-E44A-9FAC-8D6B391FAF29}" destId="{0C4E2CC1-E8DD-4E4F-940E-AB906CB21BCC}" srcOrd="0" destOrd="0" presId="urn:microsoft.com/office/officeart/2009/3/layout/HorizontalOrganizationChart"/>
+    <dgm:cxn modelId="{EC138845-7994-4DDE-9A5C-DBC56605D1EA}" type="presOf" srcId="{8D20E9FF-9760-A44C-94EF-5D11BD12C922}" destId="{751D66D9-C45A-394B-9924-D6CA5423D6C8}" srcOrd="1" destOrd="0" presId="urn:microsoft.com/office/officeart/2009/3/layout/HorizontalOrganizationChart"/>
+    <dgm:cxn modelId="{67735E66-37C6-CE43-BEFD-976526C94C80}" srcId="{44E06AC3-CAAD-6A47-B81E-52FC2722669E}" destId="{6F917399-124B-E045-AADE-E5E30DBBCEBF}" srcOrd="1" destOrd="0" parTransId="{748397A8-D361-5749-8416-9747A972CC3E}" sibTransId="{BB03D4BE-07FD-1C4B-BE0A-A61EC9B1D716}"/>
     <dgm:cxn modelId="{5461CC47-C222-4F1E-8CF3-AC1E9A0C60ED}" type="presOf" srcId="{6F917399-124B-E045-AADE-E5E30DBBCEBF}" destId="{0DB6A6F2-F850-6742-8B6E-7A96DB929727}" srcOrd="1" destOrd="0" presId="urn:microsoft.com/office/officeart/2009/3/layout/HorizontalOrganizationChart"/>
-    <dgm:cxn modelId="{8FA42B10-1A6F-A941-AF96-0A25A7226388}" srcId="{78A4B493-3BBE-2A49-84C9-42B34B27847A}" destId="{7BFEDE6C-9607-594B-AC8C-1507C7955511}" srcOrd="1" destOrd="0" parTransId="{18E9A9A1-CC11-494E-A530-A9DECAECF4FB}" sibTransId="{A1FE0278-EB30-674A-9E95-09BC8B7E66EB}"/>
-    <dgm:cxn modelId="{477F04C5-571D-604E-BE7A-23699619D2CF}" srcId="{C10786AC-9D79-F248-A362-F801C00DF6C2}" destId="{44E06AC3-CAAD-6A47-B81E-52FC2722669E}" srcOrd="0" destOrd="0" parTransId="{F81B2736-CB54-1E49-9A70-86A22FF0B63D}" sibTransId="{B7C7560A-9984-4D4E-B789-D6EEA91C6D58}"/>
-    <dgm:cxn modelId="{00D021F1-31ED-4ED9-A163-67EEAF8DC000}" type="presOf" srcId="{E6D93D8B-CE71-1B44-A963-36DA1BA22119}" destId="{42E377EB-481B-E349-B70C-0BD7C355BCE4}" srcOrd="1" destOrd="0" presId="urn:microsoft.com/office/officeart/2009/3/layout/HorizontalOrganizationChart"/>
-    <dgm:cxn modelId="{E287789C-A253-4D68-84D8-614050D8DE60}" type="presOf" srcId="{2D023EE7-9AD3-8641-94C7-68F929EB9806}" destId="{A8217A04-2342-4C4A-B5EE-ECE9A1424387}" srcOrd="0" destOrd="0" presId="urn:microsoft.com/office/officeart/2009/3/layout/HorizontalOrganizationChart"/>
-    <dgm:cxn modelId="{FEB94B8F-9E4E-4B0E-AD2D-81A123324F33}" type="presOf" srcId="{4D678D51-CA99-2E4E-8A8C-B29A52973556}" destId="{54D6939E-9BB5-7E40-BA0D-893413C08FE3}" srcOrd="0" destOrd="0" presId="urn:microsoft.com/office/officeart/2009/3/layout/HorizontalOrganizationChart"/>
-    <dgm:cxn modelId="{51547CFF-DFB5-4E97-B83C-BC4FA9A5347E}" type="presOf" srcId="{0D6DF4C2-692B-B044-B9B6-82672D8D71B1}" destId="{4B5AE7C9-4C97-264A-BC3E-CB3BC9DAB0F6}" srcOrd="0" destOrd="0" presId="urn:microsoft.com/office/officeart/2009/3/layout/HorizontalOrganizationChart"/>
-    <dgm:cxn modelId="{04D5DA79-2060-4B99-BF98-F76E96464147}" type="presOf" srcId="{C10786AC-9D79-F248-A362-F801C00DF6C2}" destId="{5A31CDC3-BC91-8440-93FA-7FD9A640E5CC}" srcOrd="1" destOrd="0" presId="urn:microsoft.com/office/officeart/2009/3/layout/HorizontalOrganizationChart"/>
-    <dgm:cxn modelId="{54332F82-480B-449F-9278-516F8A9A7FA2}" type="presOf" srcId="{A44C8725-9A7A-EB4C-B468-FA27084A1DFD}" destId="{5370E75A-22A4-2A4C-9629-D572DDC0C3AF}" srcOrd="0" destOrd="0" presId="urn:microsoft.com/office/officeart/2009/3/layout/HorizontalOrganizationChart"/>
-    <dgm:cxn modelId="{0EAD81D8-5E3B-42EF-A0FF-983BACC0573E}" type="presOf" srcId="{DE3A6BA3-9CD1-1E4E-8E3B-A1707C942582}" destId="{B7F3086B-A56D-AC46-B8AE-BA780B0B7AF2}" srcOrd="0" destOrd="0" presId="urn:microsoft.com/office/officeart/2009/3/layout/HorizontalOrganizationChart"/>
-    <dgm:cxn modelId="{E057E13C-2D53-4B8B-A646-E6D12558225A}" type="presOf" srcId="{8F4D16E3-415C-9540-8BA7-FE5E6948FC8D}" destId="{EF3CA061-57C3-E844-ABD1-EC1B35015905}" srcOrd="1" destOrd="0" presId="urn:microsoft.com/office/officeart/2009/3/layout/HorizontalOrganizationChart"/>
-    <dgm:cxn modelId="{14176300-FED8-4D16-BF7A-5A077F1AFB90}" type="presOf" srcId="{1444E1BC-FD2A-E14E-AF76-5775DA2FA044}" destId="{D58AA2AD-0E8A-0D4D-8727-D0843654DCC3}" srcOrd="0" destOrd="0" presId="urn:microsoft.com/office/officeart/2009/3/layout/HorizontalOrganizationChart"/>
-    <dgm:cxn modelId="{08BABF58-18C0-4C12-AA86-73A9CDB784A0}" type="presOf" srcId="{854F7B39-4035-414E-AC18-03A22D801936}" destId="{ECB9F403-C0A9-894D-9E14-F43E89594FB8}" srcOrd="1" destOrd="0" presId="urn:microsoft.com/office/officeart/2009/3/layout/HorizontalOrganizationChart"/>
-    <dgm:cxn modelId="{67735E66-37C6-CE43-BEFD-976526C94C80}" srcId="{44E06AC3-CAAD-6A47-B81E-52FC2722669E}" destId="{6F917399-124B-E045-AADE-E5E30DBBCEBF}" srcOrd="1" destOrd="0" parTransId="{748397A8-D361-5749-8416-9747A972CC3E}" sibTransId="{BB03D4BE-07FD-1C4B-BE0A-A61EC9B1D716}"/>
     <dgm:cxn modelId="{C175D267-7BCA-A34C-A623-7C59D020CEE7}" srcId="{7BFEDE6C-9607-594B-AC8C-1507C7955511}" destId="{3818266B-75C1-124C-8BEB-726DDDAE8E25}" srcOrd="1" destOrd="0" parTransId="{D5C06307-5956-3E49-B88C-6EE264BA2759}" sibTransId="{C61486C6-6071-8749-B857-30DF1A480A13}"/>
-    <dgm:cxn modelId="{86C8D85B-79DE-8448-B3D6-D088CC86346B}" srcId="{C413FA9F-9239-9847-BEE7-823B38DB5BF0}" destId="{1444E1BC-FD2A-E14E-AF76-5775DA2FA044}" srcOrd="1" destOrd="0" parTransId="{DE3A6BA3-9CD1-1E4E-8E3B-A1707C942582}" sibTransId="{D4681601-10A2-B442-9E3C-A32268E1BDBC}"/>
-    <dgm:cxn modelId="{1342218F-DBE5-4A81-88F0-76510587A7AF}" type="presOf" srcId="{5FD6D7C1-698B-D44B-A5C0-5CFFD24FFF1F}" destId="{860389D0-1F1E-9F43-8170-6C224DC43AE4}" srcOrd="1" destOrd="0" presId="urn:microsoft.com/office/officeart/2009/3/layout/HorizontalOrganizationChart"/>
-    <dgm:cxn modelId="{D62D4788-4D64-4F4B-B453-494BEBC0E7FB}" srcId="{44E06AC3-CAAD-6A47-B81E-52FC2722669E}" destId="{8D00831D-746E-D74D-BEF2-99979750FD8C}" srcOrd="0" destOrd="0" parTransId="{DAB1AC52-F76D-8043-9E4F-3371A0E72BD0}" sibTransId="{50DA6BF4-6563-9248-BBB3-F0C098881922}"/>
-    <dgm:cxn modelId="{55A34D61-7042-432D-AD01-16817459C457}" type="presOf" srcId="{4314635F-E9DC-534B-B148-AB54561EF29C}" destId="{61B761D8-977D-1447-8E58-F57CB8009009}" srcOrd="1" destOrd="0" presId="urn:microsoft.com/office/officeart/2009/3/layout/HorizontalOrganizationChart"/>
-    <dgm:cxn modelId="{82FAF956-DFF1-4EB1-B6EC-E838427F547E}" type="presOf" srcId="{4E3EE4D4-ADC4-9148-B779-278A4729D58B}" destId="{900DDE6F-81EA-4341-92AA-CEDA2FB06552}" srcOrd="1" destOrd="0" presId="urn:microsoft.com/office/officeart/2009/3/layout/HorizontalOrganizationChart"/>
-    <dgm:cxn modelId="{E8FFDDF0-AAEC-3E43-993B-CD690C817373}" srcId="{8D00831D-746E-D74D-BEF2-99979750FD8C}" destId="{8F4D16E3-415C-9540-8BA7-FE5E6948FC8D}" srcOrd="0" destOrd="0" parTransId="{00C9BDDF-1DB4-594A-9898-BA2322E91F8F}" sibTransId="{8023BF6C-2FDA-DF4B-9D6A-6C895ADD6EA6}"/>
+    <dgm:cxn modelId="{B6880768-3F19-5043-A17F-95FEF1D682EF}" srcId="{7BFEDE6C-9607-594B-AC8C-1507C7955511}" destId="{8F71BE28-9264-0A43-BE99-CC33D354B3FD}" srcOrd="2" destOrd="0" parTransId="{34F27715-E82E-1B46-812E-AEE4E9EF1A4F}" sibTransId="{513DDDB0-287F-0146-8335-B837E8BCB3D4}"/>
+    <dgm:cxn modelId="{E8DD1769-87A8-43CA-B1A1-4E4114D4A6A4}" type="presOf" srcId="{2374D6DB-4E62-5747-BC86-360E2BC24B16}" destId="{4FD33552-95BA-104B-9257-D0E102FB38BF}" srcOrd="1" destOrd="0" presId="urn:microsoft.com/office/officeart/2009/3/layout/HorizontalOrganizationChart"/>
+    <dgm:cxn modelId="{859A826A-645D-4A3C-BD09-6015B82220FB}" type="presOf" srcId="{8D00831D-746E-D74D-BEF2-99979750FD8C}" destId="{8B30CF1B-6FC6-744F-809C-BEADC9CDD4E0}" srcOrd="0" destOrd="0" presId="urn:microsoft.com/office/officeart/2009/3/layout/HorizontalOrganizationChart"/>
+    <dgm:cxn modelId="{3EF67F4D-C369-45C1-98F6-E02D00A7E142}" type="presOf" srcId="{78A4B493-3BBE-2A49-84C9-42B34B27847A}" destId="{D4414881-3A27-3B48-801C-386BD25F864D}" srcOrd="0" destOrd="0" presId="urn:microsoft.com/office/officeart/2009/3/layout/HorizontalOrganizationChart"/>
     <dgm:cxn modelId="{5FE9534E-6D0D-46DA-B585-222C0C2B1999}" type="presOf" srcId="{1444E1BC-FD2A-E14E-AF76-5775DA2FA044}" destId="{DF85DB1A-3F7E-4548-90B2-A0F688D003B6}" srcOrd="1" destOrd="0" presId="urn:microsoft.com/office/officeart/2009/3/layout/HorizontalOrganizationChart"/>
-    <dgm:cxn modelId="{C027A197-7605-4A31-95F7-39D8BF26EC23}" type="presOf" srcId="{C864D9D0-61E4-9E49-94B9-EA21827DAF6F}" destId="{D9BF2967-2CEF-1640-BEA7-6FC1A9BD9CA7}" srcOrd="0" destOrd="0" presId="urn:microsoft.com/office/officeart/2009/3/layout/HorizontalOrganizationChart"/>
     <dgm:cxn modelId="{038FC04E-33D7-1B44-8239-CFF2F2F0A1AD}" srcId="{E6D93D8B-CE71-1B44-A963-36DA1BA22119}" destId="{F968B9E6-E6B5-AD47-B8CC-F62DB282329D}" srcOrd="0" destOrd="0" parTransId="{CD12CCE1-505A-B242-9C42-9859B42A8A2A}" sibTransId="{E311A24C-6FC0-734D-BDC9-5055ABF28EDC}"/>
-    <dgm:cxn modelId="{CB483703-EC49-4FCB-A503-B3E390C805E9}" type="presOf" srcId="{8F71BE28-9264-0A43-BE99-CC33D354B3FD}" destId="{C8201239-FA76-5345-ACE9-DE4AFDCF2F3D}" srcOrd="1" destOrd="0" presId="urn:microsoft.com/office/officeart/2009/3/layout/HorizontalOrganizationChart"/>
-    <dgm:cxn modelId="{5CAAA018-7614-4308-AE56-AB410E91DB2D}" type="presOf" srcId="{F0D94520-3014-A148-ABB2-892F03F0C90E}" destId="{5451BD20-0C78-AD48-932A-4C5056354B2E}" srcOrd="0" destOrd="0" presId="urn:microsoft.com/office/officeart/2009/3/layout/HorizontalOrganizationChart"/>
-    <dgm:cxn modelId="{13FED929-1F49-45FF-B780-0E0F81CE58DC}" type="presOf" srcId="{FE44331C-D25F-6842-B86E-D273068F961F}" destId="{E83C033E-BFCB-2349-B4A2-658A8A7829A1}" srcOrd="0" destOrd="0" presId="urn:microsoft.com/office/officeart/2009/3/layout/HorizontalOrganizationChart"/>
-    <dgm:cxn modelId="{8812697B-F5B7-4039-9329-0418E786D9E7}" type="presOf" srcId="{C9D8F1ED-4DD2-4E4E-BC8C-79C3620BE188}" destId="{24014562-13D9-6441-A630-FBA290824F30}" srcOrd="1" destOrd="0" presId="urn:microsoft.com/office/officeart/2009/3/layout/HorizontalOrganizationChart"/>
-    <dgm:cxn modelId="{341545DA-5CE4-BD45-9E82-55C4402604E4}" srcId="{7BFEDE6C-9607-594B-AC8C-1507C7955511}" destId="{4314635F-E9DC-534B-B148-AB54561EF29C}" srcOrd="3" destOrd="0" parTransId="{4FD666AB-71BC-ED47-ABFB-F658CD358B0A}" sibTransId="{DBA53143-C342-1144-A71C-FF4493578005}"/>
-    <dgm:cxn modelId="{1D5779D6-34EC-6842-A8D9-9161073AFC27}" srcId="{C413FA9F-9239-9847-BEE7-823B38DB5BF0}" destId="{4D678D51-CA99-2E4E-8A8C-B29A52973556}" srcOrd="2" destOrd="0" parTransId="{040FC7E0-E2EF-6A41-A451-8B5112C8ECDB}" sibTransId="{3DEFF42C-3F8F-BF43-8C1C-67FA5123CDE5}"/>
-    <dgm:cxn modelId="{AC913006-6755-4C37-9F01-19B3644C8383}" type="presOf" srcId="{F81B2736-CB54-1E49-9A70-86A22FF0B63D}" destId="{086C5347-A19F-B442-BAA2-8DA1AFD08CA4}" srcOrd="0" destOrd="0" presId="urn:microsoft.com/office/officeart/2009/3/layout/HorizontalOrganizationChart"/>
-    <dgm:cxn modelId="{28F81F2A-9464-7D4C-86CC-FCAB41592056}" srcId="{C10786AC-9D79-F248-A362-F801C00DF6C2}" destId="{1CA5F32C-BBC0-994D-B934-1ECC598078A0}" srcOrd="2" destOrd="0" parTransId="{88FB932C-92CE-E44A-9FAC-8D6B391FAF29}" sibTransId="{9A3F716D-108F-C44B-AF46-21D12D8D809E}"/>
-    <dgm:cxn modelId="{6B34C3EE-0E87-40C3-9A4A-8F87F9DB6397}" type="presOf" srcId="{DAB1AC52-F76D-8043-9E4F-3371A0E72BD0}" destId="{742F439E-A9D1-F142-97A0-B6239D852524}" srcOrd="0" destOrd="0" presId="urn:microsoft.com/office/officeart/2009/3/layout/HorizontalOrganizationChart"/>
-    <dgm:cxn modelId="{96F6A6B0-6C27-0948-8F50-3C800F13BB8B}" srcId="{8D00831D-746E-D74D-BEF2-99979750FD8C}" destId="{854F7B39-4035-414E-AC18-03A22D801936}" srcOrd="2" destOrd="0" parTransId="{229B3D6D-F0F7-864C-A228-BF92BD6766B9}" sibTransId="{5380CCD4-1B7C-8B45-8089-F065BFAAE927}"/>
-    <dgm:cxn modelId="{2F778E89-D281-422C-8011-2DD4D5FC73FC}" type="presOf" srcId="{748397A8-D361-5749-8416-9747A972CC3E}" destId="{6654D29F-F651-6842-8E0C-41EC4155A213}" srcOrd="0" destOrd="0" presId="urn:microsoft.com/office/officeart/2009/3/layout/HorizontalOrganizationChart"/>
-    <dgm:cxn modelId="{41959D8E-2971-48B8-AD47-3681B2A136D1}" type="presOf" srcId="{00C9BDDF-1DB4-594A-9898-BA2322E91F8F}" destId="{41881C55-695E-1044-BDCC-287320D5C0F8}" srcOrd="0" destOrd="0" presId="urn:microsoft.com/office/officeart/2009/3/layout/HorizontalOrganizationChart"/>
-    <dgm:cxn modelId="{36E4100C-7315-4C07-A3C4-5D42F07E4DA6}" type="presOf" srcId="{8F71BE28-9264-0A43-BE99-CC33D354B3FD}" destId="{3BD59409-6A4D-704E-8FBD-2A60A5085B42}" srcOrd="0" destOrd="0" presId="urn:microsoft.com/office/officeart/2009/3/layout/HorizontalOrganizationChart"/>
-    <dgm:cxn modelId="{B607E0B6-ADCE-514A-8096-B8AC323D08F3}" srcId="{8D00831D-746E-D74D-BEF2-99979750FD8C}" destId="{F37011CD-1EDC-AE4E-89D5-1BEC4DD72507}" srcOrd="1" destOrd="0" parTransId="{83B450A5-9E16-B245-B630-2A4789C18D9C}" sibTransId="{8457AB30-ED68-114B-9CF1-481F4BC0A2C4}"/>
-    <dgm:cxn modelId="{CDEBE7DB-D403-BE43-BEE4-5BCD71006B02}" srcId="{3818266B-75C1-124C-8BEB-726DDDAE8E25}" destId="{C9D8F1ED-4DD2-4E4E-BC8C-79C3620BE188}" srcOrd="1" destOrd="0" parTransId="{590C5DF5-D59F-BF47-800F-4EF850ADE79A}" sibTransId="{63D55FB2-C73C-1244-9C8F-673A98107DB0}"/>
-    <dgm:cxn modelId="{04C3AE78-8011-475A-A760-EFA3ECF5ACB4}" type="presOf" srcId="{F37011CD-1EDC-AE4E-89D5-1BEC4DD72507}" destId="{CE828A65-BA92-1147-AD1F-78DE6F4F06FF}" srcOrd="0" destOrd="0" presId="urn:microsoft.com/office/officeart/2009/3/layout/HorizontalOrganizationChart"/>
-    <dgm:cxn modelId="{D48E2A1E-4AFC-437B-8E40-E753E2223698}" type="presOf" srcId="{F0D94520-3014-A148-ABB2-892F03F0C90E}" destId="{64240391-27ED-4B45-BE98-D977570E0AA6}" srcOrd="1" destOrd="0" presId="urn:microsoft.com/office/officeart/2009/3/layout/HorizontalOrganizationChart"/>
-    <dgm:cxn modelId="{7F689DCD-2D3C-1249-B479-FEA452BCD34C}" srcId="{8D00831D-746E-D74D-BEF2-99979750FD8C}" destId="{5FD6D7C1-698B-D44B-A5C0-5CFFD24FFF1F}" srcOrd="4" destOrd="0" parTransId="{F856DC5E-556A-A04D-9C72-3540E24FBEE5}" sibTransId="{DE05E7FD-1191-3140-959E-BA0B13E34060}"/>
-    <dgm:cxn modelId="{B61445BE-E95D-4B5B-B5FA-9129058E8F21}" type="presOf" srcId="{8F4D16E3-415C-9540-8BA7-FE5E6948FC8D}" destId="{2BC318C6-FF4F-6948-9644-70B38FAFD25E}" srcOrd="0" destOrd="0" presId="urn:microsoft.com/office/officeart/2009/3/layout/HorizontalOrganizationChart"/>
-    <dgm:cxn modelId="{0AD910DE-8F61-4D25-A12F-46156A0DAFC2}" type="presOf" srcId="{D5C06307-5956-3E49-B88C-6EE264BA2759}" destId="{6A08DDC0-4CE4-BE47-99D9-8CCDDD9A68F0}" srcOrd="0" destOrd="0" presId="urn:microsoft.com/office/officeart/2009/3/layout/HorizontalOrganizationChart"/>
-    <dgm:cxn modelId="{681C6416-B45E-4180-A5FE-1C7926B09F5A}" type="presOf" srcId="{3818266B-75C1-124C-8BEB-726DDDAE8E25}" destId="{12AE71BB-ADB2-DD46-BF01-7CB891447ED7}" srcOrd="1" destOrd="0" presId="urn:microsoft.com/office/officeart/2009/3/layout/HorizontalOrganizationChart"/>
-    <dgm:cxn modelId="{E2982611-39ED-4417-A940-D5A983A4FDB0}" type="presOf" srcId="{F968B9E6-E6B5-AD47-B8CC-F62DB282329D}" destId="{2F122D49-0F43-6645-84A9-56ADAF00E4DC}" srcOrd="0" destOrd="0" presId="urn:microsoft.com/office/officeart/2009/3/layout/HorizontalOrganizationChart"/>
-    <dgm:cxn modelId="{3B3A50DA-3C3B-44B5-866C-D9AC5CC98812}" type="presOf" srcId="{E6D93D8B-CE71-1B44-A963-36DA1BA22119}" destId="{4C0A1423-A443-2149-BC27-352A7DB62395}" srcOrd="0" destOrd="0" presId="urn:microsoft.com/office/officeart/2009/3/layout/HorizontalOrganizationChart"/>
-    <dgm:cxn modelId="{D54D40DC-C41A-441A-94A3-E5E8D1A286B4}" type="presOf" srcId="{854F7B39-4035-414E-AC18-03A22D801936}" destId="{E13817E2-4E8A-D540-90A3-994CD96E2A81}" srcOrd="0" destOrd="0" presId="urn:microsoft.com/office/officeart/2009/3/layout/HorizontalOrganizationChart"/>
-    <dgm:cxn modelId="{BBF0D717-5004-45A1-AF4D-5AE74D681294}" type="presOf" srcId="{3818266B-75C1-124C-8BEB-726DDDAE8E25}" destId="{B53C13B6-C804-B746-B3A3-95BEBF8F48CA}" srcOrd="0" destOrd="0" presId="urn:microsoft.com/office/officeart/2009/3/layout/HorizontalOrganizationChart"/>
-    <dgm:cxn modelId="{851C59BA-B3A8-4CDD-9319-A142F4573A63}" type="presOf" srcId="{44E06AC3-CAAD-6A47-B81E-52FC2722669E}" destId="{DEAC5F96-7E82-AF4F-91CA-0E98739CA0EA}" srcOrd="1" destOrd="0" presId="urn:microsoft.com/office/officeart/2009/3/layout/HorizontalOrganizationChart"/>
-    <dgm:cxn modelId="{AF409302-3647-47F8-AB28-64DBEF0D99DC}" type="presOf" srcId="{4314635F-E9DC-534B-B148-AB54561EF29C}" destId="{85F54FEB-C1A9-BE40-B258-CE35B07A4819}" srcOrd="0" destOrd="0" presId="urn:microsoft.com/office/officeart/2009/3/layout/HorizontalOrganizationChart"/>
-    <dgm:cxn modelId="{24229042-E851-4A29-8462-6F428C2113CC}" type="presOf" srcId="{406253EE-3978-0C40-ADB6-92AEEF0ADB56}" destId="{C259D507-5DB2-4B4D-9B85-1EDF8E52D784}" srcOrd="1" destOrd="0" presId="urn:microsoft.com/office/officeart/2009/3/layout/HorizontalOrganizationChart"/>
-    <dgm:cxn modelId="{882FA876-5AA7-407F-A95B-09759C69CD98}" type="presOf" srcId="{7B9B8DA1-947C-BE4F-8DF6-B92281FDFBA5}" destId="{A3CB5159-EA66-9440-B913-ADC0FC0742A5}" srcOrd="0" destOrd="0" presId="urn:microsoft.com/office/officeart/2009/3/layout/HorizontalOrganizationChart"/>
-    <dgm:cxn modelId="{3B41D7AF-5FC9-47F6-A785-5C7D8DC41E43}" type="presOf" srcId="{C9D8F1ED-4DD2-4E4E-BC8C-79C3620BE188}" destId="{BE2964B3-65A2-4E46-AC61-2056D3E2F1E4}" srcOrd="0" destOrd="0" presId="urn:microsoft.com/office/officeart/2009/3/layout/HorizontalOrganizationChart"/>
-    <dgm:cxn modelId="{FA8395B2-3256-40CC-9912-45ACE118360B}" type="presOf" srcId="{F968B9E6-E6B5-AD47-B8CC-F62DB282329D}" destId="{337B46B3-619C-CA4C-BF38-17377F13EEE2}" srcOrd="1" destOrd="0" presId="urn:microsoft.com/office/officeart/2009/3/layout/HorizontalOrganizationChart"/>
-    <dgm:cxn modelId="{E41BBB02-38C9-4049-B5F6-979FE0EEC55A}" srcId="{C413FA9F-9239-9847-BEE7-823B38DB5BF0}" destId="{E6D93D8B-CE71-1B44-A963-36DA1BA22119}" srcOrd="0" destOrd="0" parTransId="{3E37A2D7-6D82-8E41-AFD8-DEF4867623AA}" sibTransId="{F6F70453-850C-5F40-A513-5D11CF2C4028}"/>
-    <dgm:cxn modelId="{F8B0AB76-7C58-4840-B25C-0DEE4D8AF845}" type="presOf" srcId="{229B3D6D-F0F7-864C-A228-BF92BD6766B9}" destId="{D38CE618-D037-4D4D-B438-7F5EE7CF235D}" srcOrd="0" destOrd="0" presId="urn:microsoft.com/office/officeart/2009/3/layout/HorizontalOrganizationChart"/>
-    <dgm:cxn modelId="{23071DF1-CF2F-C145-91F5-E5834A739B75}" srcId="{C10786AC-9D79-F248-A362-F801C00DF6C2}" destId="{8D20E9FF-9760-A44C-94EF-5D11BD12C922}" srcOrd="1" destOrd="0" parTransId="{A44C8725-9A7A-EB4C-B468-FA27084A1DFD}" sibTransId="{49FC9874-5759-8540-A2DA-C1504AC2BA6A}"/>
-    <dgm:cxn modelId="{80070DAF-1660-4BCD-A571-8E83C45AF155}" type="presOf" srcId="{F856DC5E-556A-A04D-9C72-3540E24FBEE5}" destId="{C49B2119-F237-E14D-87D0-0F4AB7A45127}" srcOrd="0" destOrd="0" presId="urn:microsoft.com/office/officeart/2009/3/layout/HorizontalOrganizationChart"/>
-    <dgm:cxn modelId="{859A826A-645D-4A3C-BD09-6015B82220FB}" type="presOf" srcId="{8D00831D-746E-D74D-BEF2-99979750FD8C}" destId="{8B30CF1B-6FC6-744F-809C-BEADC9CDD4E0}" srcOrd="0" destOrd="0" presId="urn:microsoft.com/office/officeart/2009/3/layout/HorizontalOrganizationChart"/>
-    <dgm:cxn modelId="{5841A3C2-6B09-4C00-B906-47CA3FDD5ADC}" type="presOf" srcId="{217BEFBC-0DA9-0E44-9000-C1C67F543204}" destId="{C7EDFD2F-6B6C-2447-A656-84D9C333F42A}" srcOrd="0" destOrd="0" presId="urn:microsoft.com/office/officeart/2009/3/layout/HorizontalOrganizationChart"/>
-    <dgm:cxn modelId="{63AF629C-0515-42A3-A911-AF230190981C}" type="presOf" srcId="{3E37A2D7-6D82-8E41-AFD8-DEF4867623AA}" destId="{0080CBE3-3047-AF4A-9A65-512AFACDB252}" srcOrd="0" destOrd="0" presId="urn:microsoft.com/office/officeart/2009/3/layout/HorizontalOrganizationChart"/>
-    <dgm:cxn modelId="{DBA87F82-0CB5-426D-8AD0-79DA945615D8}" type="presOf" srcId="{4D678D51-CA99-2E4E-8A8C-B29A52973556}" destId="{8CB99DA9-2601-C744-8510-A9639043074B}" srcOrd="1" destOrd="0" presId="urn:microsoft.com/office/officeart/2009/3/layout/HorizontalOrganizationChart"/>
-    <dgm:cxn modelId="{EC138845-7994-4DDE-9A5C-DBC56605D1EA}" type="presOf" srcId="{8D20E9FF-9760-A44C-94EF-5D11BD12C922}" destId="{751D66D9-C45A-394B-9924-D6CA5423D6C8}" srcOrd="1" destOrd="0" presId="urn:microsoft.com/office/officeart/2009/3/layout/HorizontalOrganizationChart"/>
-    <dgm:cxn modelId="{76937419-7AF5-4C22-B2C5-2B4FF3C81DB4}" type="presOf" srcId="{590C5DF5-D59F-BF47-800F-4EF850ADE79A}" destId="{E5957BA3-938B-4E4C-9FA6-285632710EE2}" srcOrd="0" destOrd="0" presId="urn:microsoft.com/office/officeart/2009/3/layout/HorizontalOrganizationChart"/>
-    <dgm:cxn modelId="{1B4F58E5-5012-4D9C-AEDF-D9CAA56EF148}" type="presOf" srcId="{4E3EE4D4-ADC4-9148-B779-278A4729D58B}" destId="{7ECABC3C-2EEA-4D46-93F8-B56ACC755444}" srcOrd="0" destOrd="0" presId="urn:microsoft.com/office/officeart/2009/3/layout/HorizontalOrganizationChart"/>
-    <dgm:cxn modelId="{778122DA-3B76-ED42-A155-93588EE45C15}" srcId="{7BFEDE6C-9607-594B-AC8C-1507C7955511}" destId="{2374D6DB-4E62-5747-BC86-360E2BC24B16}" srcOrd="8" destOrd="0" parTransId="{2D023EE7-9AD3-8641-94C7-68F929EB9806}" sibTransId="{B3183431-F3DB-C44E-B67E-66CE4D27932D}"/>
-    <dgm:cxn modelId="{33AFB955-0937-4E11-91F3-7BC206A4943A}" type="presOf" srcId="{7B9B8DA1-947C-BE4F-8DF6-B92281FDFBA5}" destId="{C8DCCD84-F9C1-BC4E-904B-2D1E062EBCED}" srcOrd="1" destOrd="0" presId="urn:microsoft.com/office/officeart/2009/3/layout/HorizontalOrganizationChart"/>
-    <dgm:cxn modelId="{AFD31A98-6241-4414-837E-0054342B2E5A}" type="presOf" srcId="{E9249ABB-830D-D94B-8EE8-FAE30579D6C1}" destId="{034732A1-3FC4-4845-A376-2576D533BD61}" srcOrd="0" destOrd="0" presId="urn:microsoft.com/office/officeart/2009/3/layout/HorizontalOrganizationChart"/>
-    <dgm:cxn modelId="{B6880768-3F19-5043-A17F-95FEF1D682EF}" srcId="{7BFEDE6C-9607-594B-AC8C-1507C7955511}" destId="{8F71BE28-9264-0A43-BE99-CC33D354B3FD}" srcOrd="2" destOrd="0" parTransId="{34F27715-E82E-1B46-812E-AEE4E9EF1A4F}" sibTransId="{513DDDB0-287F-0146-8335-B837E8BCB3D4}"/>
-    <dgm:cxn modelId="{C0AF3C18-E1FC-431F-B5C3-BA2AF39CADED}" type="presOf" srcId="{6F917399-124B-E045-AADE-E5E30DBBCEBF}" destId="{D56D74DD-E342-8140-8F9A-624D21C36128}" srcOrd="0" destOrd="0" presId="urn:microsoft.com/office/officeart/2009/3/layout/HorizontalOrganizationChart"/>
-    <dgm:cxn modelId="{7F6CF7C6-C848-0D4C-995B-434B5B3CC033}" srcId="{7BFEDE6C-9607-594B-AC8C-1507C7955511}" destId="{0D6DF4C2-692B-B044-B9B6-82672D8D71B1}" srcOrd="5" destOrd="0" parTransId="{C864D9D0-61E4-9E49-94B9-EA21827DAF6F}" sibTransId="{DB996141-153E-F645-8B29-596B54AFB060}"/>
-    <dgm:cxn modelId="{09FA84DA-340E-4A8D-B5A3-61B6F6FAA500}" type="presOf" srcId="{2374D6DB-4E62-5747-BC86-360E2BC24B16}" destId="{AC3681AF-4C17-DC4A-B4FB-C350EBC98197}" srcOrd="0" destOrd="0" presId="urn:microsoft.com/office/officeart/2009/3/layout/HorizontalOrganizationChart"/>
-    <dgm:cxn modelId="{A87E903A-48CE-41E5-B806-70DC32CAAEAB}" type="presOf" srcId="{1CA5F32C-BBC0-994D-B934-1ECC598078A0}" destId="{960199A5-7C21-9841-88EA-0FDD7EA98D03}" srcOrd="1" destOrd="0" presId="urn:microsoft.com/office/officeart/2009/3/layout/HorizontalOrganizationChart"/>
-    <dgm:cxn modelId="{6188C9A4-EB48-479E-B4E1-BA82D9523BC4}" type="presOf" srcId="{406253EE-3978-0C40-ADB6-92AEEF0ADB56}" destId="{28B027B9-5015-2C4B-8779-EFEF450D8687}" srcOrd="0" destOrd="0" presId="urn:microsoft.com/office/officeart/2009/3/layout/HorizontalOrganizationChart"/>
-    <dgm:cxn modelId="{1B0F25FC-B1D7-45AE-A826-FEB456162A34}" type="presOf" srcId="{0D6DF4C2-692B-B044-B9B6-82672D8D71B1}" destId="{9B585E98-FA24-0B44-BC1A-E1723F7FDD7C}" srcOrd="1" destOrd="0" presId="urn:microsoft.com/office/officeart/2009/3/layout/HorizontalOrganizationChart"/>
-    <dgm:cxn modelId="{ED8C3CA3-0DA9-9B44-BFC0-956A840CB06C}" srcId="{7BFEDE6C-9607-594B-AC8C-1507C7955511}" destId="{4E3EE4D4-ADC4-9148-B779-278A4729D58B}" srcOrd="6" destOrd="0" parTransId="{862A6FBA-03F8-124F-84E2-A0F26C4B399E}" sibTransId="{9B2D0A22-8823-5B4F-B6A5-7BAED6120A92}"/>
-    <dgm:cxn modelId="{D20EDABF-3D77-454F-BB37-26C0AB70352F}" type="presOf" srcId="{35FE932A-B4E3-9148-AB09-4E7F4D0497DB}" destId="{864575A5-C65C-AE4E-8FDE-808AB98BE053}" srcOrd="0" destOrd="0" presId="urn:microsoft.com/office/officeart/2009/3/layout/HorizontalOrganizationChart"/>
-    <dgm:cxn modelId="{B49F7712-0F96-4855-9F29-BC58CF9E5A4B}" type="presOf" srcId="{8D20E9FF-9760-A44C-94EF-5D11BD12C922}" destId="{82EE05F0-991A-4F46-A71F-ADC8AF480787}" srcOrd="0" destOrd="0" presId="urn:microsoft.com/office/officeart/2009/3/layout/HorizontalOrganizationChart"/>
-    <dgm:cxn modelId="{78123492-060A-EF45-9FCE-2C176AB3A8A9}" srcId="{8D00831D-746E-D74D-BEF2-99979750FD8C}" destId="{7B9B8DA1-947C-BE4F-8DF6-B92281FDFBA5}" srcOrd="3" destOrd="0" parTransId="{B46D11FE-A505-A145-B093-CBDAC1783145}" sibTransId="{87D6E65B-A04A-0B40-B237-ABAC94AE29D6}"/>
     <dgm:cxn modelId="{C3111A71-7479-9346-84DA-FAB6C88A2EBA}" srcId="{7BFEDE6C-9607-594B-AC8C-1507C7955511}" destId="{F0D94520-3014-A148-ABB2-892F03F0C90E}" srcOrd="7" destOrd="0" parTransId="{217BEFBC-0DA9-0E44-9000-C1C67F543204}" sibTransId="{F2AE703B-D498-6840-9E4A-DACA7E8544A4}"/>
     <dgm:cxn modelId="{DD2E1253-0516-6048-B4D6-259474024A27}" srcId="{7BFEDE6C-9607-594B-AC8C-1507C7955511}" destId="{C413FA9F-9239-9847-BEE7-823B38DB5BF0}" srcOrd="0" destOrd="0" parTransId="{E9249ABB-830D-D94B-8EE8-FAE30579D6C1}" sibTransId="{B8184BEC-A3D3-E64F-971E-5763000A5EE2}"/>
-    <dgm:cxn modelId="{8CBA8C30-CF13-41D2-9702-B43B7DB1BCCD}" type="presOf" srcId="{35FE932A-B4E3-9148-AB09-4E7F4D0497DB}" destId="{6F6ED0BE-FE52-C347-8BA4-029F26E43EA8}" srcOrd="1" destOrd="0" presId="urn:microsoft.com/office/officeart/2009/3/layout/HorizontalOrganizationChart"/>
+    <dgm:cxn modelId="{33AFB955-0937-4E11-91F3-7BC206A4943A}" type="presOf" srcId="{7B9B8DA1-947C-BE4F-8DF6-B92281FDFBA5}" destId="{C8DCCD84-F9C1-BC4E-904B-2D1E062EBCED}" srcOrd="1" destOrd="0" presId="urn:microsoft.com/office/officeart/2009/3/layout/HorizontalOrganizationChart"/>
+    <dgm:cxn modelId="{882FA876-5AA7-407F-A95B-09759C69CD98}" type="presOf" srcId="{7B9B8DA1-947C-BE4F-8DF6-B92281FDFBA5}" destId="{A3CB5159-EA66-9440-B913-ADC0FC0742A5}" srcOrd="0" destOrd="0" presId="urn:microsoft.com/office/officeart/2009/3/layout/HorizontalOrganizationChart"/>
+    <dgm:cxn modelId="{F8B0AB76-7C58-4840-B25C-0DEE4D8AF845}" type="presOf" srcId="{229B3D6D-F0F7-864C-A228-BF92BD6766B9}" destId="{D38CE618-D037-4D4D-B438-7F5EE7CF235D}" srcOrd="0" destOrd="0" presId="urn:microsoft.com/office/officeart/2009/3/layout/HorizontalOrganizationChart"/>
+    <dgm:cxn modelId="{82FAF956-DFF1-4EB1-B6EC-E838427F547E}" type="presOf" srcId="{4E3EE4D4-ADC4-9148-B779-278A4729D58B}" destId="{900DDE6F-81EA-4341-92AA-CEDA2FB06552}" srcOrd="1" destOrd="0" presId="urn:microsoft.com/office/officeart/2009/3/layout/HorizontalOrganizationChart"/>
+    <dgm:cxn modelId="{04C3AE78-8011-475A-A760-EFA3ECF5ACB4}" type="presOf" srcId="{F37011CD-1EDC-AE4E-89D5-1BEC4DD72507}" destId="{CE828A65-BA92-1147-AD1F-78DE6F4F06FF}" srcOrd="0" destOrd="0" presId="urn:microsoft.com/office/officeart/2009/3/layout/HorizontalOrganizationChart"/>
+    <dgm:cxn modelId="{08BABF58-18C0-4C12-AA86-73A9CDB784A0}" type="presOf" srcId="{854F7B39-4035-414E-AC18-03A22D801936}" destId="{ECB9F403-C0A9-894D-9E14-F43E89594FB8}" srcOrd="1" destOrd="0" presId="urn:microsoft.com/office/officeart/2009/3/layout/HorizontalOrganizationChart"/>
+    <dgm:cxn modelId="{04D5DA79-2060-4B99-BF98-F76E96464147}" type="presOf" srcId="{C10786AC-9D79-F248-A362-F801C00DF6C2}" destId="{5A31CDC3-BC91-8440-93FA-7FD9A640E5CC}" srcOrd="1" destOrd="0" presId="urn:microsoft.com/office/officeart/2009/3/layout/HorizontalOrganizationChart"/>
+    <dgm:cxn modelId="{8812697B-F5B7-4039-9329-0418E786D9E7}" type="presOf" srcId="{C9D8F1ED-4DD2-4E4E-BC8C-79C3620BE188}" destId="{24014562-13D9-6441-A630-FBA290824F30}" srcOrd="1" destOrd="0" presId="urn:microsoft.com/office/officeart/2009/3/layout/HorizontalOrganizationChart"/>
+    <dgm:cxn modelId="{61650A81-D219-CA49-8F81-F36CA73BF022}" srcId="{3818266B-75C1-124C-8BEB-726DDDAE8E25}" destId="{C10786AC-9D79-F248-A362-F801C00DF6C2}" srcOrd="0" destOrd="0" parTransId="{FE44331C-D25F-6842-B86E-D273068F961F}" sibTransId="{A6A8C224-FAC1-344E-BD8B-33E77911A696}"/>
+    <dgm:cxn modelId="{6F959181-FE01-4A8B-B8F1-B9967F66C1B6}" type="presOf" srcId="{4FD666AB-71BC-ED47-ABFB-F658CD358B0A}" destId="{576106E0-AFCC-5A44-AB26-307B1DD9697D}" srcOrd="0" destOrd="0" presId="urn:microsoft.com/office/officeart/2009/3/layout/HorizontalOrganizationChart"/>
+    <dgm:cxn modelId="{54332F82-480B-449F-9278-516F8A9A7FA2}" type="presOf" srcId="{A44C8725-9A7A-EB4C-B468-FA27084A1DFD}" destId="{5370E75A-22A4-2A4C-9629-D572DDC0C3AF}" srcOrd="0" destOrd="0" presId="urn:microsoft.com/office/officeart/2009/3/layout/HorizontalOrganizationChart"/>
+    <dgm:cxn modelId="{DBA87F82-0CB5-426D-8AD0-79DA945615D8}" type="presOf" srcId="{4D678D51-CA99-2E4E-8A8C-B29A52973556}" destId="{8CB99DA9-2601-C744-8510-A9639043074B}" srcOrd="1" destOrd="0" presId="urn:microsoft.com/office/officeart/2009/3/layout/HorizontalOrganizationChart"/>
+    <dgm:cxn modelId="{E0D5AE85-4F66-4627-BB43-6C95F89C243E}" type="presOf" srcId="{B46D11FE-A505-A145-B093-CBDAC1783145}" destId="{9B0B83C2-641C-9240-B631-61439AB4D559}" srcOrd="0" destOrd="0" presId="urn:microsoft.com/office/officeart/2009/3/layout/HorizontalOrganizationChart"/>
+    <dgm:cxn modelId="{D62D4788-4D64-4F4B-B453-494BEBC0E7FB}" srcId="{44E06AC3-CAAD-6A47-B81E-52FC2722669E}" destId="{8D00831D-746E-D74D-BEF2-99979750FD8C}" srcOrd="0" destOrd="0" parTransId="{DAB1AC52-F76D-8043-9E4F-3371A0E72BD0}" sibTransId="{50DA6BF4-6563-9248-BBB3-F0C098881922}"/>
+    <dgm:cxn modelId="{56306489-B8C4-42C2-89E5-21766110F2E0}" type="presOf" srcId="{977F01D6-34AA-0744-9AE8-6E6C73FB20E2}" destId="{F512C74E-3972-B74A-BF97-64A75CD014BA}" srcOrd="0" destOrd="0" presId="urn:microsoft.com/office/officeart/2009/3/layout/HorizontalOrganizationChart"/>
+    <dgm:cxn modelId="{2F778E89-D281-422C-8011-2DD4D5FC73FC}" type="presOf" srcId="{748397A8-D361-5749-8416-9747A972CC3E}" destId="{6654D29F-F651-6842-8E0C-41EC4155A213}" srcOrd="0" destOrd="0" presId="urn:microsoft.com/office/officeart/2009/3/layout/HorizontalOrganizationChart"/>
+    <dgm:cxn modelId="{F04B418B-2677-45BB-8E8F-E0C58A353034}" type="presOf" srcId="{5FD6D7C1-698B-D44B-A5C0-5CFFD24FFF1F}" destId="{6BEB27F0-A591-7347-826A-00C692E68670}" srcOrd="0" destOrd="0" presId="urn:microsoft.com/office/officeart/2009/3/layout/HorizontalOrganizationChart"/>
+    <dgm:cxn modelId="{41959D8E-2971-48B8-AD47-3681B2A136D1}" type="presOf" srcId="{00C9BDDF-1DB4-594A-9898-BA2322E91F8F}" destId="{41881C55-695E-1044-BDCC-287320D5C0F8}" srcOrd="0" destOrd="0" presId="urn:microsoft.com/office/officeart/2009/3/layout/HorizontalOrganizationChart"/>
+    <dgm:cxn modelId="{1342218F-DBE5-4A81-88F0-76510587A7AF}" type="presOf" srcId="{5FD6D7C1-698B-D44B-A5C0-5CFFD24FFF1F}" destId="{860389D0-1F1E-9F43-8170-6C224DC43AE4}" srcOrd="1" destOrd="0" presId="urn:microsoft.com/office/officeart/2009/3/layout/HorizontalOrganizationChart"/>
+    <dgm:cxn modelId="{FEB94B8F-9E4E-4B0E-AD2D-81A123324F33}" type="presOf" srcId="{4D678D51-CA99-2E4E-8A8C-B29A52973556}" destId="{54D6939E-9BB5-7E40-BA0D-893413C08FE3}" srcOrd="0" destOrd="0" presId="urn:microsoft.com/office/officeart/2009/3/layout/HorizontalOrganizationChart"/>
+    <dgm:cxn modelId="{78123492-060A-EF45-9FCE-2C176AB3A8A9}" srcId="{8D00831D-746E-D74D-BEF2-99979750FD8C}" destId="{7B9B8DA1-947C-BE4F-8DF6-B92281FDFBA5}" srcOrd="3" destOrd="0" parTransId="{B46D11FE-A505-A145-B093-CBDAC1783145}" sibTransId="{87D6E65B-A04A-0B40-B237-ABAC94AE29D6}"/>
+    <dgm:cxn modelId="{C027A197-7605-4A31-95F7-39D8BF26EC23}" type="presOf" srcId="{C864D9D0-61E4-9E49-94B9-EA21827DAF6F}" destId="{D9BF2967-2CEF-1640-BEA7-6FC1A9BD9CA7}" srcOrd="0" destOrd="0" presId="urn:microsoft.com/office/officeart/2009/3/layout/HorizontalOrganizationChart"/>
+    <dgm:cxn modelId="{AFD31A98-6241-4414-837E-0054342B2E5A}" type="presOf" srcId="{E9249ABB-830D-D94B-8EE8-FAE30579D6C1}" destId="{034732A1-3FC4-4845-A376-2576D533BD61}" srcOrd="0" destOrd="0" presId="urn:microsoft.com/office/officeart/2009/3/layout/HorizontalOrganizationChart"/>
+    <dgm:cxn modelId="{63AF629C-0515-42A3-A911-AF230190981C}" type="presOf" srcId="{3E37A2D7-6D82-8E41-AFD8-DEF4867623AA}" destId="{0080CBE3-3047-AF4A-9A65-512AFACDB252}" srcOrd="0" destOrd="0" presId="urn:microsoft.com/office/officeart/2009/3/layout/HorizontalOrganizationChart"/>
+    <dgm:cxn modelId="{E287789C-A253-4D68-84D8-614050D8DE60}" type="presOf" srcId="{2D023EE7-9AD3-8641-94C7-68F929EB9806}" destId="{A8217A04-2342-4C4A-B5EE-ECE9A1424387}" srcOrd="0" destOrd="0" presId="urn:microsoft.com/office/officeart/2009/3/layout/HorizontalOrganizationChart"/>
+    <dgm:cxn modelId="{ED8C3CA3-0DA9-9B44-BFC0-956A840CB06C}" srcId="{7BFEDE6C-9607-594B-AC8C-1507C7955511}" destId="{4E3EE4D4-ADC4-9148-B779-278A4729D58B}" srcOrd="6" destOrd="0" parTransId="{862A6FBA-03F8-124F-84E2-A0F26C4B399E}" sibTransId="{9B2D0A22-8823-5B4F-B6A5-7BAED6120A92}"/>
+    <dgm:cxn modelId="{6188C9A4-EB48-479E-B4E1-BA82D9523BC4}" type="presOf" srcId="{406253EE-3978-0C40-ADB6-92AEEF0ADB56}" destId="{28B027B9-5015-2C4B-8779-EFEF450D8687}" srcOrd="0" destOrd="0" presId="urn:microsoft.com/office/officeart/2009/3/layout/HorizontalOrganizationChart"/>
+    <dgm:cxn modelId="{80070DAF-1660-4BCD-A571-8E83C45AF155}" type="presOf" srcId="{F856DC5E-556A-A04D-9C72-3540E24FBEE5}" destId="{C49B2119-F237-E14D-87D0-0F4AB7A45127}" srcOrd="0" destOrd="0" presId="urn:microsoft.com/office/officeart/2009/3/layout/HorizontalOrganizationChart"/>
+    <dgm:cxn modelId="{3B41D7AF-5FC9-47F6-A785-5C7D8DC41E43}" type="presOf" srcId="{C9D8F1ED-4DD2-4E4E-BC8C-79C3620BE188}" destId="{BE2964B3-65A2-4E46-AC61-2056D3E2F1E4}" srcOrd="0" destOrd="0" presId="urn:microsoft.com/office/officeart/2009/3/layout/HorizontalOrganizationChart"/>
+    <dgm:cxn modelId="{96F6A6B0-6C27-0948-8F50-3C800F13BB8B}" srcId="{8D00831D-746E-D74D-BEF2-99979750FD8C}" destId="{854F7B39-4035-414E-AC18-03A22D801936}" srcOrd="2" destOrd="0" parTransId="{229B3D6D-F0F7-864C-A228-BF92BD6766B9}" sibTransId="{5380CCD4-1B7C-8B45-8089-F065BFAAE927}"/>
+    <dgm:cxn modelId="{9C9D8EB2-93C8-42B6-8807-9296EC4259C2}" type="presOf" srcId="{8D00831D-746E-D74D-BEF2-99979750FD8C}" destId="{C6505A86-1BE1-564F-A021-6176EB1268C2}" srcOrd="1" destOrd="0" presId="urn:microsoft.com/office/officeart/2009/3/layout/HorizontalOrganizationChart"/>
+    <dgm:cxn modelId="{FA8395B2-3256-40CC-9912-45ACE118360B}" type="presOf" srcId="{F968B9E6-E6B5-AD47-B8CC-F62DB282329D}" destId="{337B46B3-619C-CA4C-BF38-17377F13EEE2}" srcOrd="1" destOrd="0" presId="urn:microsoft.com/office/officeart/2009/3/layout/HorizontalOrganizationChart"/>
+    <dgm:cxn modelId="{B607E0B6-ADCE-514A-8096-B8AC323D08F3}" srcId="{8D00831D-746E-D74D-BEF2-99979750FD8C}" destId="{F37011CD-1EDC-AE4E-89D5-1BEC4DD72507}" srcOrd="1" destOrd="0" parTransId="{83B450A5-9E16-B245-B630-2A4789C18D9C}" sibTransId="{8457AB30-ED68-114B-9CF1-481F4BC0A2C4}"/>
+    <dgm:cxn modelId="{851C59BA-B3A8-4CDD-9319-A142F4573A63}" type="presOf" srcId="{44E06AC3-CAAD-6A47-B81E-52FC2722669E}" destId="{DEAC5F96-7E82-AF4F-91CA-0E98739CA0EA}" srcOrd="1" destOrd="0" presId="urn:microsoft.com/office/officeart/2009/3/layout/HorizontalOrganizationChart"/>
+    <dgm:cxn modelId="{B61445BE-E95D-4B5B-B5FA-9129058E8F21}" type="presOf" srcId="{8F4D16E3-415C-9540-8BA7-FE5E6948FC8D}" destId="{2BC318C6-FF4F-6948-9644-70B38FAFD25E}" srcOrd="0" destOrd="0" presId="urn:microsoft.com/office/officeart/2009/3/layout/HorizontalOrganizationChart"/>
+    <dgm:cxn modelId="{D20EDABF-3D77-454F-BB37-26C0AB70352F}" type="presOf" srcId="{35FE932A-B4E3-9148-AB09-4E7F4D0497DB}" destId="{864575A5-C65C-AE4E-8FDE-808AB98BE053}" srcOrd="0" destOrd="0" presId="urn:microsoft.com/office/officeart/2009/3/layout/HorizontalOrganizationChart"/>
+    <dgm:cxn modelId="{5841A3C2-6B09-4C00-B906-47CA3FDD5ADC}" type="presOf" srcId="{217BEFBC-0DA9-0E44-9000-C1C67F543204}" destId="{C7EDFD2F-6B6C-2447-A656-84D9C333F42A}" srcOrd="0" destOrd="0" presId="urn:microsoft.com/office/officeart/2009/3/layout/HorizontalOrganizationChart"/>
+    <dgm:cxn modelId="{477F04C5-571D-604E-BE7A-23699619D2CF}" srcId="{C10786AC-9D79-F248-A362-F801C00DF6C2}" destId="{44E06AC3-CAAD-6A47-B81E-52FC2722669E}" srcOrd="0" destOrd="0" parTransId="{F81B2736-CB54-1E49-9A70-86A22FF0B63D}" sibTransId="{B7C7560A-9984-4D4E-B789-D6EEA91C6D58}"/>
+    <dgm:cxn modelId="{7F6CF7C6-C848-0D4C-995B-434B5B3CC033}" srcId="{7BFEDE6C-9607-594B-AC8C-1507C7955511}" destId="{0D6DF4C2-692B-B044-B9B6-82672D8D71B1}" srcOrd="5" destOrd="0" parTransId="{C864D9D0-61E4-9E49-94B9-EA21827DAF6F}" sibTransId="{DB996141-153E-F645-8B29-596B54AFB060}"/>
+    <dgm:cxn modelId="{7F689DCD-2D3C-1249-B479-FEA452BCD34C}" srcId="{8D00831D-746E-D74D-BEF2-99979750FD8C}" destId="{5FD6D7C1-698B-D44B-A5C0-5CFFD24FFF1F}" srcOrd="4" destOrd="0" parTransId="{F856DC5E-556A-A04D-9C72-3540E24FBEE5}" sibTransId="{DE05E7FD-1191-3140-959E-BA0B13E34060}"/>
     <dgm:cxn modelId="{BA020FCE-02CB-4DDB-9B51-5D88101ABA6E}" type="presOf" srcId="{F37011CD-1EDC-AE4E-89D5-1BEC4DD72507}" destId="{0A93117A-38CB-C84E-B326-C24B8FAFE113}" srcOrd="1" destOrd="0" presId="urn:microsoft.com/office/officeart/2009/3/layout/HorizontalOrganizationChart"/>
-    <dgm:cxn modelId="{D2312128-BFB0-4F9B-8741-6F0BD645C38C}" type="presOf" srcId="{C10786AC-9D79-F248-A362-F801C00DF6C2}" destId="{5E8711DE-F9DE-E746-81B6-0C1D923A0C25}" srcOrd="0" destOrd="0" presId="urn:microsoft.com/office/officeart/2009/3/layout/HorizontalOrganizationChart"/>
-    <dgm:cxn modelId="{5962B130-6261-4BED-89A9-D9E37728FA76}" type="presOf" srcId="{CD12CCE1-505A-B242-9C42-9859B42A8A2A}" destId="{2125012A-6020-7549-8C40-F238CC14F8ED}" srcOrd="0" destOrd="0" presId="urn:microsoft.com/office/officeart/2009/3/layout/HorizontalOrganizationChart"/>
-    <dgm:cxn modelId="{51515C07-96C1-4185-ABB3-2CB3EB895305}" type="presOf" srcId="{34F27715-E82E-1B46-812E-AEE4E9EF1A4F}" destId="{175B9660-5769-0E45-850D-D7F2480C50BC}" srcOrd="0" destOrd="0" presId="urn:microsoft.com/office/officeart/2009/3/layout/HorizontalOrganizationChart"/>
-    <dgm:cxn modelId="{F04B418B-2677-45BB-8E8F-E0C58A353034}" type="presOf" srcId="{5FD6D7C1-698B-D44B-A5C0-5CFFD24FFF1F}" destId="{6BEB27F0-A591-7347-826A-00C692E68670}" srcOrd="0" destOrd="0" presId="urn:microsoft.com/office/officeart/2009/3/layout/HorizontalOrganizationChart"/>
-    <dgm:cxn modelId="{56306489-B8C4-42C2-89E5-21766110F2E0}" type="presOf" srcId="{977F01D6-34AA-0744-9AE8-6E6C73FB20E2}" destId="{F512C74E-3972-B74A-BF97-64A75CD014BA}" srcOrd="0" destOrd="0" presId="urn:microsoft.com/office/officeart/2009/3/layout/HorizontalOrganizationChart"/>
-    <dgm:cxn modelId="{5351E53D-37C3-414B-BADF-9F8ADBD8A755}" type="presOf" srcId="{C413FA9F-9239-9847-BEE7-823B38DB5BF0}" destId="{D900DF1A-7E20-FB4B-8621-DA63DD7B4AF7}" srcOrd="0" destOrd="0" presId="urn:microsoft.com/office/officeart/2009/3/layout/HorizontalOrganizationChart"/>
+    <dgm:cxn modelId="{1D5779D6-34EC-6842-A8D9-9161073AFC27}" srcId="{C413FA9F-9239-9847-BEE7-823B38DB5BF0}" destId="{4D678D51-CA99-2E4E-8A8C-B29A52973556}" srcOrd="2" destOrd="0" parTransId="{040FC7E0-E2EF-6A41-A451-8B5112C8ECDB}" sibTransId="{3DEFF42C-3F8F-BF43-8C1C-67FA5123CDE5}"/>
+    <dgm:cxn modelId="{0EAD81D8-5E3B-42EF-A0FF-983BACC0573E}" type="presOf" srcId="{DE3A6BA3-9CD1-1E4E-8E3B-A1707C942582}" destId="{B7F3086B-A56D-AC46-B8AE-BA780B0B7AF2}" srcOrd="0" destOrd="0" presId="urn:microsoft.com/office/officeart/2009/3/layout/HorizontalOrganizationChart"/>
+    <dgm:cxn modelId="{AA06F6D8-5602-41D5-99AD-F65082F67516}" type="presOf" srcId="{040FC7E0-E2EF-6A41-A451-8B5112C8ECDB}" destId="{AE4E8B53-8415-9F49-B409-2900A1509C1D}" srcOrd="0" destOrd="0" presId="urn:microsoft.com/office/officeart/2009/3/layout/HorizontalOrganizationChart"/>
+    <dgm:cxn modelId="{778122DA-3B76-ED42-A155-93588EE45C15}" srcId="{7BFEDE6C-9607-594B-AC8C-1507C7955511}" destId="{2374D6DB-4E62-5747-BC86-360E2BC24B16}" srcOrd="8" destOrd="0" parTransId="{2D023EE7-9AD3-8641-94C7-68F929EB9806}" sibTransId="{B3183431-F3DB-C44E-B67E-66CE4D27932D}"/>
+    <dgm:cxn modelId="{341545DA-5CE4-BD45-9E82-55C4402604E4}" srcId="{7BFEDE6C-9607-594B-AC8C-1507C7955511}" destId="{4314635F-E9DC-534B-B148-AB54561EF29C}" srcOrd="3" destOrd="0" parTransId="{4FD666AB-71BC-ED47-ABFB-F658CD358B0A}" sibTransId="{DBA53143-C342-1144-A71C-FF4493578005}"/>
+    <dgm:cxn modelId="{3B3A50DA-3C3B-44B5-866C-D9AC5CC98812}" type="presOf" srcId="{E6D93D8B-CE71-1B44-A963-36DA1BA22119}" destId="{4C0A1423-A443-2149-BC27-352A7DB62395}" srcOrd="0" destOrd="0" presId="urn:microsoft.com/office/officeart/2009/3/layout/HorizontalOrganizationChart"/>
+    <dgm:cxn modelId="{09FA84DA-340E-4A8D-B5A3-61B6F6FAA500}" type="presOf" srcId="{2374D6DB-4E62-5747-BC86-360E2BC24B16}" destId="{AC3681AF-4C17-DC4A-B4FB-C350EBC98197}" srcOrd="0" destOrd="0" presId="urn:microsoft.com/office/officeart/2009/3/layout/HorizontalOrganizationChart"/>
+    <dgm:cxn modelId="{CDEBE7DB-D403-BE43-BEE4-5BCD71006B02}" srcId="{3818266B-75C1-124C-8BEB-726DDDAE8E25}" destId="{C9D8F1ED-4DD2-4E4E-BC8C-79C3620BE188}" srcOrd="1" destOrd="0" parTransId="{590C5DF5-D59F-BF47-800F-4EF850ADE79A}" sibTransId="{63D55FB2-C73C-1244-9C8F-673A98107DB0}"/>
+    <dgm:cxn modelId="{D54D40DC-C41A-441A-94A3-E5E8D1A286B4}" type="presOf" srcId="{854F7B39-4035-414E-AC18-03A22D801936}" destId="{E13817E2-4E8A-D540-90A3-994CD96E2A81}" srcOrd="0" destOrd="0" presId="urn:microsoft.com/office/officeart/2009/3/layout/HorizontalOrganizationChart"/>
+    <dgm:cxn modelId="{0AD910DE-8F61-4D25-A12F-46156A0DAFC2}" type="presOf" srcId="{D5C06307-5956-3E49-B88C-6EE264BA2759}" destId="{6A08DDC0-4CE4-BE47-99D9-8CCDDD9A68F0}" srcOrd="0" destOrd="0" presId="urn:microsoft.com/office/officeart/2009/3/layout/HorizontalOrganizationChart"/>
+    <dgm:cxn modelId="{1B4F58E5-5012-4D9C-AEDF-D9CAA56EF148}" type="presOf" srcId="{4E3EE4D4-ADC4-9148-B779-278A4729D58B}" destId="{7ECABC3C-2EEA-4D46-93F8-B56ACC755444}" srcOrd="0" destOrd="0" presId="urn:microsoft.com/office/officeart/2009/3/layout/HorizontalOrganizationChart"/>
+    <dgm:cxn modelId="{0294AAE7-1BB3-4595-8EE8-5F907C2DE6C7}" type="presOf" srcId="{1CA5F32C-BBC0-994D-B934-1ECC598078A0}" destId="{4B94251C-EC5E-4348-937E-F67E1B80C0B1}" srcOrd="0" destOrd="0" presId="urn:microsoft.com/office/officeart/2009/3/layout/HorizontalOrganizationChart"/>
+    <dgm:cxn modelId="{7A9BC0EC-717C-E14A-86DA-C0D8A015092A}" srcId="{78A4B493-3BBE-2A49-84C9-42B34B27847A}" destId="{35FE932A-B4E3-9148-AB09-4E7F4D0497DB}" srcOrd="0" destOrd="0" parTransId="{3854AF2F-026D-134C-AF9D-BD485085F2E0}" sibTransId="{A14EF4AA-588E-274D-9657-07D6E38D94D8}"/>
     <dgm:cxn modelId="{4FB05BED-9ECD-4C3A-9BFC-2EE6749ACED9}" type="presOf" srcId="{44E06AC3-CAAD-6A47-B81E-52FC2722669E}" destId="{7C18CF5B-8A05-B140-9B99-E58685B4CED7}" srcOrd="0" destOrd="0" presId="urn:microsoft.com/office/officeart/2009/3/layout/HorizontalOrganizationChart"/>
-    <dgm:cxn modelId="{6F959181-FE01-4A8B-B8F1-B9967F66C1B6}" type="presOf" srcId="{4FD666AB-71BC-ED47-ABFB-F658CD358B0A}" destId="{576106E0-AFCC-5A44-AB26-307B1DD9697D}" srcOrd="0" destOrd="0" presId="urn:microsoft.com/office/officeart/2009/3/layout/HorizontalOrganizationChart"/>
-    <dgm:cxn modelId="{61650A81-D219-CA49-8F81-F36CA73BF022}" srcId="{3818266B-75C1-124C-8BEB-726DDDAE8E25}" destId="{C10786AC-9D79-F248-A362-F801C00DF6C2}" srcOrd="0" destOrd="0" parTransId="{FE44331C-D25F-6842-B86E-D273068F961F}" sibTransId="{A6A8C224-FAC1-344E-BD8B-33E77911A696}"/>
-    <dgm:cxn modelId="{7A9BC0EC-717C-E14A-86DA-C0D8A015092A}" srcId="{78A4B493-3BBE-2A49-84C9-42B34B27847A}" destId="{35FE932A-B4E3-9148-AB09-4E7F4D0497DB}" srcOrd="0" destOrd="0" parTransId="{3854AF2F-026D-134C-AF9D-BD485085F2E0}" sibTransId="{A14EF4AA-588E-274D-9657-07D6E38D94D8}"/>
-    <dgm:cxn modelId="{AA06F6D8-5602-41D5-99AD-F65082F67516}" type="presOf" srcId="{040FC7E0-E2EF-6A41-A451-8B5112C8ECDB}" destId="{AE4E8B53-8415-9F49-B409-2900A1509C1D}" srcOrd="0" destOrd="0" presId="urn:microsoft.com/office/officeart/2009/3/layout/HorizontalOrganizationChart"/>
-    <dgm:cxn modelId="{3EF67F4D-C369-45C1-98F6-E02D00A7E142}" type="presOf" srcId="{78A4B493-3BBE-2A49-84C9-42B34B27847A}" destId="{D4414881-3A27-3B48-801C-386BD25F864D}" srcOrd="0" destOrd="0" presId="urn:microsoft.com/office/officeart/2009/3/layout/HorizontalOrganizationChart"/>
-    <dgm:cxn modelId="{0294AAE7-1BB3-4595-8EE8-5F907C2DE6C7}" type="presOf" srcId="{1CA5F32C-BBC0-994D-B934-1ECC598078A0}" destId="{4B94251C-EC5E-4348-937E-F67E1B80C0B1}" srcOrd="0" destOrd="0" presId="urn:microsoft.com/office/officeart/2009/3/layout/HorizontalOrganizationChart"/>
-    <dgm:cxn modelId="{9C9D8EB2-93C8-42B6-8807-9296EC4259C2}" type="presOf" srcId="{8D00831D-746E-D74D-BEF2-99979750FD8C}" destId="{C6505A86-1BE1-564F-A021-6176EB1268C2}" srcOrd="1" destOrd="0" presId="urn:microsoft.com/office/officeart/2009/3/layout/HorizontalOrganizationChart"/>
-    <dgm:cxn modelId="{33885716-90BC-4F7B-9950-B307DD6AF492}" type="presOf" srcId="{83B450A5-9E16-B245-B630-2A4789C18D9C}" destId="{B4588F31-4C6C-1E4C-B181-ABF6BC643590}" srcOrd="0" destOrd="0" presId="urn:microsoft.com/office/officeart/2009/3/layout/HorizontalOrganizationChart"/>
+    <dgm:cxn modelId="{6B34C3EE-0E87-40C3-9A4A-8F87F9DB6397}" type="presOf" srcId="{DAB1AC52-F76D-8043-9E4F-3371A0E72BD0}" destId="{742F439E-A9D1-F142-97A0-B6239D852524}" srcOrd="0" destOrd="0" presId="urn:microsoft.com/office/officeart/2009/3/layout/HorizontalOrganizationChart"/>
+    <dgm:cxn modelId="{E8FFDDF0-AAEC-3E43-993B-CD690C817373}" srcId="{8D00831D-746E-D74D-BEF2-99979750FD8C}" destId="{8F4D16E3-415C-9540-8BA7-FE5E6948FC8D}" srcOrd="0" destOrd="0" parTransId="{00C9BDDF-1DB4-594A-9898-BA2322E91F8F}" sibTransId="{8023BF6C-2FDA-DF4B-9D6A-6C895ADD6EA6}"/>
+    <dgm:cxn modelId="{23071DF1-CF2F-C145-91F5-E5834A739B75}" srcId="{C10786AC-9D79-F248-A362-F801C00DF6C2}" destId="{8D20E9FF-9760-A44C-94EF-5D11BD12C922}" srcOrd="1" destOrd="0" parTransId="{A44C8725-9A7A-EB4C-B468-FA27084A1DFD}" sibTransId="{49FC9874-5759-8540-A2DA-C1504AC2BA6A}"/>
+    <dgm:cxn modelId="{00D021F1-31ED-4ED9-A163-67EEAF8DC000}" type="presOf" srcId="{E6D93D8B-CE71-1B44-A963-36DA1BA22119}" destId="{42E377EB-481B-E349-B70C-0BD7C355BCE4}" srcOrd="1" destOrd="0" presId="urn:microsoft.com/office/officeart/2009/3/layout/HorizontalOrganizationChart"/>
     <dgm:cxn modelId="{852078F5-BA28-4CAE-867E-137843893F9F}" type="presOf" srcId="{C413FA9F-9239-9847-BEE7-823B38DB5BF0}" destId="{2960B827-F369-AD4F-A798-0D9528E755FE}" srcOrd="1" destOrd="0" presId="urn:microsoft.com/office/officeart/2009/3/layout/HorizontalOrganizationChart"/>
-    <dgm:cxn modelId="{BF5E1B3F-4AAC-F040-AE92-DC92CFFB381E}" srcId="{7BFEDE6C-9607-594B-AC8C-1507C7955511}" destId="{406253EE-3978-0C40-ADB6-92AEEF0ADB56}" srcOrd="4" destOrd="0" parTransId="{977F01D6-34AA-0744-9AE8-6E6C73FB20E2}" sibTransId="{9A9708DF-1DBD-BA4B-A245-4A11D3CBE0DD}"/>
-    <dgm:cxn modelId="{E261D022-90D2-4AA9-BEE2-D2D1E3D00638}" type="presOf" srcId="{7BFEDE6C-9607-594B-AC8C-1507C7955511}" destId="{0E103CF1-A810-174E-923D-92BE52CDB765}" srcOrd="1" destOrd="0" presId="urn:microsoft.com/office/officeart/2009/3/layout/HorizontalOrganizationChart"/>
-    <dgm:cxn modelId="{E0D5AE85-4F66-4627-BB43-6C95F89C243E}" type="presOf" srcId="{B46D11FE-A505-A145-B093-CBDAC1783145}" destId="{9B0B83C2-641C-9240-B631-61439AB4D559}" srcOrd="0" destOrd="0" presId="urn:microsoft.com/office/officeart/2009/3/layout/HorizontalOrganizationChart"/>
-    <dgm:cxn modelId="{E8DD1769-87A8-43CA-B1A1-4E4114D4A6A4}" type="presOf" srcId="{2374D6DB-4E62-5747-BC86-360E2BC24B16}" destId="{4FD33552-95BA-104B-9257-D0E102FB38BF}" srcOrd="1" destOrd="0" presId="urn:microsoft.com/office/officeart/2009/3/layout/HorizontalOrganizationChart"/>
-    <dgm:cxn modelId="{55792B44-DF1D-4E41-931F-90DE42B5F505}" type="presOf" srcId="{88FB932C-92CE-E44A-9FAC-8D6B391FAF29}" destId="{0C4E2CC1-E8DD-4E4F-940E-AB906CB21BCC}" srcOrd="0" destOrd="0" presId="urn:microsoft.com/office/officeart/2009/3/layout/HorizontalOrganizationChart"/>
-    <dgm:cxn modelId="{40157A14-7C49-477C-B68A-A77F2D035919}" type="presOf" srcId="{7BFEDE6C-9607-594B-AC8C-1507C7955511}" destId="{44A28A9F-7BCF-6745-A979-C1E4475205EB}" srcOrd="0" destOrd="0" presId="urn:microsoft.com/office/officeart/2009/3/layout/HorizontalOrganizationChart"/>
+    <dgm:cxn modelId="{1B0F25FC-B1D7-45AE-A826-FEB456162A34}" type="presOf" srcId="{0D6DF4C2-692B-B044-B9B6-82672D8D71B1}" destId="{9B585E98-FA24-0B44-BC1A-E1723F7FDD7C}" srcOrd="1" destOrd="0" presId="urn:microsoft.com/office/officeart/2009/3/layout/HorizontalOrganizationChart"/>
+    <dgm:cxn modelId="{51547CFF-DFB5-4E97-B83C-BC4FA9A5347E}" type="presOf" srcId="{0D6DF4C2-692B-B044-B9B6-82672D8D71B1}" destId="{4B5AE7C9-4C97-264A-BC3E-CB3BC9DAB0F6}" srcOrd="0" destOrd="0" presId="urn:microsoft.com/office/officeart/2009/3/layout/HorizontalOrganizationChart"/>
     <dgm:cxn modelId="{F89D5CDC-7230-498E-8E9D-BC13CFF3229C}" type="presParOf" srcId="{D4414881-3A27-3B48-801C-386BD25F864D}" destId="{91D8DCBB-092B-384E-BE41-961B2BF830D1}" srcOrd="0" destOrd="0" presId="urn:microsoft.com/office/officeart/2009/3/layout/HorizontalOrganizationChart"/>
     <dgm:cxn modelId="{CFE9ABC9-9964-4D4B-9033-4BB6B639243D}" type="presParOf" srcId="{91D8DCBB-092B-384E-BE41-961B2BF830D1}" destId="{9A88DA5A-D495-874E-81A2-5073B060160B}" srcOrd="0" destOrd="0" presId="urn:microsoft.com/office/officeart/2009/3/layout/HorizontalOrganizationChart"/>
     <dgm:cxn modelId="{3C816D07-A076-4D74-B789-9ED6A3981791}" type="presParOf" srcId="{9A88DA5A-D495-874E-81A2-5073B060160B}" destId="{864575A5-C65C-AE4E-8FDE-808AB98BE053}" srcOrd="0" destOrd="0" presId="urn:microsoft.com/office/officeart/2009/3/layout/HorizontalOrganizationChart"/>
@@ -8428,7 +7268,7 @@
         </a:bodyPr>
         <a:lstStyle/>
         <a:p>
-          <a:pPr lvl="0" algn="ctr" defTabSz="488950" latinLnBrk="1">
+          <a:pPr marL="0" lvl="0" indent="0" algn="ctr" defTabSz="488950" latinLnBrk="1">
             <a:lnSpc>
               <a:spcPct val="90000"/>
             </a:lnSpc>
@@ -8438,6 +7278,7 @@
             <a:spcAft>
               <a:spcPct val="35000"/>
             </a:spcAft>
+            <a:buNone/>
           </a:pPr>
           <a:r>
             <a:rPr lang="en-US" altLang="ko-KR" sz="1100" kern="1200" dirty="0" err="1"/>
@@ -8505,7 +7346,7 @@
         </a:bodyPr>
         <a:lstStyle/>
         <a:p>
-          <a:pPr lvl="0" algn="ctr" defTabSz="488950" latinLnBrk="1">
+          <a:pPr marL="0" lvl="0" indent="0" algn="ctr" defTabSz="488950" latinLnBrk="1">
             <a:lnSpc>
               <a:spcPct val="90000"/>
             </a:lnSpc>
@@ -8515,6 +7356,7 @@
             <a:spcAft>
               <a:spcPct val="35000"/>
             </a:spcAft>
+            <a:buNone/>
           </a:pPr>
           <a:r>
             <a:rPr lang="ko-KR" altLang="en-US" sz="1100" kern="1200" dirty="0" err="1"/>
@@ -8582,7 +7424,7 @@
         </a:bodyPr>
         <a:lstStyle/>
         <a:p>
-          <a:pPr lvl="0" algn="ctr" defTabSz="488950" latinLnBrk="1">
+          <a:pPr marL="0" lvl="0" indent="0" algn="ctr" defTabSz="488950" latinLnBrk="1">
             <a:lnSpc>
               <a:spcPct val="90000"/>
             </a:lnSpc>
@@ -8592,6 +7434,7 @@
             <a:spcAft>
               <a:spcPct val="35000"/>
             </a:spcAft>
+            <a:buNone/>
           </a:pPr>
           <a:r>
             <a:rPr lang="en-US" altLang="ko-KR" sz="1100" kern="1200" dirty="0"/>
@@ -8658,7 +7501,7 @@
         </a:bodyPr>
         <a:lstStyle/>
         <a:p>
-          <a:pPr lvl="0" algn="ctr" defTabSz="488950" latinLnBrk="1">
+          <a:pPr marL="0" lvl="0" indent="0" algn="ctr" defTabSz="488950" latinLnBrk="1">
             <a:lnSpc>
               <a:spcPct val="90000"/>
             </a:lnSpc>
@@ -8668,6 +7511,7 @@
             <a:spcAft>
               <a:spcPct val="35000"/>
             </a:spcAft>
+            <a:buNone/>
           </a:pPr>
           <a:r>
             <a:rPr lang="ko-KR" altLang="en-US" sz="1100" kern="1200" dirty="0"/>
@@ -8735,7 +7579,7 @@
         </a:bodyPr>
         <a:lstStyle/>
         <a:p>
-          <a:pPr lvl="0" algn="ctr" defTabSz="488950" latinLnBrk="1">
+          <a:pPr marL="0" lvl="0" indent="0" algn="ctr" defTabSz="488950" latinLnBrk="1">
             <a:lnSpc>
               <a:spcPct val="90000"/>
             </a:lnSpc>
@@ -8745,6 +7589,7 @@
             <a:spcAft>
               <a:spcPct val="35000"/>
             </a:spcAft>
+            <a:buNone/>
           </a:pPr>
           <a:r>
             <a:rPr lang="en-US" altLang="ko-KR" sz="1100" kern="1200" dirty="0"/>
@@ -8812,7 +7657,7 @@
         </a:bodyPr>
         <a:lstStyle/>
         <a:p>
-          <a:pPr lvl="0" algn="ctr" defTabSz="488950" latinLnBrk="1">
+          <a:pPr marL="0" lvl="0" indent="0" algn="ctr" defTabSz="488950" latinLnBrk="1">
             <a:lnSpc>
               <a:spcPct val="90000"/>
             </a:lnSpc>
@@ -8822,6 +7667,7 @@
             <a:spcAft>
               <a:spcPct val="35000"/>
             </a:spcAft>
+            <a:buNone/>
           </a:pPr>
           <a:r>
             <a:rPr lang="en-US" altLang="ko-KR" sz="1100" kern="1200" dirty="0"/>
@@ -8889,7 +7735,7 @@
         </a:bodyPr>
         <a:lstStyle/>
         <a:p>
-          <a:pPr lvl="0" algn="ctr" defTabSz="488950" latinLnBrk="1">
+          <a:pPr marL="0" lvl="0" indent="0" algn="ctr" defTabSz="488950" latinLnBrk="1">
             <a:lnSpc>
               <a:spcPct val="90000"/>
             </a:lnSpc>
@@ -8899,6 +7745,7 @@
             <a:spcAft>
               <a:spcPct val="35000"/>
             </a:spcAft>
+            <a:buNone/>
           </a:pPr>
           <a:r>
             <a:rPr lang="en-US" altLang="ko-KR" sz="1100" kern="1200" dirty="0"/>
@@ -8966,7 +7813,7 @@
         </a:bodyPr>
         <a:lstStyle/>
         <a:p>
-          <a:pPr lvl="0" algn="ctr" defTabSz="488950" latinLnBrk="1">
+          <a:pPr marL="0" lvl="0" indent="0" algn="ctr" defTabSz="488950" latinLnBrk="1">
             <a:lnSpc>
               <a:spcPct val="90000"/>
             </a:lnSpc>
@@ -8976,6 +7823,7 @@
             <a:spcAft>
               <a:spcPct val="35000"/>
             </a:spcAft>
+            <a:buNone/>
           </a:pPr>
           <a:r>
             <a:rPr lang="en-US" altLang="ko-KR" sz="1100" kern="1200" dirty="0"/>
@@ -9043,7 +7891,7 @@
         </a:bodyPr>
         <a:lstStyle/>
         <a:p>
-          <a:pPr lvl="0" algn="ctr" defTabSz="488950" latinLnBrk="1">
+          <a:pPr marL="0" lvl="0" indent="0" algn="ctr" defTabSz="488950" latinLnBrk="1">
             <a:lnSpc>
               <a:spcPct val="90000"/>
             </a:lnSpc>
@@ -9053,6 +7901,7 @@
             <a:spcAft>
               <a:spcPct val="35000"/>
             </a:spcAft>
+            <a:buNone/>
           </a:pPr>
           <a:r>
             <a:rPr lang="en-US" altLang="ko-KR" sz="1100" kern="1200" dirty="0"/>
@@ -9120,7 +7969,7 @@
         </a:bodyPr>
         <a:lstStyle/>
         <a:p>
-          <a:pPr lvl="0" algn="ctr" defTabSz="488950" latinLnBrk="1">
+          <a:pPr marL="0" lvl="0" indent="0" algn="ctr" defTabSz="488950" latinLnBrk="1">
             <a:lnSpc>
               <a:spcPct val="90000"/>
             </a:lnSpc>
@@ -9130,6 +7979,7 @@
             <a:spcAft>
               <a:spcPct val="35000"/>
             </a:spcAft>
+            <a:buNone/>
           </a:pPr>
           <a:r>
             <a:rPr lang="en-US" altLang="ko-KR" sz="1100" kern="1200" dirty="0"/>
@@ -9197,7 +8047,7 @@
         </a:bodyPr>
         <a:lstStyle/>
         <a:p>
-          <a:pPr lvl="0" algn="ctr" defTabSz="488950" latinLnBrk="1">
+          <a:pPr marL="0" lvl="0" indent="0" algn="ctr" defTabSz="488950" latinLnBrk="1">
             <a:lnSpc>
               <a:spcPct val="90000"/>
             </a:lnSpc>
@@ -9207,6 +8057,7 @@
             <a:spcAft>
               <a:spcPct val="35000"/>
             </a:spcAft>
+            <a:buNone/>
           </a:pPr>
           <a:r>
             <a:rPr lang="en-US" altLang="ko-KR" sz="1100" kern="1200" dirty="0" err="1"/>
@@ -9274,7 +8125,7 @@
         </a:bodyPr>
         <a:lstStyle/>
         <a:p>
-          <a:pPr lvl="0" algn="ctr" defTabSz="488950" latinLnBrk="1">
+          <a:pPr marL="0" lvl="0" indent="0" algn="ctr" defTabSz="488950" latinLnBrk="1">
             <a:lnSpc>
               <a:spcPct val="90000"/>
             </a:lnSpc>
@@ -9284,6 +8135,7 @@
             <a:spcAft>
               <a:spcPct val="35000"/>
             </a:spcAft>
+            <a:buNone/>
           </a:pPr>
           <a:r>
             <a:rPr lang="en-US" altLang="ko-KR" sz="1100" kern="1200" dirty="0"/>
@@ -9351,7 +8203,7 @@
         </a:bodyPr>
         <a:lstStyle/>
         <a:p>
-          <a:pPr lvl="0" algn="ctr" defTabSz="488950" latinLnBrk="1">
+          <a:pPr marL="0" lvl="0" indent="0" algn="ctr" defTabSz="488950" latinLnBrk="1">
             <a:lnSpc>
               <a:spcPct val="90000"/>
             </a:lnSpc>
@@ -9361,6 +8213,7 @@
             <a:spcAft>
               <a:spcPct val="35000"/>
             </a:spcAft>
+            <a:buNone/>
           </a:pPr>
           <a:r>
             <a:rPr lang="en-US" altLang="ko-KR" sz="1100" kern="1200" dirty="0"/>
@@ -9428,7 +8281,7 @@
         </a:bodyPr>
         <a:lstStyle/>
         <a:p>
-          <a:pPr lvl="0" algn="ctr" defTabSz="488950" latinLnBrk="1">
+          <a:pPr marL="0" lvl="0" indent="0" algn="ctr" defTabSz="488950" latinLnBrk="1">
             <a:lnSpc>
               <a:spcPct val="90000"/>
             </a:lnSpc>
@@ -9438,6 +8291,7 @@
             <a:spcAft>
               <a:spcPct val="35000"/>
             </a:spcAft>
+            <a:buNone/>
           </a:pPr>
           <a:r>
             <a:rPr lang="ko-KR" altLang="en-US" sz="1100" kern="1200" dirty="0" err="1"/>
@@ -9505,7 +8359,7 @@
         </a:bodyPr>
         <a:lstStyle/>
         <a:p>
-          <a:pPr lvl="0" algn="ctr" defTabSz="488950" latinLnBrk="1">
+          <a:pPr marL="0" lvl="0" indent="0" algn="ctr" defTabSz="488950" latinLnBrk="1">
             <a:lnSpc>
               <a:spcPct val="90000"/>
             </a:lnSpc>
@@ -9515,6 +8369,7 @@
             <a:spcAft>
               <a:spcPct val="35000"/>
             </a:spcAft>
+            <a:buNone/>
           </a:pPr>
           <a:r>
             <a:rPr lang="en-US" altLang="ko-KR" sz="1100" kern="1200" dirty="0"/>
@@ -9582,7 +8437,7 @@
         </a:bodyPr>
         <a:lstStyle/>
         <a:p>
-          <a:pPr lvl="0" algn="ctr" defTabSz="488950" latinLnBrk="1">
+          <a:pPr marL="0" lvl="0" indent="0" algn="ctr" defTabSz="488950" latinLnBrk="1">
             <a:lnSpc>
               <a:spcPct val="90000"/>
             </a:lnSpc>
@@ -9592,6 +8447,7 @@
             <a:spcAft>
               <a:spcPct val="35000"/>
             </a:spcAft>
+            <a:buNone/>
           </a:pPr>
           <a:r>
             <a:rPr lang="ko-KR" altLang="en-US" sz="1100" kern="1200" dirty="0"/>
@@ -9658,7 +8514,7 @@
         </a:bodyPr>
         <a:lstStyle/>
         <a:p>
-          <a:pPr lvl="0" algn="ctr" defTabSz="488950" latinLnBrk="1">
+          <a:pPr marL="0" lvl="0" indent="0" algn="ctr" defTabSz="488950" latinLnBrk="1">
             <a:lnSpc>
               <a:spcPct val="90000"/>
             </a:lnSpc>
@@ -9668,6 +8524,7 @@
             <a:spcAft>
               <a:spcPct val="35000"/>
             </a:spcAft>
+            <a:buNone/>
           </a:pPr>
           <a:r>
             <a:rPr lang="en-US" altLang="ko-KR" sz="1100" kern="1200" dirty="0"/>
@@ -9735,7 +8592,7 @@
         </a:bodyPr>
         <a:lstStyle/>
         <a:p>
-          <a:pPr lvl="0" algn="ctr" defTabSz="488950" latinLnBrk="1">
+          <a:pPr marL="0" lvl="0" indent="0" algn="ctr" defTabSz="488950" latinLnBrk="1">
             <a:lnSpc>
               <a:spcPct val="90000"/>
             </a:lnSpc>
@@ -9745,6 +8602,7 @@
             <a:spcAft>
               <a:spcPct val="35000"/>
             </a:spcAft>
+            <a:buNone/>
           </a:pPr>
           <a:r>
             <a:rPr lang="en-US" altLang="ko-KR" sz="1100" kern="1200" dirty="0"/>
@@ -9812,7 +8670,7 @@
         </a:bodyPr>
         <a:lstStyle/>
         <a:p>
-          <a:pPr lvl="0" algn="ctr" defTabSz="488950" latinLnBrk="1">
+          <a:pPr marL="0" lvl="0" indent="0" algn="ctr" defTabSz="488950" latinLnBrk="1">
             <a:lnSpc>
               <a:spcPct val="90000"/>
             </a:lnSpc>
@@ -9822,6 +8680,7 @@
             <a:spcAft>
               <a:spcPct val="35000"/>
             </a:spcAft>
+            <a:buNone/>
           </a:pPr>
           <a:r>
             <a:rPr lang="en-US" altLang="ko-KR" sz="1100" kern="1200" dirty="0"/>
@@ -9889,7 +8748,7 @@
         </a:bodyPr>
         <a:lstStyle/>
         <a:p>
-          <a:pPr lvl="0" algn="ctr" defTabSz="488950" latinLnBrk="1">
+          <a:pPr marL="0" lvl="0" indent="0" algn="ctr" defTabSz="488950" latinLnBrk="1">
             <a:lnSpc>
               <a:spcPct val="90000"/>
             </a:lnSpc>
@@ -9899,6 +8758,7 @@
             <a:spcAft>
               <a:spcPct val="35000"/>
             </a:spcAft>
+            <a:buNone/>
           </a:pPr>
           <a:r>
             <a:rPr lang="en-US" altLang="ko-KR" sz="1100" kern="1200" dirty="0"/>
@@ -9966,7 +8826,7 @@
         </a:bodyPr>
         <a:lstStyle/>
         <a:p>
-          <a:pPr lvl="0" algn="ctr" defTabSz="488950" latinLnBrk="1">
+          <a:pPr marL="0" lvl="0" indent="0" algn="ctr" defTabSz="488950" latinLnBrk="1">
             <a:lnSpc>
               <a:spcPct val="90000"/>
             </a:lnSpc>
@@ -9976,6 +8836,7 @@
             <a:spcAft>
               <a:spcPct val="35000"/>
             </a:spcAft>
+            <a:buNone/>
           </a:pPr>
           <a:r>
             <a:rPr lang="ko-KR" altLang="en-US" sz="1100" kern="1200" dirty="0" err="1"/>
@@ -10043,7 +8904,7 @@
         </a:bodyPr>
         <a:lstStyle/>
         <a:p>
-          <a:pPr lvl="0" algn="ctr" defTabSz="488950" latinLnBrk="1">
+          <a:pPr marL="0" lvl="0" indent="0" algn="ctr" defTabSz="488950" latinLnBrk="1">
             <a:lnSpc>
               <a:spcPct val="90000"/>
             </a:lnSpc>
@@ -10053,6 +8914,7 @@
             <a:spcAft>
               <a:spcPct val="35000"/>
             </a:spcAft>
+            <a:buNone/>
           </a:pPr>
           <a:r>
             <a:rPr lang="ko-KR" altLang="en-US" sz="1100" kern="1200" dirty="0"/>
@@ -11607,7 +10469,7 @@
         </a:bodyPr>
         <a:lstStyle/>
         <a:p>
-          <a:pPr lvl="0" algn="ctr" defTabSz="622300" latinLnBrk="1">
+          <a:pPr marL="0" lvl="0" indent="0" algn="ctr" defTabSz="622300" latinLnBrk="1">
             <a:lnSpc>
               <a:spcPct val="90000"/>
             </a:lnSpc>
@@ -11617,6 +10479,7 @@
             <a:spcAft>
               <a:spcPct val="35000"/>
             </a:spcAft>
+            <a:buNone/>
           </a:pPr>
           <a:r>
             <a:rPr lang="en-US" altLang="ko-KR" sz="1400" kern="1200" dirty="0"/>
@@ -11684,7 +10547,7 @@
         </a:bodyPr>
         <a:lstStyle/>
         <a:p>
-          <a:pPr lvl="0" algn="ctr" defTabSz="622300" latinLnBrk="1">
+          <a:pPr marL="0" lvl="0" indent="0" algn="ctr" defTabSz="622300" latinLnBrk="1">
             <a:lnSpc>
               <a:spcPct val="90000"/>
             </a:lnSpc>
@@ -11694,6 +10557,7 @@
             <a:spcAft>
               <a:spcPct val="35000"/>
             </a:spcAft>
+            <a:buNone/>
           </a:pPr>
           <a:r>
             <a:rPr lang="en-US" altLang="ko-KR" sz="1400" kern="1200" dirty="0" err="1"/>
@@ -11761,7 +10625,7 @@
         </a:bodyPr>
         <a:lstStyle/>
         <a:p>
-          <a:pPr lvl="0" algn="ctr" defTabSz="622300" latinLnBrk="1">
+          <a:pPr marL="0" lvl="0" indent="0" algn="ctr" defTabSz="622300" latinLnBrk="1">
             <a:lnSpc>
               <a:spcPct val="90000"/>
             </a:lnSpc>
@@ -11771,6 +10635,7 @@
             <a:spcAft>
               <a:spcPct val="35000"/>
             </a:spcAft>
+            <a:buNone/>
           </a:pPr>
           <a:r>
             <a:rPr lang="en-US" altLang="ko-KR" sz="1400" kern="1200" dirty="0" err="1"/>
@@ -11838,7 +10703,7 @@
         </a:bodyPr>
         <a:lstStyle/>
         <a:p>
-          <a:pPr lvl="0" algn="ctr" defTabSz="622300" latinLnBrk="1">
+          <a:pPr marL="0" lvl="0" indent="0" algn="ctr" defTabSz="622300" latinLnBrk="1">
             <a:lnSpc>
               <a:spcPct val="90000"/>
             </a:lnSpc>
@@ -11848,6 +10713,7 @@
             <a:spcAft>
               <a:spcPct val="35000"/>
             </a:spcAft>
+            <a:buNone/>
           </a:pPr>
           <a:r>
             <a:rPr lang="en-US" altLang="ko-KR" sz="1400" kern="1200" dirty="0"/>
@@ -11914,7 +10780,7 @@
         </a:bodyPr>
         <a:lstStyle/>
         <a:p>
-          <a:pPr lvl="0" algn="ctr" defTabSz="622300" latinLnBrk="1">
+          <a:pPr marL="0" lvl="0" indent="0" algn="ctr" defTabSz="622300" latinLnBrk="1">
             <a:lnSpc>
               <a:spcPct val="90000"/>
             </a:lnSpc>
@@ -11924,6 +10790,7 @@
             <a:spcAft>
               <a:spcPct val="35000"/>
             </a:spcAft>
+            <a:buNone/>
           </a:pPr>
           <a:r>
             <a:rPr lang="en-US" altLang="ko-KR" sz="1400" kern="1200" dirty="0"/>
@@ -11991,7 +10858,7 @@
         </a:bodyPr>
         <a:lstStyle/>
         <a:p>
-          <a:pPr lvl="0" algn="ctr" defTabSz="622300" latinLnBrk="1">
+          <a:pPr marL="0" lvl="0" indent="0" algn="ctr" defTabSz="622300" latinLnBrk="1">
             <a:lnSpc>
               <a:spcPct val="90000"/>
             </a:lnSpc>
@@ -12001,6 +10868,7 @@
             <a:spcAft>
               <a:spcPct val="35000"/>
             </a:spcAft>
+            <a:buNone/>
           </a:pPr>
           <a:r>
             <a:rPr lang="en-US" altLang="ko-KR" sz="1400" kern="1200" dirty="0"/>
@@ -12068,7 +10936,7 @@
         </a:bodyPr>
         <a:lstStyle/>
         <a:p>
-          <a:pPr lvl="0" algn="ctr" defTabSz="400050" latinLnBrk="1">
+          <a:pPr marL="0" lvl="0" indent="0" algn="ctr" defTabSz="400050" latinLnBrk="1">
             <a:lnSpc>
               <a:spcPct val="90000"/>
             </a:lnSpc>
@@ -12078,6 +10946,7 @@
             <a:spcAft>
               <a:spcPct val="35000"/>
             </a:spcAft>
+            <a:buNone/>
           </a:pPr>
           <a:r>
             <a:rPr lang="en-US" altLang="en-US" sz="900" kern="1200" dirty="0"/>
@@ -12145,7 +11014,7 @@
         </a:bodyPr>
         <a:lstStyle/>
         <a:p>
-          <a:pPr lvl="0" algn="ctr" defTabSz="622300" latinLnBrk="1">
+          <a:pPr marL="0" lvl="0" indent="0" algn="ctr" defTabSz="622300" latinLnBrk="1">
             <a:lnSpc>
               <a:spcPct val="90000"/>
             </a:lnSpc>
@@ -12155,6 +11024,7 @@
             <a:spcAft>
               <a:spcPct val="35000"/>
             </a:spcAft>
+            <a:buNone/>
           </a:pPr>
           <a:r>
             <a:rPr lang="en-US" altLang="ko-KR" sz="1400" kern="1200" dirty="0"/>
@@ -12222,7 +11092,7 @@
         </a:bodyPr>
         <a:lstStyle/>
         <a:p>
-          <a:pPr lvl="0" algn="ctr" defTabSz="622300" latinLnBrk="1">
+          <a:pPr marL="0" lvl="0" indent="0" algn="ctr" defTabSz="622300" latinLnBrk="1">
             <a:lnSpc>
               <a:spcPct val="90000"/>
             </a:lnSpc>
@@ -12232,6 +11102,7 @@
             <a:spcAft>
               <a:spcPct val="35000"/>
             </a:spcAft>
+            <a:buNone/>
           </a:pPr>
           <a:r>
             <a:rPr lang="en-US" altLang="ko-KR" sz="1400" kern="1200" dirty="0"/>
@@ -12299,7 +11170,7 @@
         </a:bodyPr>
         <a:lstStyle/>
         <a:p>
-          <a:pPr lvl="0" algn="ctr" defTabSz="622300" latinLnBrk="1">
+          <a:pPr marL="0" lvl="0" indent="0" algn="ctr" defTabSz="622300" latinLnBrk="1">
             <a:lnSpc>
               <a:spcPct val="90000"/>
             </a:lnSpc>
@@ -12309,6 +11180,7 @@
             <a:spcAft>
               <a:spcPct val="35000"/>
             </a:spcAft>
+            <a:buNone/>
           </a:pPr>
           <a:r>
             <a:rPr lang="en-US" altLang="ko-KR" sz="1400" kern="1200" dirty="0"/>
@@ -12376,7 +11248,7 @@
         </a:bodyPr>
         <a:lstStyle/>
         <a:p>
-          <a:pPr lvl="0" algn="ctr" defTabSz="622300" latinLnBrk="1">
+          <a:pPr marL="0" lvl="0" indent="0" algn="ctr" defTabSz="622300" latinLnBrk="1">
             <a:lnSpc>
               <a:spcPct val="90000"/>
             </a:lnSpc>
@@ -12386,6 +11258,7 @@
             <a:spcAft>
               <a:spcPct val="35000"/>
             </a:spcAft>
+            <a:buNone/>
           </a:pPr>
           <a:r>
             <a:rPr lang="en-US" altLang="ko-KR" sz="1400" kern="1200" dirty="0"/>
@@ -12453,7 +11326,7 @@
         </a:bodyPr>
         <a:lstStyle/>
         <a:p>
-          <a:pPr lvl="0" algn="ctr" defTabSz="622300" latinLnBrk="1">
+          <a:pPr marL="0" lvl="0" indent="0" algn="ctr" defTabSz="622300" latinLnBrk="1">
             <a:lnSpc>
               <a:spcPct val="90000"/>
             </a:lnSpc>
@@ -12463,6 +11336,7 @@
             <a:spcAft>
               <a:spcPct val="35000"/>
             </a:spcAft>
+            <a:buNone/>
           </a:pPr>
           <a:r>
             <a:rPr lang="en-US" altLang="ko-KR" sz="1400" kern="1200" dirty="0" err="1"/>
@@ -12530,7 +11404,7 @@
         </a:bodyPr>
         <a:lstStyle/>
         <a:p>
-          <a:pPr lvl="0" algn="ctr" defTabSz="622300" latinLnBrk="1">
+          <a:pPr marL="0" lvl="0" indent="0" algn="ctr" defTabSz="622300" latinLnBrk="1">
             <a:lnSpc>
               <a:spcPct val="90000"/>
             </a:lnSpc>
@@ -12540,6 +11414,7 @@
             <a:spcAft>
               <a:spcPct val="35000"/>
             </a:spcAft>
+            <a:buNone/>
           </a:pPr>
           <a:r>
             <a:rPr lang="en-US" altLang="ko-KR" sz="1400" kern="1200" dirty="0"/>
@@ -12607,7 +11482,7 @@
         </a:bodyPr>
         <a:lstStyle/>
         <a:p>
-          <a:pPr lvl="0" algn="ctr" defTabSz="622300" latinLnBrk="1">
+          <a:pPr marL="0" lvl="0" indent="0" algn="ctr" defTabSz="622300" latinLnBrk="1">
             <a:lnSpc>
               <a:spcPct val="90000"/>
             </a:lnSpc>
@@ -12617,6 +11492,7 @@
             <a:spcAft>
               <a:spcPct val="35000"/>
             </a:spcAft>
+            <a:buNone/>
           </a:pPr>
           <a:r>
             <a:rPr lang="en-US" altLang="ko-KR" sz="1400" kern="1200" dirty="0"/>
@@ -12684,7 +11560,7 @@
         </a:bodyPr>
         <a:lstStyle/>
         <a:p>
-          <a:pPr lvl="0" algn="ctr" defTabSz="622300" latinLnBrk="1">
+          <a:pPr marL="0" lvl="0" indent="0" algn="ctr" defTabSz="622300" latinLnBrk="1">
             <a:lnSpc>
               <a:spcPct val="90000"/>
             </a:lnSpc>
@@ -12694,6 +11570,7 @@
             <a:spcAft>
               <a:spcPct val="35000"/>
             </a:spcAft>
+            <a:buNone/>
           </a:pPr>
           <a:r>
             <a:rPr lang="en-US" altLang="ko-KR" sz="1400" kern="1200" dirty="0"/>
@@ -12761,7 +11638,7 @@
         </a:bodyPr>
         <a:lstStyle/>
         <a:p>
-          <a:pPr lvl="0" algn="ctr" defTabSz="622300" latinLnBrk="1">
+          <a:pPr marL="0" lvl="0" indent="0" algn="ctr" defTabSz="622300" latinLnBrk="1">
             <a:lnSpc>
               <a:spcPct val="90000"/>
             </a:lnSpc>
@@ -12771,6 +11648,7 @@
             <a:spcAft>
               <a:spcPct val="35000"/>
             </a:spcAft>
+            <a:buNone/>
           </a:pPr>
           <a:r>
             <a:rPr lang="en-US" altLang="ko-KR" sz="1400" kern="1200" dirty="0"/>
@@ -12838,7 +11716,7 @@
         </a:bodyPr>
         <a:lstStyle/>
         <a:p>
-          <a:pPr lvl="0" algn="ctr" defTabSz="622300" latinLnBrk="1">
+          <a:pPr marL="0" lvl="0" indent="0" algn="ctr" defTabSz="622300" latinLnBrk="1">
             <a:lnSpc>
               <a:spcPct val="90000"/>
             </a:lnSpc>
@@ -12848,6 +11726,7 @@
             <a:spcAft>
               <a:spcPct val="35000"/>
             </a:spcAft>
+            <a:buNone/>
           </a:pPr>
           <a:r>
             <a:rPr lang="en-US" altLang="ko-KR" sz="1400" kern="1200" dirty="0"/>
@@ -12915,7 +11794,7 @@
         </a:bodyPr>
         <a:lstStyle/>
         <a:p>
-          <a:pPr lvl="0" algn="ctr" defTabSz="622300" latinLnBrk="1">
+          <a:pPr marL="0" lvl="0" indent="0" algn="ctr" defTabSz="622300" latinLnBrk="1">
             <a:lnSpc>
               <a:spcPct val="90000"/>
             </a:lnSpc>
@@ -12925,6 +11804,7 @@
             <a:spcAft>
               <a:spcPct val="35000"/>
             </a:spcAft>
+            <a:buNone/>
           </a:pPr>
           <a:r>
             <a:rPr lang="en-US" altLang="ko-KR" sz="1400" kern="1200" dirty="0" err="1"/>
@@ -12992,7 +11872,7 @@
         </a:bodyPr>
         <a:lstStyle/>
         <a:p>
-          <a:pPr lvl="0" algn="ctr" defTabSz="622300" latinLnBrk="1">
+          <a:pPr marL="0" lvl="0" indent="0" algn="ctr" defTabSz="622300" latinLnBrk="1">
             <a:lnSpc>
               <a:spcPct val="90000"/>
             </a:lnSpc>
@@ -13002,6 +11882,7 @@
             <a:spcAft>
               <a:spcPct val="35000"/>
             </a:spcAft>
+            <a:buNone/>
           </a:pPr>
           <a:r>
             <a:rPr lang="en-US" altLang="ko-KR" sz="1400" kern="1200" dirty="0"/>
@@ -13069,7 +11950,7 @@
         </a:bodyPr>
         <a:lstStyle/>
         <a:p>
-          <a:pPr lvl="0" algn="ctr" defTabSz="622300" latinLnBrk="1">
+          <a:pPr marL="0" lvl="0" indent="0" algn="ctr" defTabSz="622300" latinLnBrk="1">
             <a:lnSpc>
               <a:spcPct val="90000"/>
             </a:lnSpc>
@@ -13079,6 +11960,7 @@
             <a:spcAft>
               <a:spcPct val="35000"/>
             </a:spcAft>
+            <a:buNone/>
           </a:pPr>
           <a:r>
             <a:rPr lang="en-US" altLang="ko-KR" sz="1400" kern="1200" dirty="0"/>
@@ -13146,7 +12028,7 @@
         </a:bodyPr>
         <a:lstStyle/>
         <a:p>
-          <a:pPr lvl="0" algn="ctr" defTabSz="622300" latinLnBrk="1">
+          <a:pPr marL="0" lvl="0" indent="0" algn="ctr" defTabSz="622300" latinLnBrk="1">
             <a:lnSpc>
               <a:spcPct val="90000"/>
             </a:lnSpc>
@@ -13156,6 +12038,7 @@
             <a:spcAft>
               <a:spcPct val="35000"/>
             </a:spcAft>
+            <a:buNone/>
           </a:pPr>
           <a:r>
             <a:rPr lang="en-US" altLang="ko-KR" sz="1400" kern="1200" dirty="0"/>
@@ -13222,7 +12105,7 @@
         </a:bodyPr>
         <a:lstStyle/>
         <a:p>
-          <a:pPr lvl="0" algn="ctr" defTabSz="622300" latinLnBrk="1">
+          <a:pPr marL="0" lvl="0" indent="0" algn="ctr" defTabSz="622300" latinLnBrk="1">
             <a:lnSpc>
               <a:spcPct val="90000"/>
             </a:lnSpc>
@@ -13232,6 +12115,7 @@
             <a:spcAft>
               <a:spcPct val="35000"/>
             </a:spcAft>
+            <a:buNone/>
           </a:pPr>
           <a:r>
             <a:rPr lang="en-US" altLang="ko-KR" sz="1400" kern="1200" dirty="0"/>
@@ -13299,7 +12183,7 @@
         </a:bodyPr>
         <a:lstStyle/>
         <a:p>
-          <a:pPr lvl="0" algn="ctr" defTabSz="622300" latinLnBrk="1">
+          <a:pPr marL="0" lvl="0" indent="0" algn="ctr" defTabSz="622300" latinLnBrk="1">
             <a:lnSpc>
               <a:spcPct val="90000"/>
             </a:lnSpc>
@@ -13309,6 +12193,7 @@
             <a:spcAft>
               <a:spcPct val="35000"/>
             </a:spcAft>
+            <a:buNone/>
           </a:pPr>
           <a:r>
             <a:rPr lang="en-US" altLang="ko-KR" sz="1400" kern="1200" dirty="0"/>
@@ -13376,7 +12261,7 @@
         </a:bodyPr>
         <a:lstStyle/>
         <a:p>
-          <a:pPr lvl="0" algn="ctr" defTabSz="622300" latinLnBrk="1">
+          <a:pPr marL="0" lvl="0" indent="0" algn="ctr" defTabSz="622300" latinLnBrk="1">
             <a:lnSpc>
               <a:spcPct val="90000"/>
             </a:lnSpc>
@@ -13386,6 +12271,7 @@
             <a:spcAft>
               <a:spcPct val="35000"/>
             </a:spcAft>
+            <a:buNone/>
           </a:pPr>
           <a:r>
             <a:rPr lang="en-US" altLang="ko-KR" sz="1400" kern="1200" dirty="0" err="1"/>
@@ -13453,7 +12339,7 @@
         </a:bodyPr>
         <a:lstStyle/>
         <a:p>
-          <a:pPr lvl="0" algn="ctr" defTabSz="622300" latinLnBrk="1">
+          <a:pPr marL="0" lvl="0" indent="0" algn="ctr" defTabSz="622300" latinLnBrk="1">
             <a:lnSpc>
               <a:spcPct val="90000"/>
             </a:lnSpc>
@@ -13463,6 +12349,7 @@
             <a:spcAft>
               <a:spcPct val="35000"/>
             </a:spcAft>
+            <a:buNone/>
           </a:pPr>
           <a:r>
             <a:rPr lang="en-US" altLang="ko-KR" sz="1400" kern="1200" dirty="0" err="1"/>
@@ -13530,7 +12417,7 @@
         </a:bodyPr>
         <a:lstStyle/>
         <a:p>
-          <a:pPr lvl="0" algn="ctr" defTabSz="622300" latinLnBrk="1">
+          <a:pPr marL="0" lvl="0" indent="0" algn="ctr" defTabSz="622300" latinLnBrk="1">
             <a:lnSpc>
               <a:spcPct val="90000"/>
             </a:lnSpc>
@@ -13540,6 +12427,7 @@
             <a:spcAft>
               <a:spcPct val="35000"/>
             </a:spcAft>
+            <a:buNone/>
           </a:pPr>
           <a:r>
             <a:rPr lang="en-US" altLang="ko-KR" sz="1400" kern="1200" dirty="0"/>
@@ -13607,7 +12495,7 @@
         </a:bodyPr>
         <a:lstStyle/>
         <a:p>
-          <a:pPr lvl="0" algn="ctr" defTabSz="622300" latinLnBrk="1">
+          <a:pPr marL="0" lvl="0" indent="0" algn="ctr" defTabSz="622300" latinLnBrk="1">
             <a:lnSpc>
               <a:spcPct val="90000"/>
             </a:lnSpc>
@@ -13617,6 +12505,7 @@
             <a:spcAft>
               <a:spcPct val="35000"/>
             </a:spcAft>
+            <a:buNone/>
           </a:pPr>
           <a:r>
             <a:rPr lang="en-US" altLang="ko-KR" sz="1400" kern="1200" dirty="0" err="1"/>
@@ -22091,10 +20980,6 @@
               <a:rPr lang="ko-KR" altLang="en-US" dirty="0"/>
               <a:t>쇼핑 지름길</a:t>
             </a:r>
-            <a:r>
-              <a:rPr lang="en-US" altLang="ko-KR" dirty="0"/>
-              <a:t/>
-            </a:r>
             <a:br>
               <a:rPr lang="en-US" altLang="ko-KR" dirty="0"/>
             </a:br>
@@ -22245,7 +21130,7 @@
           <p:cNvPr id="5" name="그림 4">
             <a:extLst>
               <a:ext uri="{FF2B5EF4-FFF2-40B4-BE49-F238E27FC236}">
-                <a16:creationId xmlns="" xmlns:a16="http://schemas.microsoft.com/office/drawing/2014/main" id="{9BEB9BA0-2399-4256-B34B-1E86FBC85F96}"/>
+                <a16:creationId xmlns:a16="http://schemas.microsoft.com/office/drawing/2014/main" id="{9BEB9BA0-2399-4256-B34B-1E86FBC85F96}"/>
               </a:ext>
             </a:extLst>
           </p:cNvPr>
@@ -22375,7 +21260,7 @@
           <p:cNvPr id="9" name="직사각형 8">
             <a:extLst>
               <a:ext uri="{FF2B5EF4-FFF2-40B4-BE49-F238E27FC236}">
-                <a16:creationId xmlns="" xmlns:a16="http://schemas.microsoft.com/office/drawing/2014/main" id="{F69343BF-EC30-4609-AF31-C1BE1603CF6A}"/>
+                <a16:creationId xmlns:a16="http://schemas.microsoft.com/office/drawing/2014/main" id="{F69343BF-EC30-4609-AF31-C1BE1603CF6A}"/>
               </a:ext>
             </a:extLst>
           </p:cNvPr>
@@ -22430,7 +21315,7 @@
           <p:cNvPr id="10" name="그림 9">
             <a:extLst>
               <a:ext uri="{FF2B5EF4-FFF2-40B4-BE49-F238E27FC236}">
-                <a16:creationId xmlns="" xmlns:a16="http://schemas.microsoft.com/office/drawing/2014/main" id="{A9E217A0-7508-4295-BF66-E0E77878C0EF}"/>
+                <a16:creationId xmlns:a16="http://schemas.microsoft.com/office/drawing/2014/main" id="{A9E217A0-7508-4295-BF66-E0E77878C0EF}"/>
               </a:ext>
             </a:extLst>
           </p:cNvPr>
@@ -22561,7 +21446,7 @@
           <p:cNvPr id="7" name="직사각형 6">
             <a:extLst>
               <a:ext uri="{FF2B5EF4-FFF2-40B4-BE49-F238E27FC236}">
-                <a16:creationId xmlns="" xmlns:a16="http://schemas.microsoft.com/office/drawing/2014/main" id="{793B3ACD-B178-4866-A7DE-2FDC472C417E}"/>
+                <a16:creationId xmlns:a16="http://schemas.microsoft.com/office/drawing/2014/main" id="{793B3ACD-B178-4866-A7DE-2FDC472C417E}"/>
               </a:ext>
             </a:extLst>
           </p:cNvPr>
@@ -22616,7 +21501,7 @@
           <p:cNvPr id="8" name="그림 7">
             <a:extLst>
               <a:ext uri="{FF2B5EF4-FFF2-40B4-BE49-F238E27FC236}">
-                <a16:creationId xmlns="" xmlns:a16="http://schemas.microsoft.com/office/drawing/2014/main" id="{5F831A40-95B4-4E55-BD88-F00F71259838}"/>
+                <a16:creationId xmlns:a16="http://schemas.microsoft.com/office/drawing/2014/main" id="{5F831A40-95B4-4E55-BD88-F00F71259838}"/>
               </a:ext>
             </a:extLst>
           </p:cNvPr>
@@ -22747,7 +21632,7 @@
           <p:cNvPr id="6" name="직사각형 5">
             <a:extLst>
               <a:ext uri="{FF2B5EF4-FFF2-40B4-BE49-F238E27FC236}">
-                <a16:creationId xmlns="" xmlns:a16="http://schemas.microsoft.com/office/drawing/2014/main" id="{751CF1AA-7F7E-4866-8276-7C3252E43C99}"/>
+                <a16:creationId xmlns:a16="http://schemas.microsoft.com/office/drawing/2014/main" id="{751CF1AA-7F7E-4866-8276-7C3252E43C99}"/>
               </a:ext>
             </a:extLst>
           </p:cNvPr>
@@ -22823,7 +21708,7 @@
           <p:cNvPr id="9" name="그림 8">
             <a:extLst>
               <a:ext uri="{FF2B5EF4-FFF2-40B4-BE49-F238E27FC236}">
-                <a16:creationId xmlns="" xmlns:a16="http://schemas.microsoft.com/office/drawing/2014/main" id="{CC78D51F-2FF1-4425-AE3B-45EB6F72F1C7}"/>
+                <a16:creationId xmlns:a16="http://schemas.microsoft.com/office/drawing/2014/main" id="{CC78D51F-2FF1-4425-AE3B-45EB6F72F1C7}"/>
               </a:ext>
             </a:extLst>
           </p:cNvPr>
@@ -22954,7 +21839,7 @@
           <p:cNvPr id="7" name="직사각형 6">
             <a:extLst>
               <a:ext uri="{FF2B5EF4-FFF2-40B4-BE49-F238E27FC236}">
-                <a16:creationId xmlns="" xmlns:a16="http://schemas.microsoft.com/office/drawing/2014/main" id="{A59CB97D-8CD1-4E50-81E7-8044BDADA92D}"/>
+                <a16:creationId xmlns:a16="http://schemas.microsoft.com/office/drawing/2014/main" id="{A59CB97D-8CD1-4E50-81E7-8044BDADA92D}"/>
               </a:ext>
             </a:extLst>
           </p:cNvPr>
@@ -23017,7 +21902,7 @@
           <p:cNvPr id="8" name="그림 7">
             <a:extLst>
               <a:ext uri="{FF2B5EF4-FFF2-40B4-BE49-F238E27FC236}">
-                <a16:creationId xmlns="" xmlns:a16="http://schemas.microsoft.com/office/drawing/2014/main" id="{F5EDF3E0-AFB3-42BA-9192-4BA8DF791E0C}"/>
+                <a16:creationId xmlns:a16="http://schemas.microsoft.com/office/drawing/2014/main" id="{F5EDF3E0-AFB3-42BA-9192-4BA8DF791E0C}"/>
               </a:ext>
             </a:extLst>
           </p:cNvPr>
@@ -23192,7 +22077,7 @@
           <p:cNvPr id="2" name="제목 1">
             <a:extLst>
               <a:ext uri="{FF2B5EF4-FFF2-40B4-BE49-F238E27FC236}">
-                <a16:creationId xmlns="" xmlns:a16="http://schemas.microsoft.com/office/drawing/2014/main" id="{71BE0987-FF12-4191-8749-689E1240DCED}"/>
+                <a16:creationId xmlns:a16="http://schemas.microsoft.com/office/drawing/2014/main" id="{71BE0987-FF12-4191-8749-689E1240DCED}"/>
               </a:ext>
             </a:extLst>
           </p:cNvPr>
@@ -23240,7 +22125,7 @@
           <p:cNvPr id="4" name="슬라이드 번호 개체 틀 3">
             <a:extLst>
               <a:ext uri="{FF2B5EF4-FFF2-40B4-BE49-F238E27FC236}">
-                <a16:creationId xmlns="" xmlns:a16="http://schemas.microsoft.com/office/drawing/2014/main" id="{3AE3DA83-B30B-4E40-8D5E-548C0CE7053F}"/>
+                <a16:creationId xmlns:a16="http://schemas.microsoft.com/office/drawing/2014/main" id="{3AE3DA83-B30B-4E40-8D5E-548C0CE7053F}"/>
               </a:ext>
             </a:extLst>
           </p:cNvPr>
@@ -23270,7 +22155,7 @@
           <p:cNvPr id="3" name="그림 2">
             <a:extLst>
               <a:ext uri="{FF2B5EF4-FFF2-40B4-BE49-F238E27FC236}">
-                <a16:creationId xmlns="" xmlns:a16="http://schemas.microsoft.com/office/drawing/2014/main" id="{0D9FAED9-DD43-43ED-9EDB-0A9EF25283E5}"/>
+                <a16:creationId xmlns:a16="http://schemas.microsoft.com/office/drawing/2014/main" id="{0D9FAED9-DD43-43ED-9EDB-0A9EF25283E5}"/>
               </a:ext>
             </a:extLst>
           </p:cNvPr>
@@ -23330,7 +22215,7 @@
           <p:cNvPr id="2" name="제목 1">
             <a:extLst>
               <a:ext uri="{FF2B5EF4-FFF2-40B4-BE49-F238E27FC236}">
-                <a16:creationId xmlns="" xmlns:a16="http://schemas.microsoft.com/office/drawing/2014/main" id="{71BE0987-FF12-4191-8749-689E1240DCED}"/>
+                <a16:creationId xmlns:a16="http://schemas.microsoft.com/office/drawing/2014/main" id="{71BE0987-FF12-4191-8749-689E1240DCED}"/>
               </a:ext>
             </a:extLst>
           </p:cNvPr>
@@ -23378,7 +22263,7 @@
           <p:cNvPr id="4" name="슬라이드 번호 개체 틀 3">
             <a:extLst>
               <a:ext uri="{FF2B5EF4-FFF2-40B4-BE49-F238E27FC236}">
-                <a16:creationId xmlns="" xmlns:a16="http://schemas.microsoft.com/office/drawing/2014/main" id="{3AE3DA83-B30B-4E40-8D5E-548C0CE7053F}"/>
+                <a16:creationId xmlns:a16="http://schemas.microsoft.com/office/drawing/2014/main" id="{3AE3DA83-B30B-4E40-8D5E-548C0CE7053F}"/>
               </a:ext>
             </a:extLst>
           </p:cNvPr>
@@ -23408,7 +22293,7 @@
           <p:cNvPr id="5" name="그림 4">
             <a:extLst>
               <a:ext uri="{FF2B5EF4-FFF2-40B4-BE49-F238E27FC236}">
-                <a16:creationId xmlns="" xmlns:a16="http://schemas.microsoft.com/office/drawing/2014/main" id="{578EAE58-6749-4CFE-8B98-D376999420FC}"/>
+                <a16:creationId xmlns:a16="http://schemas.microsoft.com/office/drawing/2014/main" id="{578EAE58-6749-4CFE-8B98-D376999420FC}"/>
               </a:ext>
             </a:extLst>
           </p:cNvPr>
@@ -23468,7 +22353,7 @@
           <p:cNvPr id="2" name="제목 1">
             <a:extLst>
               <a:ext uri="{FF2B5EF4-FFF2-40B4-BE49-F238E27FC236}">
-                <a16:creationId xmlns="" xmlns:a16="http://schemas.microsoft.com/office/drawing/2014/main" id="{71BE0987-FF12-4191-8749-689E1240DCED}"/>
+                <a16:creationId xmlns:a16="http://schemas.microsoft.com/office/drawing/2014/main" id="{71BE0987-FF12-4191-8749-689E1240DCED}"/>
               </a:ext>
             </a:extLst>
           </p:cNvPr>
@@ -23516,7 +22401,7 @@
           <p:cNvPr id="4" name="슬라이드 번호 개체 틀 3">
             <a:extLst>
               <a:ext uri="{FF2B5EF4-FFF2-40B4-BE49-F238E27FC236}">
-                <a16:creationId xmlns="" xmlns:a16="http://schemas.microsoft.com/office/drawing/2014/main" id="{3AE3DA83-B30B-4E40-8D5E-548C0CE7053F}"/>
+                <a16:creationId xmlns:a16="http://schemas.microsoft.com/office/drawing/2014/main" id="{3AE3DA83-B30B-4E40-8D5E-548C0CE7053F}"/>
               </a:ext>
             </a:extLst>
           </p:cNvPr>
@@ -23546,7 +22431,7 @@
           <p:cNvPr id="3" name="그림 2">
             <a:extLst>
               <a:ext uri="{FF2B5EF4-FFF2-40B4-BE49-F238E27FC236}">
-                <a16:creationId xmlns="" xmlns:a16="http://schemas.microsoft.com/office/drawing/2014/main" id="{1885F766-CDB5-4672-A34A-8C58041B46C8}"/>
+                <a16:creationId xmlns:a16="http://schemas.microsoft.com/office/drawing/2014/main" id="{1885F766-CDB5-4672-A34A-8C58041B46C8}"/>
               </a:ext>
             </a:extLst>
           </p:cNvPr>
@@ -23670,7 +22555,7 @@
           <p:cNvPr id="14" name="그림 13">
             <a:extLst>
               <a:ext uri="{FF2B5EF4-FFF2-40B4-BE49-F238E27FC236}">
-                <a16:creationId xmlns="" xmlns:a16="http://schemas.microsoft.com/office/drawing/2014/main" id="{3C933B35-39F2-4FCF-B5A7-21A94E92D3A8}"/>
+                <a16:creationId xmlns:a16="http://schemas.microsoft.com/office/drawing/2014/main" id="{3C933B35-39F2-4FCF-B5A7-21A94E92D3A8}"/>
               </a:ext>
             </a:extLst>
           </p:cNvPr>
@@ -23836,7 +22721,7 @@
           <p:cNvPr id="2" name="제목 1">
             <a:extLst>
               <a:ext uri="{FF2B5EF4-FFF2-40B4-BE49-F238E27FC236}">
-                <a16:creationId xmlns="" xmlns:a16="http://schemas.microsoft.com/office/drawing/2014/main" id="{9CA30264-CD23-4B28-9FE8-173E7FBFDBF6}"/>
+                <a16:creationId xmlns:a16="http://schemas.microsoft.com/office/drawing/2014/main" id="{9CA30264-CD23-4B28-9FE8-173E7FBFDBF6}"/>
               </a:ext>
             </a:extLst>
           </p:cNvPr>
@@ -23882,7 +22767,7 @@
           <p:cNvPr id="4" name="슬라이드 번호 개체 틀 3">
             <a:extLst>
               <a:ext uri="{FF2B5EF4-FFF2-40B4-BE49-F238E27FC236}">
-                <a16:creationId xmlns="" xmlns:a16="http://schemas.microsoft.com/office/drawing/2014/main" id="{6717AA06-B9E7-4B58-92D0-9B213C0F5CC7}"/>
+                <a16:creationId xmlns:a16="http://schemas.microsoft.com/office/drawing/2014/main" id="{6717AA06-B9E7-4B58-92D0-9B213C0F5CC7}"/>
               </a:ext>
             </a:extLst>
           </p:cNvPr>
@@ -23912,7 +22797,7 @@
           <p:cNvPr id="6" name="다이어그램 5">
             <a:extLst>
               <a:ext uri="{FF2B5EF4-FFF2-40B4-BE49-F238E27FC236}">
-                <a16:creationId xmlns="" xmlns:a16="http://schemas.microsoft.com/office/drawing/2014/main" id="{35CB34AD-3192-F642-BA41-19005DC1B02E}"/>
+                <a16:creationId xmlns:a16="http://schemas.microsoft.com/office/drawing/2014/main" id="{35CB34AD-3192-F642-BA41-19005DC1B02E}"/>
               </a:ext>
             </a:extLst>
           </p:cNvPr>
@@ -23994,7 +22879,7 @@
           <p:cNvPr id="5" name="다이어그램 4">
             <a:extLst>
               <a:ext uri="{FF2B5EF4-FFF2-40B4-BE49-F238E27FC236}">
-                <a16:creationId xmlns="" xmlns:a16="http://schemas.microsoft.com/office/drawing/2014/main" id="{2CC941DD-B02C-8D4F-A1E2-EEC4B7E38BA4}"/>
+                <a16:creationId xmlns:a16="http://schemas.microsoft.com/office/drawing/2014/main" id="{2CC941DD-B02C-8D4F-A1E2-EEC4B7E38BA4}"/>
               </a:ext>
             </a:extLst>
           </p:cNvPr>
@@ -24413,7 +23298,7 @@
           <p:cNvPr id="2" name="제목 1">
             <a:extLst>
               <a:ext uri="{FF2B5EF4-FFF2-40B4-BE49-F238E27FC236}">
-                <a16:creationId xmlns="" xmlns:a16="http://schemas.microsoft.com/office/drawing/2014/main" id="{9F4CFD8E-3232-4EA5-AFBD-295ABAD24E6B}"/>
+                <a16:creationId xmlns:a16="http://schemas.microsoft.com/office/drawing/2014/main" id="{9F4CFD8E-3232-4EA5-AFBD-295ABAD24E6B}"/>
               </a:ext>
             </a:extLst>
           </p:cNvPr>
@@ -24449,7 +23334,7 @@
           <p:cNvPr id="3" name="내용 개체 틀 2">
             <a:extLst>
               <a:ext uri="{FF2B5EF4-FFF2-40B4-BE49-F238E27FC236}">
-                <a16:creationId xmlns="" xmlns:a16="http://schemas.microsoft.com/office/drawing/2014/main" id="{31F6A51D-15CF-4BBB-83DF-1C4F385BC7FB}"/>
+                <a16:creationId xmlns:a16="http://schemas.microsoft.com/office/drawing/2014/main" id="{31F6A51D-15CF-4BBB-83DF-1C4F385BC7FB}"/>
               </a:ext>
             </a:extLst>
           </p:cNvPr>
@@ -24474,7 +23359,7 @@
           <p:cNvPr id="4" name="슬라이드 번호 개체 틀 3">
             <a:extLst>
               <a:ext uri="{FF2B5EF4-FFF2-40B4-BE49-F238E27FC236}">
-                <a16:creationId xmlns="" xmlns:a16="http://schemas.microsoft.com/office/drawing/2014/main" id="{C14F1DFE-808A-4F7D-ACFC-055AA867172E}"/>
+                <a16:creationId xmlns:a16="http://schemas.microsoft.com/office/drawing/2014/main" id="{C14F1DFE-808A-4F7D-ACFC-055AA867172E}"/>
               </a:ext>
             </a:extLst>
           </p:cNvPr>
@@ -24504,7 +23389,7 @@
           <p:cNvPr id="6" name="그림 5">
             <a:extLst>
               <a:ext uri="{FF2B5EF4-FFF2-40B4-BE49-F238E27FC236}">
-                <a16:creationId xmlns="" xmlns:a16="http://schemas.microsoft.com/office/drawing/2014/main" id="{C947E78F-8DEB-4157-9210-2B2FD9EEF7D0}"/>
+                <a16:creationId xmlns:a16="http://schemas.microsoft.com/office/drawing/2014/main" id="{C947E78F-8DEB-4157-9210-2B2FD9EEF7D0}"/>
               </a:ext>
             </a:extLst>
           </p:cNvPr>
@@ -24755,7 +23640,7 @@
           </a:prstGeom>
           <a:extLst>
             <a:ext uri="{C572A759-6A51-4108-AA02-DFA0A04FC94B}">
-              <ma14:wrappingTextBoxFlag xmlns="" xmlns:ma14="http://schemas.microsoft.com/office/mac/drawingml/2011/main" val="1"/>
+              <ma14:wrappingTextBoxFlag xmlns:ma14="http://schemas.microsoft.com/office/mac/drawingml/2011/main" xmlns="" val="1"/>
             </a:ext>
           </a:extLst>
         </p:spPr>
@@ -24772,67 +23657,10 @@
       </p:sp>
       <p:sp>
         <p:nvSpPr>
-          <p:cNvPr id="9" name="TextBox 8">
-            <a:extLst>
-              <a:ext uri="{FF2B5EF4-FFF2-40B4-BE49-F238E27FC236}">
-                <a16:creationId xmlns="" xmlns:a16="http://schemas.microsoft.com/office/drawing/2014/main" id="{065CA63B-CEBE-4F67-9925-C3973F1BCBF2}"/>
-              </a:ext>
-            </a:extLst>
-          </p:cNvPr>
-          <p:cNvSpPr txBox="1"/>
-          <p:nvPr/>
-        </p:nvSpPr>
-        <p:spPr>
-          <a:xfrm>
-            <a:off x="3576809" y="59624"/>
-            <a:ext cx="5109989" cy="369332"/>
-          </a:xfrm>
-          <a:prstGeom prst="rect">
-            <a:avLst/>
-          </a:prstGeom>
-          <a:solidFill>
-            <a:srgbClr val="FFFF00"/>
-          </a:solidFill>
-        </p:spPr>
-        <p:txBody>
-          <a:bodyPr wrap="none" rtlCol="0">
-            <a:spAutoFit/>
-          </a:bodyPr>
-          <a:lstStyle/>
-          <a:p>
-            <a:r>
-              <a:rPr lang="en-US" altLang="ko-KR" dirty="0"/>
-              <a:t>Test </a:t>
-            </a:r>
-            <a:r>
-              <a:rPr lang="en-US" altLang="ko-KR" dirty="0" err="1"/>
-              <a:t>Case_Test</a:t>
-            </a:r>
-            <a:r>
-              <a:rPr lang="en-US" altLang="ko-KR" dirty="0"/>
-              <a:t> Result.xls</a:t>
-            </a:r>
-            <a:r>
-              <a:rPr lang="ko-KR" altLang="en-US" dirty="0"/>
-              <a:t> 파일로 </a:t>
-            </a:r>
-            <a:r>
-              <a:rPr lang="en-US" altLang="ko-KR" dirty="0"/>
-              <a:t>hyper link </a:t>
-            </a:r>
-            <a:r>
-              <a:rPr lang="ko-KR" altLang="en-US" dirty="0"/>
-              <a:t>연결</a:t>
-            </a:r>
-          </a:p>
-        </p:txBody>
-      </p:sp>
-      <p:sp>
-        <p:nvSpPr>
           <p:cNvPr id="4" name="TextBox 3">
             <a:extLst>
               <a:ext uri="{FF2B5EF4-FFF2-40B4-BE49-F238E27FC236}">
-                <a16:creationId xmlns="" xmlns:a16="http://schemas.microsoft.com/office/drawing/2014/main" id="{4593FC94-AD2C-4DC0-86E3-93B00866BD62}"/>
+                <a16:creationId xmlns:a16="http://schemas.microsoft.com/office/drawing/2014/main" id="{4593FC94-AD2C-4DC0-86E3-93B00866BD62}"/>
               </a:ext>
             </a:extLst>
           </p:cNvPr>
@@ -24896,7 +23724,7 @@
           <p:cNvPr id="3" name="그림 2">
             <a:extLst>
               <a:ext uri="{FF2B5EF4-FFF2-40B4-BE49-F238E27FC236}">
-                <a16:creationId xmlns="" xmlns:a16="http://schemas.microsoft.com/office/drawing/2014/main" id="{198B24D9-B3E1-45D5-9460-C6AAF84326D5}"/>
+                <a16:creationId xmlns:a16="http://schemas.microsoft.com/office/drawing/2014/main" id="{198B24D9-B3E1-45D5-9460-C6AAF84326D5}"/>
               </a:ext>
             </a:extLst>
           </p:cNvPr>
@@ -25026,14 +23854,14 @@
                 <a:gridCol w="4632176">
                   <a:extLst>
                     <a:ext uri="{9D8B030D-6E8A-4147-A177-3AD203B41FA5}">
-                      <a16:colId xmlns="" xmlns:a16="http://schemas.microsoft.com/office/drawing/2014/main" val="20000"/>
+                      <a16:colId xmlns:a16="http://schemas.microsoft.com/office/drawing/2014/main" val="20000"/>
                     </a:ext>
                   </a:extLst>
                 </a:gridCol>
                 <a:gridCol w="1463824">
                   <a:extLst>
                     <a:ext uri="{9D8B030D-6E8A-4147-A177-3AD203B41FA5}">
-                      <a16:colId xmlns="" xmlns:a16="http://schemas.microsoft.com/office/drawing/2014/main" val="20001"/>
+                      <a16:colId xmlns:a16="http://schemas.microsoft.com/office/drawing/2014/main" val="20001"/>
                     </a:ext>
                   </a:extLst>
                 </a:gridCol>
@@ -25081,7 +23909,7 @@
                 </a:tc>
                 <a:extLst>
                   <a:ext uri="{0D108BD9-81ED-4DB2-BD59-A6C34878D82A}">
-                    <a16:rowId xmlns="" xmlns:a16="http://schemas.microsoft.com/office/drawing/2014/main" val="10000"/>
+                    <a16:rowId xmlns:a16="http://schemas.microsoft.com/office/drawing/2014/main" val="10000"/>
                   </a:ext>
                 </a:extLst>
               </a:tr>
@@ -25117,7 +23945,7 @@
                 </a:tc>
                 <a:extLst>
                   <a:ext uri="{0D108BD9-81ED-4DB2-BD59-A6C34878D82A}">
-                    <a16:rowId xmlns="" xmlns:a16="http://schemas.microsoft.com/office/drawing/2014/main" val="10001"/>
+                    <a16:rowId xmlns:a16="http://schemas.microsoft.com/office/drawing/2014/main" val="10001"/>
                   </a:ext>
                 </a:extLst>
               </a:tr>
@@ -25166,7 +23994,7 @@
                 </a:tc>
                 <a:extLst>
                   <a:ext uri="{0D108BD9-81ED-4DB2-BD59-A6C34878D82A}">
-                    <a16:rowId xmlns="" xmlns:a16="http://schemas.microsoft.com/office/drawing/2014/main" val="10002"/>
+                    <a16:rowId xmlns:a16="http://schemas.microsoft.com/office/drawing/2014/main" val="10002"/>
                   </a:ext>
                 </a:extLst>
               </a:tr>
@@ -25215,7 +24043,7 @@
                 </a:tc>
                 <a:extLst>
                   <a:ext uri="{0D108BD9-81ED-4DB2-BD59-A6C34878D82A}">
-                    <a16:rowId xmlns="" xmlns:a16="http://schemas.microsoft.com/office/drawing/2014/main" val="10003"/>
+                    <a16:rowId xmlns:a16="http://schemas.microsoft.com/office/drawing/2014/main" val="10003"/>
                   </a:ext>
                 </a:extLst>
               </a:tr>
@@ -25268,7 +24096,7 @@
                 </a:tc>
                 <a:extLst>
                   <a:ext uri="{0D108BD9-81ED-4DB2-BD59-A6C34878D82A}">
-                    <a16:rowId xmlns="" xmlns:a16="http://schemas.microsoft.com/office/drawing/2014/main" val="10004"/>
+                    <a16:rowId xmlns:a16="http://schemas.microsoft.com/office/drawing/2014/main" val="10004"/>
                   </a:ext>
                 </a:extLst>
               </a:tr>
@@ -25312,7 +24140,7 @@
                 </a:tc>
                 <a:extLst>
                   <a:ext uri="{0D108BD9-81ED-4DB2-BD59-A6C34878D82A}">
-                    <a16:rowId xmlns="" xmlns:a16="http://schemas.microsoft.com/office/drawing/2014/main" val="10005"/>
+                    <a16:rowId xmlns:a16="http://schemas.microsoft.com/office/drawing/2014/main" val="10005"/>
                   </a:ext>
                 </a:extLst>
               </a:tr>
@@ -25352,7 +24180,7 @@
                 </a:tc>
                 <a:extLst>
                   <a:ext uri="{0D108BD9-81ED-4DB2-BD59-A6C34878D82A}">
-                    <a16:rowId xmlns="" xmlns:a16="http://schemas.microsoft.com/office/drawing/2014/main" val="10006"/>
+                    <a16:rowId xmlns:a16="http://schemas.microsoft.com/office/drawing/2014/main" val="10006"/>
                   </a:ext>
                 </a:extLst>
               </a:tr>
@@ -25425,7 +24253,7 @@
                 </a:tc>
                 <a:extLst>
                   <a:ext uri="{0D108BD9-81ED-4DB2-BD59-A6C34878D82A}">
-                    <a16:rowId xmlns="" xmlns:a16="http://schemas.microsoft.com/office/drawing/2014/main" val="10007"/>
+                    <a16:rowId xmlns:a16="http://schemas.microsoft.com/office/drawing/2014/main" val="10007"/>
                   </a:ext>
                 </a:extLst>
               </a:tr>
@@ -25527,7 +24355,7 @@
           <p:cNvPr id="2" name="제목 1">
             <a:extLst>
               <a:ext uri="{FF2B5EF4-FFF2-40B4-BE49-F238E27FC236}">
-                <a16:creationId xmlns="" xmlns:a16="http://schemas.microsoft.com/office/drawing/2014/main" id="{0C7DFA5F-0FED-47DA-956C-9D8EBE6BBF32}"/>
+                <a16:creationId xmlns:a16="http://schemas.microsoft.com/office/drawing/2014/main" id="{0C7DFA5F-0FED-47DA-956C-9D8EBE6BBF32}"/>
               </a:ext>
             </a:extLst>
           </p:cNvPr>
@@ -25571,7 +24399,7 @@
           <p:cNvPr id="3" name="내용 개체 틀 2">
             <a:extLst>
               <a:ext uri="{FF2B5EF4-FFF2-40B4-BE49-F238E27FC236}">
-                <a16:creationId xmlns="" xmlns:a16="http://schemas.microsoft.com/office/drawing/2014/main" id="{3375E685-B79F-4B2C-9CFA-75E32B76BBDD}"/>
+                <a16:creationId xmlns:a16="http://schemas.microsoft.com/office/drawing/2014/main" id="{3375E685-B79F-4B2C-9CFA-75E32B76BBDD}"/>
               </a:ext>
             </a:extLst>
           </p:cNvPr>
@@ -25646,7 +24474,7 @@
           <p:cNvPr id="4" name="슬라이드 번호 개체 틀 3">
             <a:extLst>
               <a:ext uri="{FF2B5EF4-FFF2-40B4-BE49-F238E27FC236}">
-                <a16:creationId xmlns="" xmlns:a16="http://schemas.microsoft.com/office/drawing/2014/main" id="{EF02A766-4C57-4A15-BEDC-9A906144A3F5}"/>
+                <a16:creationId xmlns:a16="http://schemas.microsoft.com/office/drawing/2014/main" id="{EF02A766-4C57-4A15-BEDC-9A906144A3F5}"/>
               </a:ext>
             </a:extLst>
           </p:cNvPr>
@@ -25913,7 +24741,7 @@
           <p:cNvPr id="7" name="그림 6">
             <a:extLst>
               <a:ext uri="{FF2B5EF4-FFF2-40B4-BE49-F238E27FC236}">
-                <a16:creationId xmlns="" xmlns:a16="http://schemas.microsoft.com/office/drawing/2014/main" id="{FC9072DF-1C99-4891-B600-8B93F4DD5C05}"/>
+                <a16:creationId xmlns:a16="http://schemas.microsoft.com/office/drawing/2014/main" id="{FC9072DF-1C99-4891-B600-8B93F4DD5C05}"/>
               </a:ext>
             </a:extLst>
           </p:cNvPr>
@@ -26187,7 +25015,7 @@
           <p:cNvPr id="2" name="제목 1">
             <a:extLst>
               <a:ext uri="{FF2B5EF4-FFF2-40B4-BE49-F238E27FC236}">
-                <a16:creationId xmlns="" xmlns:a16="http://schemas.microsoft.com/office/drawing/2014/main" id="{2D47DB27-6B2D-4D91-9EAE-3F1F3552E1F1}"/>
+                <a16:creationId xmlns:a16="http://schemas.microsoft.com/office/drawing/2014/main" id="{2D47DB27-6B2D-4D91-9EAE-3F1F3552E1F1}"/>
               </a:ext>
             </a:extLst>
           </p:cNvPr>
@@ -26235,7 +25063,7 @@
           <p:cNvPr id="4" name="슬라이드 번호 개체 틀 3">
             <a:extLst>
               <a:ext uri="{FF2B5EF4-FFF2-40B4-BE49-F238E27FC236}">
-                <a16:creationId xmlns="" xmlns:a16="http://schemas.microsoft.com/office/drawing/2014/main" id="{941B8616-D6C5-43B5-BB82-6EFCC688A40B}"/>
+                <a16:creationId xmlns:a16="http://schemas.microsoft.com/office/drawing/2014/main" id="{941B8616-D6C5-43B5-BB82-6EFCC688A40B}"/>
               </a:ext>
             </a:extLst>
           </p:cNvPr>
@@ -26265,7 +25093,7 @@
           <p:cNvPr id="11" name="그림 10">
             <a:extLst>
               <a:ext uri="{FF2B5EF4-FFF2-40B4-BE49-F238E27FC236}">
-                <a16:creationId xmlns="" xmlns:a16="http://schemas.microsoft.com/office/drawing/2014/main" id="{040445B1-2FE3-4E39-838D-AC09DDD215B3}"/>
+                <a16:creationId xmlns:a16="http://schemas.microsoft.com/office/drawing/2014/main" id="{040445B1-2FE3-4E39-838D-AC09DDD215B3}"/>
               </a:ext>
             </a:extLst>
           </p:cNvPr>
@@ -26300,7 +25128,7 @@
           <p:cNvPr id="13" name="그림 12">
             <a:extLst>
               <a:ext uri="{FF2B5EF4-FFF2-40B4-BE49-F238E27FC236}">
-                <a16:creationId xmlns="" xmlns:a16="http://schemas.microsoft.com/office/drawing/2014/main" id="{F49C2029-E210-4E62-9CD4-8B93DFD7C691}"/>
+                <a16:creationId xmlns:a16="http://schemas.microsoft.com/office/drawing/2014/main" id="{F49C2029-E210-4E62-9CD4-8B93DFD7C691}"/>
               </a:ext>
             </a:extLst>
           </p:cNvPr>
@@ -26365,7 +25193,7 @@
           <p:cNvPr id="2" name="제목 1">
             <a:extLst>
               <a:ext uri="{FF2B5EF4-FFF2-40B4-BE49-F238E27FC236}">
-                <a16:creationId xmlns="" xmlns:a16="http://schemas.microsoft.com/office/drawing/2014/main" id="{2D47DB27-6B2D-4D91-9EAE-3F1F3552E1F1}"/>
+                <a16:creationId xmlns:a16="http://schemas.microsoft.com/office/drawing/2014/main" id="{2D47DB27-6B2D-4D91-9EAE-3F1F3552E1F1}"/>
               </a:ext>
             </a:extLst>
           </p:cNvPr>
@@ -26393,7 +25221,7 @@
           <p:cNvPr id="3" name="내용 개체 틀 2">
             <a:extLst>
               <a:ext uri="{FF2B5EF4-FFF2-40B4-BE49-F238E27FC236}">
-                <a16:creationId xmlns="" xmlns:a16="http://schemas.microsoft.com/office/drawing/2014/main" id="{72F073C8-C43D-4BE9-A47C-3E579A2CC9BF}"/>
+                <a16:creationId xmlns:a16="http://schemas.microsoft.com/office/drawing/2014/main" id="{72F073C8-C43D-4BE9-A47C-3E579A2CC9BF}"/>
               </a:ext>
             </a:extLst>
           </p:cNvPr>
@@ -26422,30 +25250,30 @@
               <a:t>(PSP sheet) </a:t>
             </a:r>
             <a:r>
-              <a:rPr lang="en-US" altLang="ko-KR" dirty="0" smtClean="0"/>
+              <a:rPr lang="en-US" altLang="ko-KR" dirty="0"/>
               <a:t>:</a:t>
             </a:r>
           </a:p>
           <a:p>
             <a:pPr lvl="1"/>
             <a:r>
-              <a:rPr lang="ko-KR" altLang="en-US" dirty="0" smtClean="0"/>
+              <a:rPr lang="ko-KR" altLang="en-US" dirty="0"/>
               <a:t>전체 개발시간</a:t>
             </a:r>
             <a:r>
-              <a:rPr lang="en-US" altLang="ko-KR" dirty="0" smtClean="0"/>
+              <a:rPr lang="en-US" altLang="ko-KR" dirty="0"/>
               <a:t>: 11,860 </a:t>
             </a:r>
             <a:r>
-              <a:rPr lang="ko-KR" altLang="en-US" dirty="0" smtClean="0"/>
+              <a:rPr lang="ko-KR" altLang="en-US" dirty="0"/>
               <a:t>시간</a:t>
             </a:r>
-            <a:endParaRPr lang="en-US" altLang="ko-KR" dirty="0" smtClean="0"/>
+            <a:endParaRPr lang="en-US" altLang="ko-KR" dirty="0"/>
           </a:p>
           <a:p>
             <a:pPr lvl="1"/>
             <a:r>
-              <a:rPr lang="en-US" altLang="ko-KR" dirty="0" smtClean="0"/>
+              <a:rPr lang="en-US" altLang="ko-KR" dirty="0"/>
               <a:t>1</a:t>
             </a:r>
             <a:r>
@@ -26483,7 +25311,7 @@
           <p:cNvPr id="4" name="슬라이드 번호 개체 틀 3">
             <a:extLst>
               <a:ext uri="{FF2B5EF4-FFF2-40B4-BE49-F238E27FC236}">
-                <a16:creationId xmlns="" xmlns:a16="http://schemas.microsoft.com/office/drawing/2014/main" id="{941B8616-D6C5-43B5-BB82-6EFCC688A40B}"/>
+                <a16:creationId xmlns:a16="http://schemas.microsoft.com/office/drawing/2014/main" id="{941B8616-D6C5-43B5-BB82-6EFCC688A40B}"/>
               </a:ext>
             </a:extLst>
           </p:cNvPr>
@@ -26943,7 +25771,7 @@
           <p:cNvPr id="5" name="그림 4">
             <a:extLst>
               <a:ext uri="{FF2B5EF4-FFF2-40B4-BE49-F238E27FC236}">
-                <a16:creationId xmlns="" xmlns:a16="http://schemas.microsoft.com/office/drawing/2014/main" id="{0074EA68-1215-4BED-9E33-74A04753252C}"/>
+                <a16:creationId xmlns:a16="http://schemas.microsoft.com/office/drawing/2014/main" id="{0074EA68-1215-4BED-9E33-74A04753252C}"/>
               </a:ext>
             </a:extLst>
           </p:cNvPr>
@@ -27086,7 +25914,7 @@
           <p:cNvPr id="6" name="그림 5">
             <a:extLst>
               <a:ext uri="{FF2B5EF4-FFF2-40B4-BE49-F238E27FC236}">
-                <a16:creationId xmlns="" xmlns:a16="http://schemas.microsoft.com/office/drawing/2014/main" id="{F4CB9072-0F59-4611-B187-AE8327299486}"/>
+                <a16:creationId xmlns:a16="http://schemas.microsoft.com/office/drawing/2014/main" id="{F4CB9072-0F59-4611-B187-AE8327299486}"/>
               </a:ext>
             </a:extLst>
           </p:cNvPr>

--- a/최종 산출물/1_1_프로젝트 최종결과보고서_쇼핑지름길.pptx
+++ b/최종 산출물/1_1_프로젝트 최종결과보고서_쇼핑지름길.pptx
@@ -24608,6 +24608,25 @@
             </a:r>
           </a:p>
           <a:p>
+            <a:pPr lvl="1"/>
+            <a:r>
+              <a:rPr lang="ko-KR" altLang="en-US" dirty="0" err="1"/>
+              <a:t>생각되로</a:t>
+            </a:r>
+            <a:r>
+              <a:rPr lang="ko-KR" altLang="en-US" dirty="0"/>
+              <a:t> 되는게 많이 없다는 것을 </a:t>
+            </a:r>
+            <a:r>
+              <a:rPr lang="ko-KR" altLang="en-US" dirty="0" err="1"/>
+              <a:t>깨달았다</a:t>
+            </a:r>
+            <a:r>
+              <a:rPr lang="en-US" altLang="ko-KR" dirty="0"/>
+              <a:t>.</a:t>
+            </a:r>
+          </a:p>
+          <a:p>
             <a:r>
               <a:rPr lang="ko-KR" altLang="en-US" sz="2400" dirty="0"/>
               <a:t>팀플레이를 통해 나름대로 해결할 수 있었던 노하우</a:t>
@@ -24627,6 +24646,14 @@
           </a:p>
           <a:p>
             <a:pPr lvl="1"/>
+            <a:r>
+              <a:rPr lang="ko-KR" altLang="en-US" dirty="0"/>
+              <a:t>모두 경험해본 것들이 다르니 다양한 해결책 및 노하우가 있어 좋았습니다</a:t>
+            </a:r>
+            <a:r>
+              <a:rPr lang="en-US" altLang="ko-KR" dirty="0"/>
+              <a:t>.</a:t>
+            </a:r>
             <a:endParaRPr lang="ko-KR" altLang="en-US" sz="1800" dirty="0"/>
           </a:p>
         </p:txBody>
@@ -24844,12 +24871,8 @@
           <a:lstStyle/>
           <a:p>
             <a:r>
-              <a:rPr lang="ko-KR" altLang="en-US" sz="2400" dirty="0" err="1"/>
-              <a:t>팀프로젝트를</a:t>
-            </a:r>
-            <a:r>
               <a:rPr lang="ko-KR" altLang="en-US" sz="2400" dirty="0"/>
-              <a:t> 통해 배운 점</a:t>
+              <a:t>팀프로젝트를 통해 배운 점</a:t>
             </a:r>
             <a:endParaRPr lang="en-US" altLang="ko-KR" sz="2400" dirty="0"/>
           </a:p>
@@ -24857,28 +24880,46 @@
             <a:pPr lvl="1"/>
             <a:r>
               <a:rPr lang="ko-KR" altLang="en-US" sz="1600" dirty="0"/>
-              <a:t>팀프로젝트 </a:t>
-            </a:r>
-            <a:r>
-              <a:rPr lang="ko-KR" altLang="en-US" sz="1600" dirty="0" err="1"/>
-              <a:t>수행시</a:t>
-            </a:r>
-            <a:r>
-              <a:rPr lang="ko-KR" altLang="en-US" sz="1600" dirty="0"/>
-              <a:t> </a:t>
-            </a:r>
-            <a:r>
-              <a:rPr lang="en-US" altLang="ko-KR" sz="1600" dirty="0"/>
-              <a:t>Risk</a:t>
-            </a:r>
-            <a:r>
-              <a:rPr lang="ko-KR" altLang="en-US" sz="1600" dirty="0"/>
-              <a:t>를 해결해 나가면서 깨닫게 된 점 등을 기술하면 됩니다</a:t>
+              <a:t>나 하나 열심히 하는 것 보다 협업을 얼마나 잘하느냐가 중요하다</a:t>
             </a:r>
             <a:r>
               <a:rPr lang="en-US" altLang="ko-KR" sz="1600" dirty="0"/>
               <a:t>.</a:t>
             </a:r>
+          </a:p>
+          <a:p>
+            <a:pPr lvl="1"/>
+            <a:r>
+              <a:rPr lang="ko-KR" altLang="en-US" sz="1600" dirty="0"/>
+              <a:t>서로 도와가면서 하니 모르는 부분을 이해하는데 도움이 되었다</a:t>
+            </a:r>
+            <a:r>
+              <a:rPr lang="en-US" altLang="ko-KR" sz="1600" dirty="0"/>
+              <a:t>.</a:t>
+            </a:r>
+          </a:p>
+          <a:p>
+            <a:pPr lvl="1"/>
+            <a:r>
+              <a:rPr lang="ko-KR" altLang="en-US" sz="1600" dirty="0"/>
+              <a:t>아무리 개인의 역량이 낮아도</a:t>
+            </a:r>
+            <a:r>
+              <a:rPr lang="en-US" altLang="ko-KR" sz="1600" dirty="0"/>
+              <a:t> </a:t>
+            </a:r>
+            <a:r>
+              <a:rPr lang="ko-KR" altLang="en-US" sz="1600" dirty="0"/>
+              <a:t>팀으로 협업하며 작업하면 개개인의 역량의 합 보다 더 높은 결과물을 얻을 수 있음을 느꼈다</a:t>
+            </a:r>
+            <a:r>
+              <a:rPr lang="en-US" altLang="ko-KR" sz="1600" dirty="0"/>
+              <a:t>. </a:t>
+            </a:r>
+          </a:p>
+          <a:p>
+            <a:pPr lvl="1"/>
+            <a:endParaRPr lang="en-US" altLang="ko-KR" sz="1600" dirty="0"/>
           </a:p>
           <a:p>
             <a:r>
@@ -24890,20 +24931,8 @@
           <a:p>
             <a:pPr lvl="1"/>
             <a:r>
-              <a:rPr lang="ko-KR" altLang="en-US" sz="1600" dirty="0" err="1"/>
-              <a:t>멘탈이</a:t>
-            </a:r>
-            <a:r>
               <a:rPr lang="ko-KR" altLang="en-US" sz="1600" dirty="0"/>
-              <a:t> 좀 중간에 금이 </a:t>
-            </a:r>
-            <a:r>
-              <a:rPr lang="ko-KR" altLang="en-US" sz="1600" dirty="0" err="1"/>
-              <a:t>많이가서</a:t>
-            </a:r>
-            <a:r>
-              <a:rPr lang="ko-KR" altLang="en-US" sz="1600" dirty="0"/>
-              <a:t> 미리미리 개발에 </a:t>
+              <a:t>미리미리 개발에 </a:t>
             </a:r>
             <a:r>
               <a:rPr lang="ko-KR" altLang="en-US" sz="1600" dirty="0" err="1"/>
@@ -24923,15 +24952,7 @@
             </a:r>
             <a:r>
               <a:rPr lang="en-US" altLang="ko-KR" sz="1600" dirty="0"/>
-              <a:t>. (</a:t>
-            </a:r>
-            <a:r>
-              <a:rPr lang="ko-KR" altLang="en-US" sz="1600" dirty="0"/>
-              <a:t>박</a:t>
-            </a:r>
-            <a:r>
-              <a:rPr lang="en-US" altLang="ko-KR" sz="1600" dirty="0"/>
-              <a:t>**)</a:t>
+              <a:t>.</a:t>
             </a:r>
           </a:p>
           <a:p>
@@ -24942,15 +24963,37 @@
             </a:r>
             <a:r>
               <a:rPr lang="en-US" altLang="ko-KR" sz="1600" dirty="0"/>
-              <a:t>. (</a:t>
+              <a:t>. </a:t>
+            </a:r>
+          </a:p>
+          <a:p>
+            <a:pPr lvl="1"/>
+            <a:r>
+              <a:rPr lang="ko-KR" altLang="en-US" sz="1600" dirty="0" err="1"/>
+              <a:t>공부해야할</a:t>
             </a:r>
             <a:r>
               <a:rPr lang="ko-KR" altLang="en-US" sz="1600" dirty="0"/>
-              <a:t>이</a:t>
+              <a:t> 부분이 많음을 </a:t>
+            </a:r>
+            <a:r>
+              <a:rPr lang="ko-KR" altLang="en-US" sz="1600" dirty="0" err="1"/>
+              <a:t>깨달았다</a:t>
             </a:r>
             <a:r>
               <a:rPr lang="en-US" altLang="ko-KR" sz="1600" dirty="0"/>
-              <a:t>**)</a:t>
+              <a:t>.</a:t>
+            </a:r>
+          </a:p>
+          <a:p>
+            <a:pPr lvl="1"/>
+            <a:r>
+              <a:rPr lang="ko-KR" altLang="en-US" sz="1600" dirty="0"/>
+              <a:t>더 많은 부분을 시도하지 못한 것에 대한 아쉬움</a:t>
+            </a:r>
+            <a:r>
+              <a:rPr lang="en-US" altLang="ko-KR" sz="1600"/>
+              <a:t>.</a:t>
             </a:r>
             <a:endParaRPr lang="ko-KR" altLang="en-US" sz="1600" dirty="0"/>
           </a:p>

--- a/최종 산출물/1_1_프로젝트 최종결과보고서_쇼핑지름길.pptx
+++ b/최종 산출물/1_1_프로젝트 최종결과보고서_쇼핑지름길.pptx
@@ -23582,6 +23582,7 @@
                 <a:solidFill>
                   <a:srgbClr val="00B0F0"/>
                 </a:solidFill>
+                <a:hlinkClick r:id="rId2"/>
               </a:rPr>
               <a:t>앞에 제시된 </a:t>
             </a:r>
@@ -23590,6 +23591,7 @@
                 <a:solidFill>
                   <a:srgbClr val="00B0F0"/>
                 </a:solidFill>
+                <a:hlinkClick r:id="rId2"/>
               </a:rPr>
               <a:t>Use Case </a:t>
             </a:r>
@@ -23598,6 +23600,7 @@
                 <a:solidFill>
                   <a:srgbClr val="00B0F0"/>
                 </a:solidFill>
+                <a:hlinkClick r:id="rId2"/>
               </a:rPr>
               <a:t>명칭</a:t>
             </a:r>
@@ -23606,6 +23609,7 @@
                 <a:solidFill>
                   <a:srgbClr val="00B0F0"/>
                 </a:solidFill>
+                <a:hlinkClick r:id="rId2"/>
               </a:rPr>
               <a:t>+</a:t>
             </a:r>
@@ -23614,9 +23618,15 @@
                 <a:solidFill>
                   <a:srgbClr val="00B0F0"/>
                 </a:solidFill>
+                <a:hlinkClick r:id="rId2"/>
               </a:rPr>
               <a:t>Test Case</a:t>
             </a:r>
+            <a:endParaRPr u="sng" dirty="0">
+              <a:solidFill>
+                <a:srgbClr val="00B0F0"/>
+              </a:solidFill>
+            </a:endParaRPr>
           </a:p>
         </p:txBody>
       </p:sp>
@@ -23734,7 +23744,7 @@
           <p:nvPr/>
         </p:nvPicPr>
         <p:blipFill>
-          <a:blip r:embed="rId2">
+          <a:blip r:embed="rId3">
             <a:extLst>
               <a:ext uri="{28A0092B-C50C-407E-A947-70E740481C1C}">
                 <a14:useLocalDpi xmlns:a14="http://schemas.microsoft.com/office/drawing/2010/main" val="0"/>
@@ -24992,7 +25002,7 @@
               <a:t>더 많은 부분을 시도하지 못한 것에 대한 아쉬움</a:t>
             </a:r>
             <a:r>
-              <a:rPr lang="en-US" altLang="ko-KR" sz="1600"/>
+              <a:rPr lang="en-US" altLang="ko-KR" sz="1600" dirty="0"/>
               <a:t>.</a:t>
             </a:r>
             <a:endParaRPr lang="ko-KR" altLang="en-US" sz="1600" dirty="0"/>
@@ -25168,10 +25178,10 @@
       </p:pic>
       <p:pic>
         <p:nvPicPr>
-          <p:cNvPr id="13" name="그림 12">
+          <p:cNvPr id="5" name="그림 4">
             <a:extLst>
               <a:ext uri="{FF2B5EF4-FFF2-40B4-BE49-F238E27FC236}">
-                <a16:creationId xmlns:a16="http://schemas.microsoft.com/office/drawing/2014/main" id="{F49C2029-E210-4E62-9CD4-8B93DFD7C691}"/>
+                <a16:creationId xmlns:a16="http://schemas.microsoft.com/office/drawing/2014/main" id="{82AC2A9D-DE0F-4123-974F-C77A63E72CEF}"/>
               </a:ext>
             </a:extLst>
           </p:cNvPr>
@@ -25180,21 +25190,16 @@
           </p:cNvPicPr>
           <p:nvPr/>
         </p:nvPicPr>
-        <p:blipFill rotWithShape="1">
-          <a:blip r:embed="rId3">
-            <a:extLst>
-              <a:ext uri="{28A0092B-C50C-407E-A947-70E740481C1C}">
-                <a14:useLocalDpi xmlns:a14="http://schemas.microsoft.com/office/drawing/2010/main" val="0"/>
-              </a:ext>
-            </a:extLst>
-          </a:blip>
-          <a:srcRect t="55163"/>
-          <a:stretch/>
+        <p:blipFill>
+          <a:blip r:embed="rId4"/>
+          <a:stretch>
+            <a:fillRect/>
+          </a:stretch>
         </p:blipFill>
         <p:spPr>
           <a:xfrm>
-            <a:off x="4099887" y="3429000"/>
-            <a:ext cx="4933100" cy="3415742"/>
+            <a:off x="4381767" y="3428999"/>
+            <a:ext cx="4638889" cy="3274863"/>
           </a:xfrm>
           <a:prstGeom prst="rect">
             <a:avLst/>
